--- a/DSA ppt.pptx
+++ b/DSA ppt.pptx
@@ -68,7 +68,7 @@
         <p:spPr>
           <a:xfrm>
             <a:off x="838080" y="365040"/>
-            <a:ext cx="10515240" cy="1325160"/>
+            <a:ext cx="10514880" cy="1324800"/>
           </a:xfrm>
           <a:prstGeom prst="rect">
             <a:avLst/>
@@ -83,14 +83,14 @@
             <a:noAutofit/>
           </a:bodyPr>
           <a:p>
-            <a:pPr indent="0">
-              <a:buNone/>
-            </a:pPr>
-            <a:endParaRPr b="0" lang="en-US" sz="1800" spc="-1" strike="noStrike">
-              <a:solidFill>
-                <a:schemeClr val="dk1"/>
-              </a:solidFill>
-              <a:latin typeface="Calibri"/>
+            <a:pPr indent="0" algn="ctr">
+              <a:buNone/>
+            </a:pPr>
+            <a:endParaRPr b="0" lang="en-IN" sz="4400" spc="-1" strike="noStrike">
+              <a:solidFill>
+                <a:srgbClr val="000000"/>
+              </a:solidFill>
+              <a:latin typeface="Arial"/>
             </a:endParaRPr>
           </a:p>
         </p:txBody>
@@ -108,7 +108,7 @@
         <p:spPr>
           <a:xfrm>
             <a:off x="838080" y="1825560"/>
-            <a:ext cx="10515240" cy="4350960"/>
+            <a:ext cx="10514880" cy="4350600"/>
           </a:xfrm>
           <a:prstGeom prst="rect">
             <a:avLst/>
@@ -142,7 +142,7 @@
             <a:spLocks noGrp="1"/>
           </p:cNvSpPr>
           <p:nvPr>
-            <p:ph type="ftr" idx="2"/>
+            <p:ph type="ftr" idx="1"/>
           </p:nvPr>
         </p:nvSpPr>
         <p:spPr/>
@@ -162,14 +162,14 @@
             <a:spLocks noGrp="1"/>
           </p:cNvSpPr>
           <p:nvPr>
-            <p:ph type="sldNum" idx="3"/>
+            <p:ph type="sldNum" idx="2"/>
           </p:nvPr>
         </p:nvSpPr>
         <p:spPr/>
         <p:txBody>
           <a:bodyPr/>
           <a:p>
-            <a:fld id="{C6490311-F65E-4555-8B19-81AD77C8F5EA}" type="slidenum">
+            <a:fld id="{B15EE298-6E76-4FB8-A8BB-E5023F9E7410}" type="slidenum">
               <a:t>&lt;#&gt;</a:t>
             </a:fld>
           </a:p>
@@ -182,7 +182,7 @@
             <a:spLocks noGrp="1"/>
           </p:cNvSpPr>
           <p:nvPr>
-            <p:ph type="dt" idx="1"/>
+            <p:ph type="dt" idx="3"/>
           </p:nvPr>
         </p:nvSpPr>
         <p:spPr/>
@@ -225,7 +225,7 @@
             <a:spLocks noGrp="1"/>
           </p:cNvSpPr>
           <p:nvPr>
-            <p:ph type="ftr" idx="29"/>
+            <p:ph type="ftr" idx="28"/>
           </p:nvPr>
         </p:nvSpPr>
         <p:spPr/>
@@ -245,14 +245,14 @@
             <a:spLocks noGrp="1"/>
           </p:cNvSpPr>
           <p:nvPr>
-            <p:ph type="sldNum" idx="30"/>
+            <p:ph type="sldNum" idx="29"/>
           </p:nvPr>
         </p:nvSpPr>
         <p:spPr/>
         <p:txBody>
           <a:bodyPr/>
           <a:p>
-            <a:fld id="{F81FC4A1-B4B5-48C5-9EC1-5B7FCDA942AA}" type="slidenum">
+            <a:fld id="{099C9A64-95D9-43D7-B3A9-E3A0223A4F96}" type="slidenum">
               <a:t>&lt;#&gt;</a:t>
             </a:fld>
           </a:p>
@@ -265,7 +265,7 @@
             <a:spLocks noGrp="1"/>
           </p:cNvSpPr>
           <p:nvPr>
-            <p:ph type="dt" idx="28"/>
+            <p:ph type="dt" idx="30"/>
           </p:nvPr>
         </p:nvSpPr>
         <p:spPr/>
@@ -308,7 +308,7 @@
             <a:spLocks noGrp="1"/>
           </p:cNvSpPr>
           <p:nvPr>
-            <p:ph type="ftr" idx="32"/>
+            <p:ph type="ftr" idx="31"/>
           </p:nvPr>
         </p:nvSpPr>
         <p:spPr/>
@@ -328,14 +328,14 @@
             <a:spLocks noGrp="1"/>
           </p:cNvSpPr>
           <p:nvPr>
-            <p:ph type="sldNum" idx="33"/>
+            <p:ph type="sldNum" idx="32"/>
           </p:nvPr>
         </p:nvSpPr>
         <p:spPr/>
         <p:txBody>
           <a:bodyPr/>
           <a:p>
-            <a:fld id="{FD2B4AAA-280A-48FB-B739-A50FA418F19F}" type="slidenum">
+            <a:fld id="{D8C7C12C-3024-4106-A148-71E6C09C929B}" type="slidenum">
               <a:t>&lt;#&gt;</a:t>
             </a:fld>
           </a:p>
@@ -348,7 +348,7 @@
             <a:spLocks noGrp="1"/>
           </p:cNvSpPr>
           <p:nvPr>
-            <p:ph type="dt" idx="31"/>
+            <p:ph type="dt" idx="33"/>
           </p:nvPr>
         </p:nvSpPr>
         <p:spPr/>
@@ -391,7 +391,7 @@
             <a:spLocks noGrp="1"/>
           </p:cNvSpPr>
           <p:nvPr>
-            <p:ph type="ftr" idx="5"/>
+            <p:ph type="ftr" idx="4"/>
           </p:nvPr>
         </p:nvSpPr>
         <p:spPr/>
@@ -411,14 +411,14 @@
             <a:spLocks noGrp="1"/>
           </p:cNvSpPr>
           <p:nvPr>
-            <p:ph type="sldNum" idx="6"/>
+            <p:ph type="sldNum" idx="5"/>
           </p:nvPr>
         </p:nvSpPr>
         <p:spPr/>
         <p:txBody>
           <a:bodyPr/>
           <a:p>
-            <a:fld id="{AF9B5CE2-DAED-49E7-A14A-ABBD18BD33D3}" type="slidenum">
+            <a:fld id="{EDBBBBEF-3E11-4BD0-BCDB-0F0AC4381E67}" type="slidenum">
               <a:t>&lt;#&gt;</a:t>
             </a:fld>
           </a:p>
@@ -431,7 +431,7 @@
             <a:spLocks noGrp="1"/>
           </p:cNvSpPr>
           <p:nvPr>
-            <p:ph type="dt" idx="4"/>
+            <p:ph type="dt" idx="6"/>
           </p:nvPr>
         </p:nvSpPr>
         <p:spPr/>
@@ -474,7 +474,7 @@
             <a:spLocks noGrp="1"/>
           </p:cNvSpPr>
           <p:nvPr>
-            <p:ph type="ftr" idx="8"/>
+            <p:ph type="ftr" idx="7"/>
           </p:nvPr>
         </p:nvSpPr>
         <p:spPr/>
@@ -494,14 +494,14 @@
             <a:spLocks noGrp="1"/>
           </p:cNvSpPr>
           <p:nvPr>
-            <p:ph type="sldNum" idx="9"/>
+            <p:ph type="sldNum" idx="8"/>
           </p:nvPr>
         </p:nvSpPr>
         <p:spPr/>
         <p:txBody>
           <a:bodyPr/>
           <a:p>
-            <a:fld id="{81D69862-4057-4839-BB77-0B36DCCAB921}" type="slidenum">
+            <a:fld id="{23973381-AA63-4318-9230-3D1505B01531}" type="slidenum">
               <a:t>&lt;#&gt;</a:t>
             </a:fld>
           </a:p>
@@ -514,7 +514,7 @@
             <a:spLocks noGrp="1"/>
           </p:cNvSpPr>
           <p:nvPr>
-            <p:ph type="dt" idx="7"/>
+            <p:ph type="dt" idx="9"/>
           </p:nvPr>
         </p:nvSpPr>
         <p:spPr/>
@@ -552,7 +552,7 @@
       </p:grpSpPr>
       <p:sp>
         <p:nvSpPr>
-          <p:cNvPr id="22" name="PlaceHolder 1"/>
+          <p:cNvPr id="18" name="PlaceHolder 1"/>
           <p:cNvSpPr>
             <a:spLocks noGrp="1"/>
           </p:cNvSpPr>
@@ -563,7 +563,7 @@
         <p:spPr>
           <a:xfrm>
             <a:off x="838080" y="365040"/>
-            <a:ext cx="10515240" cy="1325160"/>
+            <a:ext cx="10514880" cy="1324800"/>
           </a:xfrm>
           <a:prstGeom prst="rect">
             <a:avLst/>
@@ -578,21 +578,21 @@
             <a:noAutofit/>
           </a:bodyPr>
           <a:p>
-            <a:pPr indent="0">
-              <a:buNone/>
-            </a:pPr>
-            <a:endParaRPr b="0" lang="en-US" sz="1800" spc="-1" strike="noStrike">
-              <a:solidFill>
-                <a:schemeClr val="dk1"/>
-              </a:solidFill>
-              <a:latin typeface="Calibri"/>
-            </a:endParaRPr>
-          </a:p>
-        </p:txBody>
-      </p:sp>
-      <p:sp>
-        <p:nvSpPr>
-          <p:cNvPr id="23" name="PlaceHolder 2"/>
+            <a:pPr indent="0" algn="ctr">
+              <a:buNone/>
+            </a:pPr>
+            <a:endParaRPr b="0" lang="en-IN" sz="4400" spc="-1" strike="noStrike">
+              <a:solidFill>
+                <a:srgbClr val="000000"/>
+              </a:solidFill>
+              <a:latin typeface="Arial"/>
+            </a:endParaRPr>
+          </a:p>
+        </p:txBody>
+      </p:sp>
+      <p:sp>
+        <p:nvSpPr>
+          <p:cNvPr id="19" name="PlaceHolder 2"/>
           <p:cNvSpPr>
             <a:spLocks noGrp="1"/>
           </p:cNvSpPr>
@@ -603,7 +603,7 @@
         <p:spPr>
           <a:xfrm>
             <a:off x="838080" y="1825560"/>
-            <a:ext cx="10515240" cy="4350960"/>
+            <a:ext cx="10514880" cy="4350600"/>
           </a:xfrm>
           <a:prstGeom prst="rect">
             <a:avLst/>
@@ -619,19 +619,16 @@
           </a:bodyPr>
           <a:p>
             <a:pPr indent="0">
-              <a:lnSpc>
-                <a:spcPct val="90000"/>
-              </a:lnSpc>
               <a:spcBef>
                 <a:spcPts val="1417"/>
               </a:spcBef>
               <a:buNone/>
             </a:pPr>
-            <a:endParaRPr b="0" lang="en-US" sz="2800" spc="-1" strike="noStrike">
-              <a:solidFill>
-                <a:schemeClr val="dk1"/>
-              </a:solidFill>
-              <a:latin typeface="Calibri"/>
+            <a:endParaRPr b="0" lang="en-IN" sz="3200" spc="-1" strike="noStrike">
+              <a:solidFill>
+                <a:srgbClr val="000000"/>
+              </a:solidFill>
+              <a:latin typeface="Arial"/>
             </a:endParaRPr>
           </a:p>
         </p:txBody>
@@ -643,7 +640,7 @@
             <a:spLocks noGrp="1"/>
           </p:cNvSpPr>
           <p:nvPr>
-            <p:ph type="ftr" idx="11"/>
+            <p:ph type="ftr" idx="10"/>
           </p:nvPr>
         </p:nvSpPr>
         <p:spPr/>
@@ -663,14 +660,14 @@
             <a:spLocks noGrp="1"/>
           </p:cNvSpPr>
           <p:nvPr>
-            <p:ph type="sldNum" idx="12"/>
+            <p:ph type="sldNum" idx="11"/>
           </p:nvPr>
         </p:nvSpPr>
         <p:spPr/>
         <p:txBody>
           <a:bodyPr/>
           <a:p>
-            <a:fld id="{6D335277-D9EF-4982-9079-2F27AFED5876}" type="slidenum">
+            <a:fld id="{2113C914-BB78-4D9E-AA3F-08AA2F8738CB}" type="slidenum">
               <a:t>&lt;#&gt;</a:t>
             </a:fld>
           </a:p>
@@ -683,7 +680,7 @@
             <a:spLocks noGrp="1"/>
           </p:cNvSpPr>
           <p:nvPr>
-            <p:ph type="dt" idx="10"/>
+            <p:ph type="dt" idx="12"/>
           </p:nvPr>
         </p:nvSpPr>
         <p:spPr/>
@@ -726,7 +723,7 @@
             <a:spLocks noGrp="1"/>
           </p:cNvSpPr>
           <p:nvPr>
-            <p:ph type="ftr" idx="14"/>
+            <p:ph type="ftr" idx="13"/>
           </p:nvPr>
         </p:nvSpPr>
         <p:spPr/>
@@ -746,14 +743,14 @@
             <a:spLocks noGrp="1"/>
           </p:cNvSpPr>
           <p:nvPr>
-            <p:ph type="sldNum" idx="15"/>
+            <p:ph type="sldNum" idx="14"/>
           </p:nvPr>
         </p:nvSpPr>
         <p:spPr/>
         <p:txBody>
           <a:bodyPr/>
           <a:p>
-            <a:fld id="{C5DF6818-7F40-4BE2-9CAA-F0526EBDAC10}" type="slidenum">
+            <a:fld id="{8EDBFF7C-ED55-4AA8-A352-F42FB436C97E}" type="slidenum">
               <a:t>&lt;#&gt;</a:t>
             </a:fld>
           </a:p>
@@ -766,7 +763,7 @@
             <a:spLocks noGrp="1"/>
           </p:cNvSpPr>
           <p:nvPr>
-            <p:ph type="dt" idx="13"/>
+            <p:ph type="dt" idx="15"/>
           </p:nvPr>
         </p:nvSpPr>
         <p:spPr/>
@@ -804,7 +801,7 @@
       </p:grpSpPr>
       <p:sp>
         <p:nvSpPr>
-          <p:cNvPr id="35" name="PlaceHolder 1"/>
+          <p:cNvPr id="29" name="PlaceHolder 1"/>
           <p:cNvSpPr>
             <a:spLocks noGrp="1"/>
           </p:cNvSpPr>
@@ -815,7 +812,7 @@
         <p:spPr>
           <a:xfrm>
             <a:off x="838080" y="365040"/>
-            <a:ext cx="10515240" cy="1325160"/>
+            <a:ext cx="10514880" cy="1324800"/>
           </a:xfrm>
           <a:prstGeom prst="rect">
             <a:avLst/>
@@ -830,21 +827,21 @@
             <a:noAutofit/>
           </a:bodyPr>
           <a:p>
-            <a:pPr indent="0">
-              <a:buNone/>
-            </a:pPr>
-            <a:endParaRPr b="0" lang="en-US" sz="1800" spc="-1" strike="noStrike">
-              <a:solidFill>
-                <a:schemeClr val="dk1"/>
-              </a:solidFill>
-              <a:latin typeface="Calibri"/>
-            </a:endParaRPr>
-          </a:p>
-        </p:txBody>
-      </p:sp>
-      <p:sp>
-        <p:nvSpPr>
-          <p:cNvPr id="36" name="PlaceHolder 2"/>
+            <a:pPr indent="0" algn="ctr">
+              <a:buNone/>
+            </a:pPr>
+            <a:endParaRPr b="0" lang="en-IN" sz="4400" spc="-1" strike="noStrike">
+              <a:solidFill>
+                <a:srgbClr val="000000"/>
+              </a:solidFill>
+              <a:latin typeface="Arial"/>
+            </a:endParaRPr>
+          </a:p>
+        </p:txBody>
+      </p:sp>
+      <p:sp>
+        <p:nvSpPr>
+          <p:cNvPr id="30" name="PlaceHolder 2"/>
           <p:cNvSpPr>
             <a:spLocks noGrp="1"/>
           </p:cNvSpPr>
@@ -855,7 +852,7 @@
         <p:spPr>
           <a:xfrm>
             <a:off x="838080" y="1825560"/>
-            <a:ext cx="5131080" cy="4350960"/>
+            <a:ext cx="5131080" cy="4350600"/>
           </a:xfrm>
           <a:prstGeom prst="rect">
             <a:avLst/>
@@ -871,26 +868,23 @@
           </a:bodyPr>
           <a:p>
             <a:pPr indent="0">
-              <a:lnSpc>
-                <a:spcPct val="90000"/>
-              </a:lnSpc>
               <a:spcBef>
                 <a:spcPts val="1417"/>
               </a:spcBef>
               <a:buNone/>
             </a:pPr>
-            <a:endParaRPr b="0" lang="en-US" sz="2800" spc="-1" strike="noStrike">
-              <a:solidFill>
-                <a:schemeClr val="dk1"/>
-              </a:solidFill>
-              <a:latin typeface="Calibri"/>
-            </a:endParaRPr>
-          </a:p>
-        </p:txBody>
-      </p:sp>
-      <p:sp>
-        <p:nvSpPr>
-          <p:cNvPr id="37" name="PlaceHolder 3"/>
+            <a:endParaRPr b="0" lang="en-IN" sz="3200" spc="-1" strike="noStrike">
+              <a:solidFill>
+                <a:srgbClr val="000000"/>
+              </a:solidFill>
+              <a:latin typeface="Arial"/>
+            </a:endParaRPr>
+          </a:p>
+        </p:txBody>
+      </p:sp>
+      <p:sp>
+        <p:nvSpPr>
+          <p:cNvPr id="31" name="PlaceHolder 3"/>
           <p:cNvSpPr>
             <a:spLocks noGrp="1"/>
           </p:cNvSpPr>
@@ -901,7 +895,7 @@
         <p:spPr>
           <a:xfrm>
             <a:off x="6226200" y="1825560"/>
-            <a:ext cx="5131080" cy="4350960"/>
+            <a:ext cx="5131080" cy="4350600"/>
           </a:xfrm>
           <a:prstGeom prst="rect">
             <a:avLst/>
@@ -917,19 +911,16 @@
           </a:bodyPr>
           <a:p>
             <a:pPr indent="0">
-              <a:lnSpc>
-                <a:spcPct val="90000"/>
-              </a:lnSpc>
               <a:spcBef>
                 <a:spcPts val="1417"/>
               </a:spcBef>
               <a:buNone/>
             </a:pPr>
-            <a:endParaRPr b="0" lang="en-US" sz="2800" spc="-1" strike="noStrike">
-              <a:solidFill>
-                <a:schemeClr val="dk1"/>
-              </a:solidFill>
-              <a:latin typeface="Calibri"/>
+            <a:endParaRPr b="0" lang="en-IN" sz="3200" spc="-1" strike="noStrike">
+              <a:solidFill>
+                <a:srgbClr val="000000"/>
+              </a:solidFill>
+              <a:latin typeface="Arial"/>
             </a:endParaRPr>
           </a:p>
         </p:txBody>
@@ -941,7 +932,7 @@
             <a:spLocks noGrp="1"/>
           </p:cNvSpPr>
           <p:nvPr>
-            <p:ph type="ftr" idx="17"/>
+            <p:ph type="ftr" idx="16"/>
           </p:nvPr>
         </p:nvSpPr>
         <p:spPr/>
@@ -961,14 +952,14 @@
             <a:spLocks noGrp="1"/>
           </p:cNvSpPr>
           <p:nvPr>
-            <p:ph type="sldNum" idx="18"/>
+            <p:ph type="sldNum" idx="17"/>
           </p:nvPr>
         </p:nvSpPr>
         <p:spPr/>
         <p:txBody>
           <a:bodyPr/>
           <a:p>
-            <a:fld id="{EFE2254C-5C11-4EEF-A6B5-44432C1A1B64}" type="slidenum">
+            <a:fld id="{DEDF320A-B1E6-4203-9EBC-AC82E631929D}" type="slidenum">
               <a:t>&lt;#&gt;</a:t>
             </a:fld>
           </a:p>
@@ -981,7 +972,7 @@
             <a:spLocks noGrp="1"/>
           </p:cNvSpPr>
           <p:nvPr>
-            <p:ph type="dt" idx="16"/>
+            <p:ph type="dt" idx="18"/>
           </p:nvPr>
         </p:nvSpPr>
         <p:spPr/>
@@ -1024,7 +1015,7 @@
             <a:spLocks noGrp="1"/>
           </p:cNvSpPr>
           <p:nvPr>
-            <p:ph type="ftr" idx="20"/>
+            <p:ph type="ftr" idx="19"/>
           </p:nvPr>
         </p:nvSpPr>
         <p:spPr/>
@@ -1044,14 +1035,14 @@
             <a:spLocks noGrp="1"/>
           </p:cNvSpPr>
           <p:nvPr>
-            <p:ph type="sldNum" idx="21"/>
+            <p:ph type="sldNum" idx="20"/>
           </p:nvPr>
         </p:nvSpPr>
         <p:spPr/>
         <p:txBody>
           <a:bodyPr/>
           <a:p>
-            <a:fld id="{AE1CB249-5B75-4185-A2FA-FCFE66094D1A}" type="slidenum">
+            <a:fld id="{5CB6C38A-2D70-4855-94CB-B0AC21C7B64A}" type="slidenum">
               <a:t>&lt;#&gt;</a:t>
             </a:fld>
           </a:p>
@@ -1064,7 +1055,7 @@
             <a:spLocks noGrp="1"/>
           </p:cNvSpPr>
           <p:nvPr>
-            <p:ph type="dt" idx="19"/>
+            <p:ph type="dt" idx="21"/>
           </p:nvPr>
         </p:nvSpPr>
         <p:spPr/>
@@ -1102,7 +1093,7 @@
       </p:grpSpPr>
       <p:sp>
         <p:nvSpPr>
-          <p:cNvPr id="51" name="PlaceHolder 1"/>
+          <p:cNvPr id="40" name="PlaceHolder 1"/>
           <p:cNvSpPr>
             <a:spLocks noGrp="1"/>
           </p:cNvSpPr>
@@ -1113,7 +1104,7 @@
         <p:spPr>
           <a:xfrm>
             <a:off x="838080" y="365040"/>
-            <a:ext cx="10515240" cy="1325160"/>
+            <a:ext cx="10514880" cy="1324800"/>
           </a:xfrm>
           <a:prstGeom prst="rect">
             <a:avLst/>
@@ -1128,14 +1119,14 @@
             <a:noAutofit/>
           </a:bodyPr>
           <a:p>
-            <a:pPr indent="0">
-              <a:buNone/>
-            </a:pPr>
-            <a:endParaRPr b="0" lang="en-US" sz="1800" spc="-1" strike="noStrike">
-              <a:solidFill>
-                <a:schemeClr val="dk1"/>
-              </a:solidFill>
-              <a:latin typeface="Calibri"/>
+            <a:pPr indent="0" algn="ctr">
+              <a:buNone/>
+            </a:pPr>
+            <a:endParaRPr b="0" lang="en-IN" sz="4400" spc="-1" strike="noStrike">
+              <a:solidFill>
+                <a:srgbClr val="000000"/>
+              </a:solidFill>
+              <a:latin typeface="Arial"/>
             </a:endParaRPr>
           </a:p>
         </p:txBody>
@@ -1147,7 +1138,7 @@
             <a:spLocks noGrp="1"/>
           </p:cNvSpPr>
           <p:nvPr>
-            <p:ph type="ftr" idx="23"/>
+            <p:ph type="ftr" idx="22"/>
           </p:nvPr>
         </p:nvSpPr>
         <p:spPr/>
@@ -1167,14 +1158,14 @@
             <a:spLocks noGrp="1"/>
           </p:cNvSpPr>
           <p:nvPr>
-            <p:ph type="sldNum" idx="24"/>
+            <p:ph type="sldNum" idx="23"/>
           </p:nvPr>
         </p:nvSpPr>
         <p:spPr/>
         <p:txBody>
           <a:bodyPr/>
           <a:p>
-            <a:fld id="{16C6F940-8799-494C-A6A0-8146049526B4}" type="slidenum">
+            <a:fld id="{094D9452-5E8E-46F9-AF86-2D5034D53FEB}" type="slidenum">
               <a:t>&lt;#&gt;</a:t>
             </a:fld>
           </a:p>
@@ -1187,7 +1178,7 @@
             <a:spLocks noGrp="1"/>
           </p:cNvSpPr>
           <p:nvPr>
-            <p:ph type="dt" idx="22"/>
+            <p:ph type="dt" idx="24"/>
           </p:nvPr>
         </p:nvSpPr>
         <p:spPr/>
@@ -1230,7 +1221,7 @@
             <a:spLocks noGrp="1"/>
           </p:cNvSpPr>
           <p:nvPr>
-            <p:ph type="ftr" idx="26"/>
+            <p:ph type="ftr" idx="25"/>
           </p:nvPr>
         </p:nvSpPr>
         <p:spPr/>
@@ -1250,14 +1241,14 @@
             <a:spLocks noGrp="1"/>
           </p:cNvSpPr>
           <p:nvPr>
-            <p:ph type="sldNum" idx="27"/>
+            <p:ph type="sldNum" idx="26"/>
           </p:nvPr>
         </p:nvSpPr>
         <p:spPr/>
         <p:txBody>
           <a:bodyPr/>
           <a:p>
-            <a:fld id="{8B44E5F9-22F0-4FCC-AE2B-85C3DD682594}" type="slidenum">
+            <a:fld id="{0F93D028-FD9D-43A5-8540-3C5632C3A02A}" type="slidenum">
               <a:t>&lt;#&gt;</a:t>
             </a:fld>
           </a:p>
@@ -1270,7 +1261,7 @@
             <a:spLocks noGrp="1"/>
           </p:cNvSpPr>
           <p:nvPr>
-            <p:ph type="dt" idx="25"/>
+            <p:ph type="dt" idx="27"/>
           </p:nvPr>
         </p:nvSpPr>
         <p:spPr/>
@@ -1325,8 +1316,8 @@
         </p:nvSpPr>
         <p:spPr>
           <a:xfrm>
-            <a:off x="1523880" y="1122480"/>
-            <a:ext cx="9143640" cy="2387160"/>
+            <a:off x="838080" y="365040"/>
+            <a:ext cx="10514880" cy="1324800"/>
           </a:xfrm>
           <a:prstGeom prst="rect">
             <a:avLst/>
@@ -1337,30 +1328,27 @@
           </a:ln>
         </p:spPr>
         <p:txBody>
-          <a:bodyPr lIns="91440" rIns="91440" tIns="45720" bIns="45720" anchor="b">
+          <a:bodyPr lIns="0" rIns="0" tIns="0" bIns="0" anchor="ctr">
             <a:noAutofit/>
           </a:bodyPr>
           <a:p>
-            <a:pPr indent="0" algn="ctr" defTabSz="914400">
-              <a:lnSpc>
-                <a:spcPct val="90000"/>
-              </a:lnSpc>
-              <a:buNone/>
-            </a:pPr>
-            <a:r>
-              <a:rPr b="0" lang="en-US" sz="6000" spc="-1" strike="noStrike">
-                <a:solidFill>
-                  <a:schemeClr val="dk1"/>
-                </a:solidFill>
-                <a:latin typeface="Calibri Light"/>
-              </a:rPr>
-              <a:t>Click to edit Master title style</a:t>
-            </a:r>
-            <a:endParaRPr b="0" lang="en-US" sz="6000" spc="-1" strike="noStrike">
-              <a:solidFill>
-                <a:schemeClr val="dk1"/>
-              </a:solidFill>
-              <a:latin typeface="Calibri"/>
+            <a:pPr indent="0">
+              <a:buNone/>
+            </a:pPr>
+            <a:r>
+              <a:rPr b="0" lang="en-IN" sz="1800" spc="-1" strike="noStrike">
+                <a:solidFill>
+                  <a:srgbClr val="000000"/>
+                </a:solidFill>
+                <a:latin typeface="Arial"/>
+              </a:rPr>
+              <a:t>Click to edit the title text format</a:t>
+            </a:r>
+            <a:endParaRPr b="0" lang="en-IN" sz="1800" spc="-1" strike="noStrike">
+              <a:solidFill>
+                <a:srgbClr val="000000"/>
+              </a:solidFill>
+              <a:latin typeface="Arial"/>
             </a:endParaRPr>
           </a:p>
         </p:txBody>
@@ -1372,13 +1360,13 @@
             <a:spLocks noGrp="1"/>
           </p:cNvSpPr>
           <p:nvPr>
-            <p:ph type="dt" idx="1"/>
+            <p:ph type="ftr" idx="1"/>
           </p:nvPr>
         </p:nvSpPr>
         <p:spPr>
           <a:xfrm>
-            <a:off x="838080" y="6356520"/>
-            <a:ext cx="2742840" cy="364680"/>
+            <a:off x="4038480" y="6356520"/>
+            <a:ext cx="4114080" cy="364320"/>
           </a:xfrm>
           <a:prstGeom prst="rect">
             <a:avLst/>
@@ -1393,40 +1381,42 @@
             <a:noAutofit/>
           </a:bodyPr>
           <a:lstStyle>
-            <a:lvl1pPr indent="0" defTabSz="914400">
+            <a:lvl1pPr indent="0" algn="ctr">
               <a:lnSpc>
                 <a:spcPct val="100000"/>
               </a:lnSpc>
               <a:buNone/>
-              <a:defRPr b="0" lang="en-IN" sz="1200" spc="-1" strike="noStrike">
-                <a:solidFill>
-                  <a:schemeClr val="dk1">
-                    <a:tint val="75000"/>
-                  </a:schemeClr>
-                </a:solidFill>
-                <a:latin typeface="Calibri"/>
+              <a:tabLst>
+                <a:tab algn="l" pos="0"/>
+              </a:tabLst>
+              <a:defRPr b="0" lang="en-IN" sz="1400" spc="-1" strike="noStrike">
+                <a:solidFill>
+                  <a:srgbClr val="000000"/>
+                </a:solidFill>
+                <a:latin typeface="Times New Roman"/>
               </a:defRPr>
             </a:lvl1pPr>
           </a:lstStyle>
           <a:p>
-            <a:pPr indent="0" defTabSz="914400">
+            <a:pPr indent="0" algn="ctr">
               <a:lnSpc>
                 <a:spcPct val="100000"/>
               </a:lnSpc>
               <a:buNone/>
-            </a:pPr>
-            <a:r>
-              <a:rPr b="0" lang="en-IN" sz="1200" spc="-1" strike="noStrike">
-                <a:solidFill>
-                  <a:schemeClr val="dk1">
-                    <a:tint val="75000"/>
-                  </a:schemeClr>
-                </a:solidFill>
-                <a:latin typeface="Calibri"/>
-              </a:rPr>
-              <a:t>&lt;date/time&gt;</a:t>
-            </a:r>
-            <a:endParaRPr b="0" lang="en-IN" sz="1200" spc="-1" strike="noStrike">
+              <a:tabLst>
+                <a:tab algn="l" pos="0"/>
+              </a:tabLst>
+            </a:pPr>
+            <a:r>
+              <a:rPr b="0" lang="en-IN" sz="1400" spc="-1" strike="noStrike">
+                <a:solidFill>
+                  <a:srgbClr val="000000"/>
+                </a:solidFill>
+                <a:latin typeface="Times New Roman"/>
+              </a:rPr>
+              <a:t>&lt;footer&gt;</a:t>
+            </a:r>
+            <a:endParaRPr b="0" lang="en-IN" sz="1400" spc="-1" strike="noStrike">
               <a:solidFill>
                 <a:srgbClr val="000000"/>
               </a:solidFill>
@@ -1442,13 +1432,13 @@
             <a:spLocks noGrp="1"/>
           </p:cNvSpPr>
           <p:nvPr>
-            <p:ph type="ftr" idx="2"/>
+            <p:ph type="sldNum" idx="2"/>
           </p:nvPr>
         </p:nvSpPr>
         <p:spPr>
           <a:xfrm>
-            <a:off x="4038480" y="6356520"/>
-            <a:ext cx="4114440" cy="364680"/>
+            <a:off x="8610480" y="6356520"/>
+            <a:ext cx="2742480" cy="364320"/>
           </a:xfrm>
           <a:prstGeom prst="rect">
             <a:avLst/>
@@ -1463,30 +1453,46 @@
             <a:noAutofit/>
           </a:bodyPr>
           <a:lstStyle>
-            <a:lvl1pPr indent="0" algn="ctr">
-              <a:buNone/>
-              <a:defRPr b="0" lang="en-IN" sz="1400" spc="-1" strike="noStrike">
-                <a:solidFill>
-                  <a:srgbClr val="000000"/>
-                </a:solidFill>
-                <a:latin typeface="Times New Roman"/>
+            <a:lvl1pPr indent="0" algn="r" defTabSz="914400">
+              <a:lnSpc>
+                <a:spcPct val="100000"/>
+              </a:lnSpc>
+              <a:buNone/>
+              <a:tabLst>
+                <a:tab algn="l" pos="0"/>
+              </a:tabLst>
+              <a:defRPr b="0" lang="en-IN" sz="1200" spc="-1" strike="noStrike">
+                <a:solidFill>
+                  <a:schemeClr val="dk1">
+                    <a:tint val="75000"/>
+                  </a:schemeClr>
+                </a:solidFill>
+                <a:latin typeface="Calibri"/>
               </a:defRPr>
             </a:lvl1pPr>
           </a:lstStyle>
           <a:p>
-            <a:pPr indent="0" algn="ctr">
-              <a:buNone/>
-            </a:pPr>
-            <a:r>
-              <a:rPr b="0" lang="en-IN" sz="1400" spc="-1" strike="noStrike">
-                <a:solidFill>
-                  <a:srgbClr val="000000"/>
-                </a:solidFill>
-                <a:latin typeface="Times New Roman"/>
-              </a:rPr>
-              <a:t>&lt;footer&gt;</a:t>
-            </a:r>
-            <a:endParaRPr b="0" lang="en-IN" sz="1400" spc="-1" strike="noStrike">
+            <a:pPr indent="0" algn="r" defTabSz="914400">
+              <a:lnSpc>
+                <a:spcPct val="100000"/>
+              </a:lnSpc>
+              <a:buNone/>
+              <a:tabLst>
+                <a:tab algn="l" pos="0"/>
+              </a:tabLst>
+            </a:pPr>
+            <a:fld id="{9AED8C32-21AF-4D4B-B370-DD1687D2A611}" type="slidenum">
+              <a:rPr b="0" lang="en-IN" sz="1200" spc="-1" strike="noStrike">
+                <a:solidFill>
+                  <a:schemeClr val="dk1">
+                    <a:tint val="75000"/>
+                  </a:schemeClr>
+                </a:solidFill>
+                <a:latin typeface="Calibri"/>
+              </a:rPr>
+              <a:t>&lt;number&gt;</a:t>
+            </a:fld>
+            <a:endParaRPr b="0" lang="en-IN" sz="1200" spc="-1" strike="noStrike">
               <a:solidFill>
                 <a:srgbClr val="000000"/>
               </a:solidFill>
@@ -1502,13 +1508,13 @@
             <a:spLocks noGrp="1"/>
           </p:cNvSpPr>
           <p:nvPr>
-            <p:ph type="sldNum" idx="3"/>
+            <p:ph type="dt" idx="3"/>
           </p:nvPr>
         </p:nvSpPr>
         <p:spPr>
           <a:xfrm>
-            <a:off x="8610480" y="6356520"/>
-            <a:ext cx="2742840" cy="364680"/>
+            <a:off x="838080" y="6356520"/>
+            <a:ext cx="2742480" cy="364320"/>
           </a:xfrm>
           <a:prstGeom prst="rect">
             <a:avLst/>
@@ -1523,40 +1529,30 @@
             <a:noAutofit/>
           </a:bodyPr>
           <a:lstStyle>
-            <a:lvl1pPr indent="0" algn="r" defTabSz="914400">
-              <a:lnSpc>
-                <a:spcPct val="100000"/>
-              </a:lnSpc>
-              <a:buNone/>
-              <a:defRPr b="0" lang="en-IN" sz="1200" spc="-1" strike="noStrike">
-                <a:solidFill>
-                  <a:schemeClr val="dk1">
-                    <a:tint val="75000"/>
-                  </a:schemeClr>
-                </a:solidFill>
-                <a:latin typeface="Calibri"/>
+            <a:lvl1pPr indent="0">
+              <a:buNone/>
+              <a:defRPr b="0" lang="en-IN" sz="1400" spc="-1" strike="noStrike">
+                <a:solidFill>
+                  <a:srgbClr val="000000"/>
+                </a:solidFill>
+                <a:latin typeface="Times New Roman"/>
               </a:defRPr>
             </a:lvl1pPr>
           </a:lstStyle>
           <a:p>
-            <a:pPr indent="0" algn="r" defTabSz="914400">
-              <a:lnSpc>
-                <a:spcPct val="100000"/>
-              </a:lnSpc>
-              <a:buNone/>
-            </a:pPr>
-            <a:fld id="{D057CF35-D912-408F-B50C-85FC7A6C4AC2}" type="slidenum">
-              <a:rPr b="0" lang="en-IN" sz="1200" spc="-1" strike="noStrike">
-                <a:solidFill>
-                  <a:schemeClr val="dk1">
-                    <a:tint val="75000"/>
-                  </a:schemeClr>
-                </a:solidFill>
-                <a:latin typeface="Calibri"/>
-              </a:rPr>
-              <a:t>&lt;number&gt;</a:t>
-            </a:fld>
-            <a:endParaRPr b="0" lang="en-IN" sz="1200" spc="-1" strike="noStrike">
+            <a:pPr indent="0">
+              <a:buNone/>
+            </a:pPr>
+            <a:r>
+              <a:rPr b="0" lang="en-IN" sz="1400" spc="-1" strike="noStrike">
+                <a:solidFill>
+                  <a:srgbClr val="000000"/>
+                </a:solidFill>
+                <a:latin typeface="Times New Roman"/>
+              </a:rPr>
+              <a:t>&lt;date/time&gt;</a:t>
+            </a:r>
+            <a:endParaRPr b="0" lang="en-IN" sz="1400" spc="-1" strike="noStrike">
               <a:solidFill>
                 <a:srgbClr val="000000"/>
               </a:solidFill>
@@ -1594,9 +1590,6 @@
           </a:bodyPr>
           <a:p>
             <a:pPr marL="432000" indent="-324000">
-              <a:lnSpc>
-                <a:spcPct val="90000"/>
-              </a:lnSpc>
               <a:spcBef>
                 <a:spcPts val="1417"/>
               </a:spcBef>
@@ -1608,26 +1601,23 @@
               <a:buChar char=""/>
             </a:pPr>
             <a:r>
-              <a:rPr b="0" lang="en-US" sz="2800" spc="-1" strike="noStrike">
-                <a:solidFill>
-                  <a:schemeClr val="dk1"/>
-                </a:solidFill>
-                <a:latin typeface="Calibri"/>
+              <a:rPr b="0" lang="en-IN" sz="3200" spc="-1" strike="noStrike">
+                <a:solidFill>
+                  <a:srgbClr val="000000"/>
+                </a:solidFill>
+                <a:latin typeface="Arial"/>
               </a:rPr>
               <a:t>Click to edit the outline text format</a:t>
             </a:r>
-            <a:endParaRPr b="0" lang="en-US" sz="2800" spc="-1" strike="noStrike">
-              <a:solidFill>
-                <a:schemeClr val="dk1"/>
-              </a:solidFill>
-              <a:latin typeface="Calibri"/>
+            <a:endParaRPr b="0" lang="en-IN" sz="3200" spc="-1" strike="noStrike">
+              <a:solidFill>
+                <a:srgbClr val="000000"/>
+              </a:solidFill>
+              <a:latin typeface="Arial"/>
             </a:endParaRPr>
           </a:p>
           <a:p>
             <a:pPr lvl="1" marL="864000" indent="-324000">
-              <a:lnSpc>
-                <a:spcPct val="90000"/>
-              </a:lnSpc>
               <a:spcBef>
                 <a:spcPts val="1134"/>
               </a:spcBef>
@@ -1639,26 +1629,23 @@
               <a:buChar char=""/>
             </a:pPr>
             <a:r>
-              <a:rPr b="0" lang="en-US" sz="2000" spc="-1" strike="noStrike">
-                <a:solidFill>
-                  <a:schemeClr val="dk1"/>
-                </a:solidFill>
-                <a:latin typeface="Calibri"/>
+              <a:rPr b="0" lang="en-IN" sz="2800" spc="-1" strike="noStrike">
+                <a:solidFill>
+                  <a:srgbClr val="000000"/>
+                </a:solidFill>
+                <a:latin typeface="Arial"/>
               </a:rPr>
               <a:t>Second Outline Level</a:t>
             </a:r>
-            <a:endParaRPr b="0" lang="en-US" sz="2000" spc="-1" strike="noStrike">
-              <a:solidFill>
-                <a:schemeClr val="dk1"/>
-              </a:solidFill>
-              <a:latin typeface="Calibri"/>
+            <a:endParaRPr b="0" lang="en-IN" sz="2800" spc="-1" strike="noStrike">
+              <a:solidFill>
+                <a:srgbClr val="000000"/>
+              </a:solidFill>
+              <a:latin typeface="Arial"/>
             </a:endParaRPr>
           </a:p>
           <a:p>
             <a:pPr lvl="2" marL="1296000" indent="-288000">
-              <a:lnSpc>
-                <a:spcPct val="90000"/>
-              </a:lnSpc>
               <a:spcBef>
                 <a:spcPts val="850"/>
               </a:spcBef>
@@ -1670,26 +1657,23 @@
               <a:buChar char=""/>
             </a:pPr>
             <a:r>
-              <a:rPr b="0" lang="en-US" sz="1800" spc="-1" strike="noStrike">
-                <a:solidFill>
-                  <a:schemeClr val="dk1"/>
-                </a:solidFill>
-                <a:latin typeface="Calibri"/>
+              <a:rPr b="0" lang="en-IN" sz="2400" spc="-1" strike="noStrike">
+                <a:solidFill>
+                  <a:srgbClr val="000000"/>
+                </a:solidFill>
+                <a:latin typeface="Arial"/>
               </a:rPr>
               <a:t>Third Outline Level</a:t>
             </a:r>
-            <a:endParaRPr b="0" lang="en-US" sz="1800" spc="-1" strike="noStrike">
-              <a:solidFill>
-                <a:schemeClr val="dk1"/>
-              </a:solidFill>
-              <a:latin typeface="Calibri"/>
+            <a:endParaRPr b="0" lang="en-IN" sz="2400" spc="-1" strike="noStrike">
+              <a:solidFill>
+                <a:srgbClr val="000000"/>
+              </a:solidFill>
+              <a:latin typeface="Arial"/>
             </a:endParaRPr>
           </a:p>
           <a:p>
             <a:pPr lvl="3" marL="1728000" indent="-216000">
-              <a:lnSpc>
-                <a:spcPct val="90000"/>
-              </a:lnSpc>
               <a:spcBef>
                 <a:spcPts val="567"/>
               </a:spcBef>
@@ -1701,26 +1685,23 @@
               <a:buChar char=""/>
             </a:pPr>
             <a:r>
-              <a:rPr b="0" lang="en-US" sz="1800" spc="-1" strike="noStrike">
-                <a:solidFill>
-                  <a:schemeClr val="dk1"/>
-                </a:solidFill>
-                <a:latin typeface="Calibri"/>
+              <a:rPr b="0" lang="en-IN" sz="2000" spc="-1" strike="noStrike">
+                <a:solidFill>
+                  <a:srgbClr val="000000"/>
+                </a:solidFill>
+                <a:latin typeface="Arial"/>
               </a:rPr>
               <a:t>Fourth Outline Level</a:t>
             </a:r>
-            <a:endParaRPr b="0" lang="en-US" sz="1800" spc="-1" strike="noStrike">
-              <a:solidFill>
-                <a:schemeClr val="dk1"/>
-              </a:solidFill>
-              <a:latin typeface="Calibri"/>
+            <a:endParaRPr b="0" lang="en-IN" sz="2000" spc="-1" strike="noStrike">
+              <a:solidFill>
+                <a:srgbClr val="000000"/>
+              </a:solidFill>
+              <a:latin typeface="Arial"/>
             </a:endParaRPr>
           </a:p>
           <a:p>
             <a:pPr lvl="4" marL="2160000" indent="-216000">
-              <a:lnSpc>
-                <a:spcPct val="90000"/>
-              </a:lnSpc>
               <a:spcBef>
                 <a:spcPts val="283"/>
               </a:spcBef>
@@ -1732,26 +1713,23 @@
               <a:buChar char=""/>
             </a:pPr>
             <a:r>
-              <a:rPr b="0" lang="en-US" sz="2000" spc="-1" strike="noStrike">
-                <a:solidFill>
-                  <a:schemeClr val="dk1"/>
-                </a:solidFill>
-                <a:latin typeface="Calibri"/>
+              <a:rPr b="0" lang="en-IN" sz="2000" spc="-1" strike="noStrike">
+                <a:solidFill>
+                  <a:srgbClr val="000000"/>
+                </a:solidFill>
+                <a:latin typeface="Arial"/>
               </a:rPr>
               <a:t>Fifth Outline Level</a:t>
             </a:r>
-            <a:endParaRPr b="0" lang="en-US" sz="2000" spc="-1" strike="noStrike">
-              <a:solidFill>
-                <a:schemeClr val="dk1"/>
-              </a:solidFill>
-              <a:latin typeface="Calibri"/>
+            <a:endParaRPr b="0" lang="en-IN" sz="2000" spc="-1" strike="noStrike">
+              <a:solidFill>
+                <a:srgbClr val="000000"/>
+              </a:solidFill>
+              <a:latin typeface="Arial"/>
             </a:endParaRPr>
           </a:p>
           <a:p>
             <a:pPr lvl="5" marL="2592000" indent="-216000">
-              <a:lnSpc>
-                <a:spcPct val="90000"/>
-              </a:lnSpc>
               <a:spcBef>
                 <a:spcPts val="283"/>
               </a:spcBef>
@@ -1763,26 +1741,23 @@
               <a:buChar char=""/>
             </a:pPr>
             <a:r>
-              <a:rPr b="0" lang="en-US" sz="2000" spc="-1" strike="noStrike">
-                <a:solidFill>
-                  <a:schemeClr val="dk1"/>
-                </a:solidFill>
-                <a:latin typeface="Calibri"/>
+              <a:rPr b="0" lang="en-IN" sz="2000" spc="-1" strike="noStrike">
+                <a:solidFill>
+                  <a:srgbClr val="000000"/>
+                </a:solidFill>
+                <a:latin typeface="Arial"/>
               </a:rPr>
               <a:t>Sixth Outline Level</a:t>
             </a:r>
-            <a:endParaRPr b="0" lang="en-US" sz="2000" spc="-1" strike="noStrike">
-              <a:solidFill>
-                <a:schemeClr val="dk1"/>
-              </a:solidFill>
-              <a:latin typeface="Calibri"/>
+            <a:endParaRPr b="0" lang="en-IN" sz="2000" spc="-1" strike="noStrike">
+              <a:solidFill>
+                <a:srgbClr val="000000"/>
+              </a:solidFill>
+              <a:latin typeface="Arial"/>
             </a:endParaRPr>
           </a:p>
           <a:p>
             <a:pPr lvl="6" marL="3024000" indent="-216000">
-              <a:lnSpc>
-                <a:spcPct val="90000"/>
-              </a:lnSpc>
               <a:spcBef>
                 <a:spcPts val="283"/>
               </a:spcBef>
@@ -1794,19 +1769,19 @@
               <a:buChar char=""/>
             </a:pPr>
             <a:r>
-              <a:rPr b="0" lang="en-US" sz="2000" spc="-1" strike="noStrike">
-                <a:solidFill>
-                  <a:schemeClr val="dk1"/>
-                </a:solidFill>
-                <a:latin typeface="Calibri"/>
+              <a:rPr b="0" lang="en-IN" sz="2000" spc="-1" strike="noStrike">
+                <a:solidFill>
+                  <a:srgbClr val="000000"/>
+                </a:solidFill>
+                <a:latin typeface="Arial"/>
               </a:rPr>
               <a:t>Seventh Outline Level</a:t>
             </a:r>
-            <a:endParaRPr b="0" lang="en-US" sz="2000" spc="-1" strike="noStrike">
-              <a:solidFill>
-                <a:schemeClr val="dk1"/>
-              </a:solidFill>
-              <a:latin typeface="Calibri"/>
+            <a:endParaRPr b="0" lang="en-IN" sz="2000" spc="-1" strike="noStrike">
+              <a:solidFill>
+                <a:srgbClr val="000000"/>
+              </a:solidFill>
+              <a:latin typeface="Arial"/>
             </a:endParaRPr>
           </a:p>
         </p:txBody>
@@ -1846,18 +1821,18 @@
       </p:grpSpPr>
       <p:sp>
         <p:nvSpPr>
-          <p:cNvPr id="55" name="PlaceHolder 1"/>
-          <p:cNvSpPr>
-            <a:spLocks noGrp="1"/>
-          </p:cNvSpPr>
-          <p:nvPr>
-            <p:ph type="title"/>
+          <p:cNvPr id="44" name="PlaceHolder 1"/>
+          <p:cNvSpPr>
+            <a:spLocks noGrp="1"/>
+          </p:cNvSpPr>
+          <p:nvPr>
+            <p:ph type="ftr" idx="28"/>
           </p:nvPr>
         </p:nvSpPr>
         <p:spPr>
           <a:xfrm>
-            <a:off x="839880" y="457200"/>
-            <a:ext cx="3931920" cy="1599840"/>
+            <a:off x="4038480" y="6356520"/>
+            <a:ext cx="4114080" cy="364320"/>
           </a:xfrm>
           <a:prstGeom prst="rect">
             <a:avLst/>
@@ -1868,48 +1843,68 @@
           </a:ln>
         </p:spPr>
         <p:txBody>
-          <a:bodyPr lIns="91440" rIns="91440" tIns="45720" bIns="45720" anchor="b">
+          <a:bodyPr lIns="91440" rIns="91440" tIns="45720" bIns="45720" anchor="ctr">
             <a:noAutofit/>
           </a:bodyPr>
-          <a:p>
-            <a:pPr indent="0" defTabSz="914400">
-              <a:lnSpc>
-                <a:spcPct val="90000"/>
-              </a:lnSpc>
-              <a:buNone/>
-            </a:pPr>
-            <a:r>
-              <a:rPr b="0" lang="en-US" sz="3200" spc="-1" strike="noStrike">
-                <a:solidFill>
-                  <a:schemeClr val="dk1"/>
-                </a:solidFill>
-                <a:latin typeface="Calibri Light"/>
-              </a:rPr>
-              <a:t>Click to edit Master title style</a:t>
-            </a:r>
-            <a:endParaRPr b="0" lang="en-US" sz="3200" spc="-1" strike="noStrike">
-              <a:solidFill>
-                <a:schemeClr val="dk1"/>
-              </a:solidFill>
-              <a:latin typeface="Calibri"/>
-            </a:endParaRPr>
-          </a:p>
-        </p:txBody>
-      </p:sp>
-      <p:sp>
-        <p:nvSpPr>
-          <p:cNvPr id="56" name="PlaceHolder 2"/>
-          <p:cNvSpPr>
-            <a:spLocks noGrp="1"/>
-          </p:cNvSpPr>
-          <p:nvPr>
-            <p:ph type="body"/>
+          <a:lstStyle>
+            <a:lvl1pPr indent="0" algn="ctr">
+              <a:lnSpc>
+                <a:spcPct val="100000"/>
+              </a:lnSpc>
+              <a:buNone/>
+              <a:tabLst>
+                <a:tab algn="l" pos="0"/>
+              </a:tabLst>
+              <a:defRPr b="0" lang="en-IN" sz="1400" spc="-1" strike="noStrike">
+                <a:solidFill>
+                  <a:srgbClr val="000000"/>
+                </a:solidFill>
+                <a:latin typeface="Times New Roman"/>
+              </a:defRPr>
+            </a:lvl1pPr>
+          </a:lstStyle>
+          <a:p>
+            <a:pPr indent="0" algn="ctr">
+              <a:lnSpc>
+                <a:spcPct val="100000"/>
+              </a:lnSpc>
+              <a:buNone/>
+              <a:tabLst>
+                <a:tab algn="l" pos="0"/>
+              </a:tabLst>
+            </a:pPr>
+            <a:r>
+              <a:rPr b="0" lang="en-IN" sz="1400" spc="-1" strike="noStrike">
+                <a:solidFill>
+                  <a:srgbClr val="000000"/>
+                </a:solidFill>
+                <a:latin typeface="Times New Roman"/>
+              </a:rPr>
+              <a:t>&lt;footer&gt;</a:t>
+            </a:r>
+            <a:endParaRPr b="0" lang="en-IN" sz="1400" spc="-1" strike="noStrike">
+              <a:solidFill>
+                <a:srgbClr val="000000"/>
+              </a:solidFill>
+              <a:latin typeface="Times New Roman"/>
+            </a:endParaRPr>
+          </a:p>
+        </p:txBody>
+      </p:sp>
+      <p:sp>
+        <p:nvSpPr>
+          <p:cNvPr id="45" name="PlaceHolder 2"/>
+          <p:cNvSpPr>
+            <a:spLocks noGrp="1"/>
+          </p:cNvSpPr>
+          <p:nvPr>
+            <p:ph type="sldNum" idx="29"/>
           </p:nvPr>
         </p:nvSpPr>
         <p:spPr>
           <a:xfrm>
-            <a:off x="5183280" y="987480"/>
-            <a:ext cx="6171840" cy="4873320"/>
+            <a:off x="8610480" y="6356520"/>
+            <a:ext cx="2742480" cy="364320"/>
           </a:xfrm>
           <a:prstGeom prst="rect">
             <a:avLst/>
@@ -1920,175 +1915,72 @@
           </a:ln>
         </p:spPr>
         <p:txBody>
-          <a:bodyPr lIns="91440" rIns="91440" tIns="45720" bIns="45720" anchor="t">
+          <a:bodyPr lIns="91440" rIns="91440" tIns="45720" bIns="45720" anchor="ctr">
             <a:noAutofit/>
           </a:bodyPr>
-          <a:p>
-            <a:pPr marL="228600" indent="-228600" defTabSz="914400">
-              <a:lnSpc>
-                <a:spcPct val="90000"/>
-              </a:lnSpc>
-              <a:spcBef>
-                <a:spcPts val="1001"/>
-              </a:spcBef>
-              <a:buClr>
-                <a:srgbClr val="000000"/>
-              </a:buClr>
-              <a:buFont typeface="Arial"/>
-              <a:buChar char="•"/>
-            </a:pPr>
-            <a:r>
-              <a:rPr b="0" lang="en-US" sz="3200" spc="-1" strike="noStrike">
-                <a:solidFill>
-                  <a:schemeClr val="dk1"/>
+          <a:lstStyle>
+            <a:lvl1pPr indent="0" algn="r" defTabSz="914400">
+              <a:lnSpc>
+                <a:spcPct val="100000"/>
+              </a:lnSpc>
+              <a:buNone/>
+              <a:tabLst>
+                <a:tab algn="l" pos="0"/>
+              </a:tabLst>
+              <a:defRPr b="0" lang="en-IN" sz="1200" spc="-1" strike="noStrike">
+                <a:solidFill>
+                  <a:schemeClr val="dk1">
+                    <a:tint val="75000"/>
+                  </a:schemeClr>
                 </a:solidFill>
                 <a:latin typeface="Calibri"/>
-              </a:rPr>
-              <a:t>Click to edit Master text styles</a:t>
-            </a:r>
-            <a:endParaRPr b="0" lang="en-US" sz="3200" spc="-1" strike="noStrike">
-              <a:solidFill>
-                <a:schemeClr val="dk1"/>
-              </a:solidFill>
-              <a:latin typeface="Calibri"/>
-            </a:endParaRPr>
-          </a:p>
-          <a:p>
-            <a:pPr lvl="1" marL="685800" indent="-228600" defTabSz="914400">
-              <a:lnSpc>
-                <a:spcPct val="90000"/>
-              </a:lnSpc>
-              <a:spcBef>
-                <a:spcPts val="499"/>
-              </a:spcBef>
-              <a:buClr>
-                <a:srgbClr val="000000"/>
-              </a:buClr>
-              <a:buFont typeface="Arial"/>
-              <a:buChar char="•"/>
-            </a:pPr>
-            <a:r>
-              <a:rPr b="0" lang="en-US" sz="2800" spc="-1" strike="noStrike">
-                <a:solidFill>
-                  <a:schemeClr val="dk1"/>
+              </a:defRPr>
+            </a:lvl1pPr>
+          </a:lstStyle>
+          <a:p>
+            <a:pPr indent="0" algn="r" defTabSz="914400">
+              <a:lnSpc>
+                <a:spcPct val="100000"/>
+              </a:lnSpc>
+              <a:buNone/>
+              <a:tabLst>
+                <a:tab algn="l" pos="0"/>
+              </a:tabLst>
+            </a:pPr>
+            <a:fld id="{7CC80773-A7BF-4E91-8955-8B1402D0479B}" type="slidenum">
+              <a:rPr b="0" lang="en-IN" sz="1200" spc="-1" strike="noStrike">
+                <a:solidFill>
+                  <a:schemeClr val="dk1">
+                    <a:tint val="75000"/>
+                  </a:schemeClr>
                 </a:solidFill>
                 <a:latin typeface="Calibri"/>
               </a:rPr>
-              <a:t>Second level</a:t>
-            </a:r>
-            <a:endParaRPr b="0" lang="en-US" sz="2800" spc="-1" strike="noStrike">
-              <a:solidFill>
-                <a:schemeClr val="dk1"/>
-              </a:solidFill>
-              <a:latin typeface="Calibri"/>
-            </a:endParaRPr>
-          </a:p>
-          <a:p>
-            <a:pPr lvl="2" marL="1143000" indent="-228600" defTabSz="914400">
-              <a:lnSpc>
-                <a:spcPct val="90000"/>
-              </a:lnSpc>
-              <a:spcBef>
-                <a:spcPts val="499"/>
-              </a:spcBef>
-              <a:buClr>
-                <a:srgbClr val="000000"/>
-              </a:buClr>
-              <a:buFont typeface="Arial"/>
-              <a:buChar char="•"/>
-            </a:pPr>
-            <a:r>
-              <a:rPr b="0" lang="en-US" sz="2400" spc="-1" strike="noStrike">
-                <a:solidFill>
-                  <a:schemeClr val="dk1"/>
-                </a:solidFill>
-                <a:latin typeface="Calibri"/>
-              </a:rPr>
-              <a:t>Third level</a:t>
-            </a:r>
-            <a:endParaRPr b="0" lang="en-US" sz="2400" spc="-1" strike="noStrike">
-              <a:solidFill>
-                <a:schemeClr val="dk1"/>
-              </a:solidFill>
-              <a:latin typeface="Calibri"/>
-            </a:endParaRPr>
-          </a:p>
-          <a:p>
-            <a:pPr lvl="3" marL="1600200" indent="-228600" defTabSz="914400">
-              <a:lnSpc>
-                <a:spcPct val="90000"/>
-              </a:lnSpc>
-              <a:spcBef>
-                <a:spcPts val="499"/>
-              </a:spcBef>
-              <a:buClr>
-                <a:srgbClr val="000000"/>
-              </a:buClr>
-              <a:buFont typeface="Arial"/>
-              <a:buChar char="•"/>
-            </a:pPr>
-            <a:r>
-              <a:rPr b="0" lang="en-US" sz="2000" spc="-1" strike="noStrike">
-                <a:solidFill>
-                  <a:schemeClr val="dk1"/>
-                </a:solidFill>
-                <a:latin typeface="Calibri"/>
-              </a:rPr>
-              <a:t>Fourth level</a:t>
-            </a:r>
-            <a:endParaRPr b="0" lang="en-US" sz="2000" spc="-1" strike="noStrike">
-              <a:solidFill>
-                <a:schemeClr val="dk1"/>
-              </a:solidFill>
-              <a:latin typeface="Calibri"/>
-            </a:endParaRPr>
-          </a:p>
-          <a:p>
-            <a:pPr lvl="4" marL="2057400" indent="-228600" defTabSz="914400">
-              <a:lnSpc>
-                <a:spcPct val="90000"/>
-              </a:lnSpc>
-              <a:spcBef>
-                <a:spcPts val="499"/>
-              </a:spcBef>
-              <a:buClr>
-                <a:srgbClr val="000000"/>
-              </a:buClr>
-              <a:buFont typeface="Arial"/>
-              <a:buChar char="•"/>
-            </a:pPr>
-            <a:r>
-              <a:rPr b="0" lang="en-US" sz="2000" spc="-1" strike="noStrike">
-                <a:solidFill>
-                  <a:schemeClr val="dk1"/>
-                </a:solidFill>
-                <a:latin typeface="Calibri"/>
-              </a:rPr>
-              <a:t>Fifth level</a:t>
-            </a:r>
-            <a:endParaRPr b="0" lang="en-US" sz="2000" spc="-1" strike="noStrike">
-              <a:solidFill>
-                <a:schemeClr val="dk1"/>
-              </a:solidFill>
-              <a:latin typeface="Calibri"/>
-            </a:endParaRPr>
-          </a:p>
-        </p:txBody>
-      </p:sp>
-      <p:sp>
-        <p:nvSpPr>
-          <p:cNvPr id="57" name="PlaceHolder 3"/>
-          <p:cNvSpPr>
-            <a:spLocks noGrp="1"/>
-          </p:cNvSpPr>
-          <p:nvPr>
-            <p:ph type="body"/>
+              <a:t>&lt;number&gt;</a:t>
+            </a:fld>
+            <a:endParaRPr b="0" lang="en-IN" sz="1200" spc="-1" strike="noStrike">
+              <a:solidFill>
+                <a:srgbClr val="000000"/>
+              </a:solidFill>
+              <a:latin typeface="Times New Roman"/>
+            </a:endParaRPr>
+          </a:p>
+        </p:txBody>
+      </p:sp>
+      <p:sp>
+        <p:nvSpPr>
+          <p:cNvPr id="46" name="PlaceHolder 3"/>
+          <p:cNvSpPr>
+            <a:spLocks noGrp="1"/>
+          </p:cNvSpPr>
+          <p:nvPr>
+            <p:ph type="dt" idx="30"/>
           </p:nvPr>
         </p:nvSpPr>
         <p:spPr>
           <a:xfrm>
-            <a:off x="839880" y="2057400"/>
-            <a:ext cx="3931920" cy="3811320"/>
+            <a:off x="838080" y="6356520"/>
+            <a:ext cx="2742480" cy="364320"/>
           </a:xfrm>
           <a:prstGeom prst="rect">
             <a:avLst/>
@@ -2099,139 +1991,11 @@
           </a:ln>
         </p:spPr>
         <p:txBody>
-          <a:bodyPr lIns="91440" rIns="91440" tIns="45720" bIns="45720" anchor="t">
-            <a:noAutofit/>
-          </a:bodyPr>
-          <a:p>
-            <a:pPr indent="0" defTabSz="914400">
-              <a:lnSpc>
-                <a:spcPct val="90000"/>
-              </a:lnSpc>
-              <a:spcBef>
-                <a:spcPts val="1001"/>
-              </a:spcBef>
-              <a:buNone/>
-              <a:tabLst>
-                <a:tab algn="l" pos="0"/>
-              </a:tabLst>
-            </a:pPr>
-            <a:r>
-              <a:rPr b="0" lang="en-US" sz="1600" spc="-1" strike="noStrike">
-                <a:solidFill>
-                  <a:schemeClr val="dk1"/>
-                </a:solidFill>
-                <a:latin typeface="Calibri"/>
-              </a:rPr>
-              <a:t>Click to edit Master text styles</a:t>
-            </a:r>
-            <a:endParaRPr b="0" lang="en-US" sz="1600" spc="-1" strike="noStrike">
-              <a:solidFill>
-                <a:schemeClr val="dk1"/>
-              </a:solidFill>
-              <a:latin typeface="Calibri"/>
-            </a:endParaRPr>
-          </a:p>
-        </p:txBody>
-      </p:sp>
-      <p:sp>
-        <p:nvSpPr>
-          <p:cNvPr id="58" name="PlaceHolder 4"/>
-          <p:cNvSpPr>
-            <a:spLocks noGrp="1"/>
-          </p:cNvSpPr>
-          <p:nvPr>
-            <p:ph type="dt" idx="28"/>
-          </p:nvPr>
-        </p:nvSpPr>
-        <p:spPr>
-          <a:xfrm>
-            <a:off x="838080" y="6356520"/>
-            <a:ext cx="2742840" cy="364680"/>
-          </a:xfrm>
-          <a:prstGeom prst="rect">
-            <a:avLst/>
-          </a:prstGeom>
-          <a:noFill/>
-          <a:ln w="0">
-            <a:noFill/>
-          </a:ln>
-        </p:spPr>
-        <p:txBody>
           <a:bodyPr lIns="91440" rIns="91440" tIns="45720" bIns="45720" anchor="ctr">
             <a:noAutofit/>
           </a:bodyPr>
           <a:lstStyle>
-            <a:lvl1pPr indent="0" defTabSz="914400">
-              <a:lnSpc>
-                <a:spcPct val="100000"/>
-              </a:lnSpc>
-              <a:buNone/>
-              <a:defRPr b="0" lang="en-IN" sz="1200" spc="-1" strike="noStrike">
-                <a:solidFill>
-                  <a:schemeClr val="dk1">
-                    <a:tint val="75000"/>
-                  </a:schemeClr>
-                </a:solidFill>
-                <a:latin typeface="Calibri"/>
-              </a:defRPr>
-            </a:lvl1pPr>
-          </a:lstStyle>
-          <a:p>
-            <a:pPr indent="0" defTabSz="914400">
-              <a:lnSpc>
-                <a:spcPct val="100000"/>
-              </a:lnSpc>
-              <a:buNone/>
-            </a:pPr>
-            <a:r>
-              <a:rPr b="0" lang="en-IN" sz="1200" spc="-1" strike="noStrike">
-                <a:solidFill>
-                  <a:schemeClr val="dk1">
-                    <a:tint val="75000"/>
-                  </a:schemeClr>
-                </a:solidFill>
-                <a:latin typeface="Calibri"/>
-              </a:rPr>
-              <a:t>&lt;date/time&gt;</a:t>
-            </a:r>
-            <a:endParaRPr b="0" lang="en-IN" sz="1200" spc="-1" strike="noStrike">
-              <a:solidFill>
-                <a:srgbClr val="000000"/>
-              </a:solidFill>
-              <a:latin typeface="Times New Roman"/>
-            </a:endParaRPr>
-          </a:p>
-        </p:txBody>
-      </p:sp>
-      <p:sp>
-        <p:nvSpPr>
-          <p:cNvPr id="59" name="PlaceHolder 5"/>
-          <p:cNvSpPr>
-            <a:spLocks noGrp="1"/>
-          </p:cNvSpPr>
-          <p:nvPr>
-            <p:ph type="ftr" idx="29"/>
-          </p:nvPr>
-        </p:nvSpPr>
-        <p:spPr>
-          <a:xfrm>
-            <a:off x="4038480" y="6356520"/>
-            <a:ext cx="4114440" cy="364680"/>
-          </a:xfrm>
-          <a:prstGeom prst="rect">
-            <a:avLst/>
-          </a:prstGeom>
-          <a:noFill/>
-          <a:ln w="0">
-            <a:noFill/>
-          </a:ln>
-        </p:spPr>
-        <p:txBody>
-          <a:bodyPr lIns="91440" rIns="91440" tIns="45720" bIns="45720" anchor="ctr">
-            <a:noAutofit/>
-          </a:bodyPr>
-          <a:lstStyle>
-            <a:lvl1pPr indent="0" algn="ctr">
+            <a:lvl1pPr indent="0">
               <a:buNone/>
               <a:defRPr b="0" lang="en-IN" sz="1400" spc="-1" strike="noStrike">
                 <a:solidFill>
@@ -2242,7 +2006,7 @@
             </a:lvl1pPr>
           </a:lstStyle>
           <a:p>
-            <a:pPr indent="0" algn="ctr">
+            <a:pPr indent="0">
               <a:buNone/>
             </a:pPr>
             <a:r>
@@ -2252,79 +2016,9 @@
                 </a:solidFill>
                 <a:latin typeface="Times New Roman"/>
               </a:rPr>
-              <a:t>&lt;footer&gt;</a:t>
+              <a:t>&lt;date/time&gt;</a:t>
             </a:r>
             <a:endParaRPr b="0" lang="en-IN" sz="1400" spc="-1" strike="noStrike">
-              <a:solidFill>
-                <a:srgbClr val="000000"/>
-              </a:solidFill>
-              <a:latin typeface="Times New Roman"/>
-            </a:endParaRPr>
-          </a:p>
-        </p:txBody>
-      </p:sp>
-      <p:sp>
-        <p:nvSpPr>
-          <p:cNvPr id="60" name="PlaceHolder 6"/>
-          <p:cNvSpPr>
-            <a:spLocks noGrp="1"/>
-          </p:cNvSpPr>
-          <p:nvPr>
-            <p:ph type="sldNum" idx="30"/>
-          </p:nvPr>
-        </p:nvSpPr>
-        <p:spPr>
-          <a:xfrm>
-            <a:off x="8610480" y="6356520"/>
-            <a:ext cx="2742840" cy="364680"/>
-          </a:xfrm>
-          <a:prstGeom prst="rect">
-            <a:avLst/>
-          </a:prstGeom>
-          <a:noFill/>
-          <a:ln w="0">
-            <a:noFill/>
-          </a:ln>
-        </p:spPr>
-        <p:txBody>
-          <a:bodyPr lIns="91440" rIns="91440" tIns="45720" bIns="45720" anchor="ctr">
-            <a:noAutofit/>
-          </a:bodyPr>
-          <a:lstStyle>
-            <a:lvl1pPr indent="0" algn="r" defTabSz="914400">
-              <a:lnSpc>
-                <a:spcPct val="100000"/>
-              </a:lnSpc>
-              <a:buNone/>
-              <a:defRPr b="0" lang="en-IN" sz="1200" spc="-1" strike="noStrike">
-                <a:solidFill>
-                  <a:schemeClr val="dk1">
-                    <a:tint val="75000"/>
-                  </a:schemeClr>
-                </a:solidFill>
-                <a:latin typeface="Calibri"/>
-              </a:defRPr>
-            </a:lvl1pPr>
-          </a:lstStyle>
-          <a:p>
-            <a:pPr indent="0" algn="r" defTabSz="914400">
-              <a:lnSpc>
-                <a:spcPct val="100000"/>
-              </a:lnSpc>
-              <a:buNone/>
-            </a:pPr>
-            <a:fld id="{AC1B62F9-3043-4732-9726-16A12FF489FF}" type="slidenum">
-              <a:rPr b="0" lang="en-IN" sz="1200" spc="-1" strike="noStrike">
-                <a:solidFill>
-                  <a:schemeClr val="dk1">
-                    <a:tint val="75000"/>
-                  </a:schemeClr>
-                </a:solidFill>
-                <a:latin typeface="Calibri"/>
-              </a:rPr>
-              <a:t>&lt;number&gt;</a:t>
-            </a:fld>
-            <a:endParaRPr b="0" lang="en-IN" sz="1200" spc="-1" strike="noStrike">
               <a:solidFill>
                 <a:srgbClr val="000000"/>
               </a:solidFill>
@@ -2368,18 +2062,18 @@
       </p:grpSpPr>
       <p:sp>
         <p:nvSpPr>
-          <p:cNvPr id="61" name="PlaceHolder 1"/>
-          <p:cNvSpPr>
-            <a:spLocks noGrp="1"/>
-          </p:cNvSpPr>
-          <p:nvPr>
-            <p:ph type="title"/>
+          <p:cNvPr id="47" name="PlaceHolder 1"/>
+          <p:cNvSpPr>
+            <a:spLocks noGrp="1"/>
+          </p:cNvSpPr>
+          <p:nvPr>
+            <p:ph type="ftr" idx="31"/>
           </p:nvPr>
         </p:nvSpPr>
         <p:spPr>
           <a:xfrm>
-            <a:off x="839880" y="457200"/>
-            <a:ext cx="3931920" cy="1599840"/>
+            <a:off x="4038480" y="6356520"/>
+            <a:ext cx="4114080" cy="364320"/>
           </a:xfrm>
           <a:prstGeom prst="rect">
             <a:avLst/>
@@ -2390,48 +2084,68 @@
           </a:ln>
         </p:spPr>
         <p:txBody>
-          <a:bodyPr lIns="91440" rIns="91440" tIns="45720" bIns="45720" anchor="b">
+          <a:bodyPr lIns="91440" rIns="91440" tIns="45720" bIns="45720" anchor="ctr">
             <a:noAutofit/>
           </a:bodyPr>
-          <a:p>
-            <a:pPr indent="0" defTabSz="914400">
-              <a:lnSpc>
-                <a:spcPct val="90000"/>
-              </a:lnSpc>
-              <a:buNone/>
-            </a:pPr>
-            <a:r>
-              <a:rPr b="0" lang="en-US" sz="3200" spc="-1" strike="noStrike">
-                <a:solidFill>
-                  <a:schemeClr val="dk1"/>
-                </a:solidFill>
-                <a:latin typeface="Calibri Light"/>
-              </a:rPr>
-              <a:t>Click to edit Master title style</a:t>
-            </a:r>
-            <a:endParaRPr b="0" lang="en-US" sz="3200" spc="-1" strike="noStrike">
-              <a:solidFill>
-                <a:schemeClr val="dk1"/>
-              </a:solidFill>
-              <a:latin typeface="Calibri"/>
-            </a:endParaRPr>
-          </a:p>
-        </p:txBody>
-      </p:sp>
-      <p:sp>
-        <p:nvSpPr>
-          <p:cNvPr id="62" name="PlaceHolder 2"/>
-          <p:cNvSpPr>
-            <a:spLocks noGrp="1"/>
-          </p:cNvSpPr>
-          <p:nvPr>
-            <p:ph type="body"/>
+          <a:lstStyle>
+            <a:lvl1pPr indent="0" algn="ctr">
+              <a:lnSpc>
+                <a:spcPct val="100000"/>
+              </a:lnSpc>
+              <a:buNone/>
+              <a:tabLst>
+                <a:tab algn="l" pos="0"/>
+              </a:tabLst>
+              <a:defRPr b="0" lang="en-IN" sz="1400" spc="-1" strike="noStrike">
+                <a:solidFill>
+                  <a:srgbClr val="000000"/>
+                </a:solidFill>
+                <a:latin typeface="Times New Roman"/>
+              </a:defRPr>
+            </a:lvl1pPr>
+          </a:lstStyle>
+          <a:p>
+            <a:pPr indent="0" algn="ctr">
+              <a:lnSpc>
+                <a:spcPct val="100000"/>
+              </a:lnSpc>
+              <a:buNone/>
+              <a:tabLst>
+                <a:tab algn="l" pos="0"/>
+              </a:tabLst>
+            </a:pPr>
+            <a:r>
+              <a:rPr b="0" lang="en-IN" sz="1400" spc="-1" strike="noStrike">
+                <a:solidFill>
+                  <a:srgbClr val="000000"/>
+                </a:solidFill>
+                <a:latin typeface="Times New Roman"/>
+              </a:rPr>
+              <a:t>&lt;footer&gt;</a:t>
+            </a:r>
+            <a:endParaRPr b="0" lang="en-IN" sz="1400" spc="-1" strike="noStrike">
+              <a:solidFill>
+                <a:srgbClr val="000000"/>
+              </a:solidFill>
+              <a:latin typeface="Times New Roman"/>
+            </a:endParaRPr>
+          </a:p>
+        </p:txBody>
+      </p:sp>
+      <p:sp>
+        <p:nvSpPr>
+          <p:cNvPr id="48" name="PlaceHolder 2"/>
+          <p:cNvSpPr>
+            <a:spLocks noGrp="1"/>
+          </p:cNvSpPr>
+          <p:nvPr>
+            <p:ph type="sldNum" idx="32"/>
           </p:nvPr>
         </p:nvSpPr>
         <p:spPr>
           <a:xfrm>
-            <a:off x="5183280" y="987480"/>
-            <a:ext cx="6171840" cy="4873320"/>
+            <a:off x="8610480" y="6356520"/>
+            <a:ext cx="2742480" cy="364320"/>
           </a:xfrm>
           <a:prstGeom prst="rect">
             <a:avLst/>
@@ -2442,242 +2156,72 @@
           </a:ln>
         </p:spPr>
         <p:txBody>
-          <a:bodyPr lIns="90000" rIns="90000" tIns="45000" bIns="45000" anchor="t">
+          <a:bodyPr lIns="91440" rIns="91440" tIns="45720" bIns="45720" anchor="ctr">
             <a:noAutofit/>
           </a:bodyPr>
-          <a:p>
-            <a:pPr marL="432000" indent="-324000">
-              <a:lnSpc>
-                <a:spcPct val="90000"/>
-              </a:lnSpc>
-              <a:spcBef>
-                <a:spcPts val="1417"/>
-              </a:spcBef>
-              <a:buClr>
-                <a:srgbClr val="000000"/>
-              </a:buClr>
-              <a:buSzPct val="45000"/>
-              <a:buFont typeface="Wingdings" charset="2"/>
-              <a:buChar char=""/>
-            </a:pPr>
-            <a:r>
-              <a:rPr b="0" lang="en-US" sz="3200" spc="-1" strike="noStrike">
-                <a:solidFill>
-                  <a:schemeClr val="dk1"/>
+          <a:lstStyle>
+            <a:lvl1pPr indent="0" algn="r" defTabSz="914400">
+              <a:lnSpc>
+                <a:spcPct val="100000"/>
+              </a:lnSpc>
+              <a:buNone/>
+              <a:tabLst>
+                <a:tab algn="l" pos="0"/>
+              </a:tabLst>
+              <a:defRPr b="0" lang="en-IN" sz="1200" spc="-1" strike="noStrike">
+                <a:solidFill>
+                  <a:schemeClr val="dk1">
+                    <a:tint val="75000"/>
+                  </a:schemeClr>
                 </a:solidFill>
                 <a:latin typeface="Calibri"/>
-              </a:rPr>
-              <a:t>Click to edit the outline text format</a:t>
-            </a:r>
-            <a:endParaRPr b="0" lang="en-US" sz="3200" spc="-1" strike="noStrike">
-              <a:solidFill>
-                <a:schemeClr val="dk1"/>
-              </a:solidFill>
-              <a:latin typeface="Calibri"/>
-            </a:endParaRPr>
-          </a:p>
-          <a:p>
-            <a:pPr lvl="1" marL="864000" indent="-324000">
-              <a:lnSpc>
-                <a:spcPct val="90000"/>
-              </a:lnSpc>
-              <a:spcBef>
-                <a:spcPts val="1134"/>
-              </a:spcBef>
-              <a:buClr>
-                <a:srgbClr val="000000"/>
-              </a:buClr>
-              <a:buSzPct val="75000"/>
-              <a:buFont typeface="Symbol" charset="2"/>
-              <a:buChar char=""/>
-            </a:pPr>
-            <a:r>
-              <a:rPr b="0" lang="en-US" sz="3200" spc="-1" strike="noStrike">
-                <a:solidFill>
-                  <a:schemeClr val="dk1"/>
+              </a:defRPr>
+            </a:lvl1pPr>
+          </a:lstStyle>
+          <a:p>
+            <a:pPr indent="0" algn="r" defTabSz="914400">
+              <a:lnSpc>
+                <a:spcPct val="100000"/>
+              </a:lnSpc>
+              <a:buNone/>
+              <a:tabLst>
+                <a:tab algn="l" pos="0"/>
+              </a:tabLst>
+            </a:pPr>
+            <a:fld id="{32038D74-B545-44A5-967F-8504E7A16A0D}" type="slidenum">
+              <a:rPr b="0" lang="en-IN" sz="1200" spc="-1" strike="noStrike">
+                <a:solidFill>
+                  <a:schemeClr val="dk1">
+                    <a:tint val="75000"/>
+                  </a:schemeClr>
                 </a:solidFill>
                 <a:latin typeface="Calibri"/>
               </a:rPr>
-              <a:t>Second Outline Level</a:t>
-            </a:r>
-            <a:endParaRPr b="0" lang="en-US" sz="3200" spc="-1" strike="noStrike">
-              <a:solidFill>
-                <a:schemeClr val="dk1"/>
-              </a:solidFill>
-              <a:latin typeface="Calibri"/>
-            </a:endParaRPr>
-          </a:p>
-          <a:p>
-            <a:pPr lvl="2" marL="1296000" indent="-288000">
-              <a:lnSpc>
-                <a:spcPct val="90000"/>
-              </a:lnSpc>
-              <a:spcBef>
-                <a:spcPts val="850"/>
-              </a:spcBef>
-              <a:buClr>
-                <a:srgbClr val="000000"/>
-              </a:buClr>
-              <a:buSzPct val="45000"/>
-              <a:buFont typeface="Wingdings" charset="2"/>
-              <a:buChar char=""/>
-            </a:pPr>
-            <a:r>
-              <a:rPr b="0" lang="en-US" sz="3200" spc="-1" strike="noStrike">
-                <a:solidFill>
-                  <a:schemeClr val="dk1"/>
-                </a:solidFill>
-                <a:latin typeface="Calibri"/>
-              </a:rPr>
-              <a:t>Third Outline Level</a:t>
-            </a:r>
-            <a:endParaRPr b="0" lang="en-US" sz="3200" spc="-1" strike="noStrike">
-              <a:solidFill>
-                <a:schemeClr val="dk1"/>
-              </a:solidFill>
-              <a:latin typeface="Calibri"/>
-            </a:endParaRPr>
-          </a:p>
-          <a:p>
-            <a:pPr lvl="3" marL="1728000" indent="-216000">
-              <a:lnSpc>
-                <a:spcPct val="90000"/>
-              </a:lnSpc>
-              <a:spcBef>
-                <a:spcPts val="567"/>
-              </a:spcBef>
-              <a:buClr>
-                <a:srgbClr val="000000"/>
-              </a:buClr>
-              <a:buSzPct val="75000"/>
-              <a:buFont typeface="Symbol" charset="2"/>
-              <a:buChar char=""/>
-            </a:pPr>
-            <a:r>
-              <a:rPr b="0" lang="en-US" sz="3200" spc="-1" strike="noStrike">
-                <a:solidFill>
-                  <a:schemeClr val="dk1"/>
-                </a:solidFill>
-                <a:latin typeface="Calibri"/>
-              </a:rPr>
-              <a:t>Fourth Outline Level</a:t>
-            </a:r>
-            <a:endParaRPr b="0" lang="en-US" sz="3200" spc="-1" strike="noStrike">
-              <a:solidFill>
-                <a:schemeClr val="dk1"/>
-              </a:solidFill>
-              <a:latin typeface="Calibri"/>
-            </a:endParaRPr>
-          </a:p>
-          <a:p>
-            <a:pPr lvl="4" marL="2160000" indent="-216000">
-              <a:lnSpc>
-                <a:spcPct val="90000"/>
-              </a:lnSpc>
-              <a:spcBef>
-                <a:spcPts val="283"/>
-              </a:spcBef>
-              <a:buClr>
-                <a:srgbClr val="000000"/>
-              </a:buClr>
-              <a:buSzPct val="45000"/>
-              <a:buFont typeface="Wingdings" charset="2"/>
-              <a:buChar char=""/>
-            </a:pPr>
-            <a:r>
-              <a:rPr b="0" lang="en-US" sz="3200" spc="-1" strike="noStrike">
-                <a:solidFill>
-                  <a:schemeClr val="dk1"/>
-                </a:solidFill>
-                <a:latin typeface="Calibri"/>
-              </a:rPr>
-              <a:t>Fifth Outline Level</a:t>
-            </a:r>
-            <a:endParaRPr b="0" lang="en-US" sz="3200" spc="-1" strike="noStrike">
-              <a:solidFill>
-                <a:schemeClr val="dk1"/>
-              </a:solidFill>
-              <a:latin typeface="Calibri"/>
-            </a:endParaRPr>
-          </a:p>
-          <a:p>
-            <a:pPr lvl="5" marL="2592000" indent="-216000">
-              <a:lnSpc>
-                <a:spcPct val="90000"/>
-              </a:lnSpc>
-              <a:spcBef>
-                <a:spcPts val="283"/>
-              </a:spcBef>
-              <a:buClr>
-                <a:srgbClr val="000000"/>
-              </a:buClr>
-              <a:buSzPct val="45000"/>
-              <a:buFont typeface="Wingdings" charset="2"/>
-              <a:buChar char=""/>
-            </a:pPr>
-            <a:r>
-              <a:rPr b="0" lang="en-US" sz="3200" spc="-1" strike="noStrike">
-                <a:solidFill>
-                  <a:schemeClr val="dk1"/>
-                </a:solidFill>
-                <a:latin typeface="Calibri"/>
-              </a:rPr>
-              <a:t>Sixth Outline Level</a:t>
-            </a:r>
-            <a:endParaRPr b="0" lang="en-US" sz="3200" spc="-1" strike="noStrike">
-              <a:solidFill>
-                <a:schemeClr val="dk1"/>
-              </a:solidFill>
-              <a:latin typeface="Calibri"/>
-            </a:endParaRPr>
-          </a:p>
-          <a:p>
-            <a:pPr lvl="6" marL="3024000" indent="-216000">
-              <a:lnSpc>
-                <a:spcPct val="90000"/>
-              </a:lnSpc>
-              <a:spcBef>
-                <a:spcPts val="283"/>
-              </a:spcBef>
-              <a:buClr>
-                <a:srgbClr val="000000"/>
-              </a:buClr>
-              <a:buSzPct val="45000"/>
-              <a:buFont typeface="Wingdings" charset="2"/>
-              <a:buChar char=""/>
-            </a:pPr>
-            <a:r>
-              <a:rPr b="0" lang="en-US" sz="3200" spc="-1" strike="noStrike">
-                <a:solidFill>
-                  <a:schemeClr val="dk1"/>
-                </a:solidFill>
-                <a:latin typeface="Calibri"/>
-              </a:rPr>
-              <a:t>Seventh Outline Level</a:t>
-            </a:r>
-            <a:endParaRPr b="0" lang="en-US" sz="3200" spc="-1" strike="noStrike">
-              <a:solidFill>
-                <a:schemeClr val="dk1"/>
-              </a:solidFill>
-              <a:latin typeface="Calibri"/>
-            </a:endParaRPr>
-          </a:p>
-        </p:txBody>
-      </p:sp>
-      <p:sp>
-        <p:nvSpPr>
-          <p:cNvPr id="63" name="PlaceHolder 3"/>
-          <p:cNvSpPr>
-            <a:spLocks noGrp="1"/>
-          </p:cNvSpPr>
-          <p:nvPr>
-            <p:ph type="body"/>
+              <a:t>&lt;number&gt;</a:t>
+            </a:fld>
+            <a:endParaRPr b="0" lang="en-IN" sz="1200" spc="-1" strike="noStrike">
+              <a:solidFill>
+                <a:srgbClr val="000000"/>
+              </a:solidFill>
+              <a:latin typeface="Times New Roman"/>
+            </a:endParaRPr>
+          </a:p>
+        </p:txBody>
+      </p:sp>
+      <p:sp>
+        <p:nvSpPr>
+          <p:cNvPr id="49" name="PlaceHolder 3"/>
+          <p:cNvSpPr>
+            <a:spLocks noGrp="1"/>
+          </p:cNvSpPr>
+          <p:nvPr>
+            <p:ph type="dt" idx="33"/>
           </p:nvPr>
         </p:nvSpPr>
         <p:spPr>
           <a:xfrm>
-            <a:off x="839880" y="2057400"/>
-            <a:ext cx="3931920" cy="3811320"/>
+            <a:off x="838080" y="6356520"/>
+            <a:ext cx="2742480" cy="364320"/>
           </a:xfrm>
           <a:prstGeom prst="rect">
             <a:avLst/>
@@ -2688,139 +2232,11 @@
           </a:ln>
         </p:spPr>
         <p:txBody>
-          <a:bodyPr lIns="91440" rIns="91440" tIns="45720" bIns="45720" anchor="t">
-            <a:noAutofit/>
-          </a:bodyPr>
-          <a:p>
-            <a:pPr indent="0" defTabSz="914400">
-              <a:lnSpc>
-                <a:spcPct val="90000"/>
-              </a:lnSpc>
-              <a:spcBef>
-                <a:spcPts val="1001"/>
-              </a:spcBef>
-              <a:buNone/>
-              <a:tabLst>
-                <a:tab algn="l" pos="0"/>
-              </a:tabLst>
-            </a:pPr>
-            <a:r>
-              <a:rPr b="0" lang="en-US" sz="1600" spc="-1" strike="noStrike">
-                <a:solidFill>
-                  <a:schemeClr val="dk1"/>
-                </a:solidFill>
-                <a:latin typeface="Calibri"/>
-              </a:rPr>
-              <a:t>Click to edit Master text styles</a:t>
-            </a:r>
-            <a:endParaRPr b="0" lang="en-US" sz="1600" spc="-1" strike="noStrike">
-              <a:solidFill>
-                <a:schemeClr val="dk1"/>
-              </a:solidFill>
-              <a:latin typeface="Calibri"/>
-            </a:endParaRPr>
-          </a:p>
-        </p:txBody>
-      </p:sp>
-      <p:sp>
-        <p:nvSpPr>
-          <p:cNvPr id="64" name="PlaceHolder 4"/>
-          <p:cNvSpPr>
-            <a:spLocks noGrp="1"/>
-          </p:cNvSpPr>
-          <p:nvPr>
-            <p:ph type="dt" idx="31"/>
-          </p:nvPr>
-        </p:nvSpPr>
-        <p:spPr>
-          <a:xfrm>
-            <a:off x="838080" y="6356520"/>
-            <a:ext cx="2742840" cy="364680"/>
-          </a:xfrm>
-          <a:prstGeom prst="rect">
-            <a:avLst/>
-          </a:prstGeom>
-          <a:noFill/>
-          <a:ln w="0">
-            <a:noFill/>
-          </a:ln>
-        </p:spPr>
-        <p:txBody>
           <a:bodyPr lIns="91440" rIns="91440" tIns="45720" bIns="45720" anchor="ctr">
             <a:noAutofit/>
           </a:bodyPr>
           <a:lstStyle>
-            <a:lvl1pPr indent="0" defTabSz="914400">
-              <a:lnSpc>
-                <a:spcPct val="100000"/>
-              </a:lnSpc>
-              <a:buNone/>
-              <a:defRPr b="0" lang="en-IN" sz="1200" spc="-1" strike="noStrike">
-                <a:solidFill>
-                  <a:schemeClr val="dk1">
-                    <a:tint val="75000"/>
-                  </a:schemeClr>
-                </a:solidFill>
-                <a:latin typeface="Calibri"/>
-              </a:defRPr>
-            </a:lvl1pPr>
-          </a:lstStyle>
-          <a:p>
-            <a:pPr indent="0" defTabSz="914400">
-              <a:lnSpc>
-                <a:spcPct val="100000"/>
-              </a:lnSpc>
-              <a:buNone/>
-            </a:pPr>
-            <a:r>
-              <a:rPr b="0" lang="en-IN" sz="1200" spc="-1" strike="noStrike">
-                <a:solidFill>
-                  <a:schemeClr val="dk1">
-                    <a:tint val="75000"/>
-                  </a:schemeClr>
-                </a:solidFill>
-                <a:latin typeface="Calibri"/>
-              </a:rPr>
-              <a:t>&lt;date/time&gt;</a:t>
-            </a:r>
-            <a:endParaRPr b="0" lang="en-IN" sz="1200" spc="-1" strike="noStrike">
-              <a:solidFill>
-                <a:srgbClr val="000000"/>
-              </a:solidFill>
-              <a:latin typeface="Times New Roman"/>
-            </a:endParaRPr>
-          </a:p>
-        </p:txBody>
-      </p:sp>
-      <p:sp>
-        <p:nvSpPr>
-          <p:cNvPr id="65" name="PlaceHolder 5"/>
-          <p:cNvSpPr>
-            <a:spLocks noGrp="1"/>
-          </p:cNvSpPr>
-          <p:nvPr>
-            <p:ph type="ftr" idx="32"/>
-          </p:nvPr>
-        </p:nvSpPr>
-        <p:spPr>
-          <a:xfrm>
-            <a:off x="4038480" y="6356520"/>
-            <a:ext cx="4114440" cy="364680"/>
-          </a:xfrm>
-          <a:prstGeom prst="rect">
-            <a:avLst/>
-          </a:prstGeom>
-          <a:noFill/>
-          <a:ln w="0">
-            <a:noFill/>
-          </a:ln>
-        </p:spPr>
-        <p:txBody>
-          <a:bodyPr lIns="91440" rIns="91440" tIns="45720" bIns="45720" anchor="ctr">
-            <a:noAutofit/>
-          </a:bodyPr>
-          <a:lstStyle>
-            <a:lvl1pPr indent="0" algn="ctr">
+            <a:lvl1pPr indent="0">
               <a:buNone/>
               <a:defRPr b="0" lang="en-IN" sz="1400" spc="-1" strike="noStrike">
                 <a:solidFill>
@@ -2831,7 +2247,7 @@
             </a:lvl1pPr>
           </a:lstStyle>
           <a:p>
-            <a:pPr indent="0" algn="ctr">
+            <a:pPr indent="0">
               <a:buNone/>
             </a:pPr>
             <a:r>
@@ -2841,79 +2257,9 @@
                 </a:solidFill>
                 <a:latin typeface="Times New Roman"/>
               </a:rPr>
-              <a:t>&lt;footer&gt;</a:t>
+              <a:t>&lt;date/time&gt;</a:t>
             </a:r>
             <a:endParaRPr b="0" lang="en-IN" sz="1400" spc="-1" strike="noStrike">
-              <a:solidFill>
-                <a:srgbClr val="000000"/>
-              </a:solidFill>
-              <a:latin typeface="Times New Roman"/>
-            </a:endParaRPr>
-          </a:p>
-        </p:txBody>
-      </p:sp>
-      <p:sp>
-        <p:nvSpPr>
-          <p:cNvPr id="66" name="PlaceHolder 6"/>
-          <p:cNvSpPr>
-            <a:spLocks noGrp="1"/>
-          </p:cNvSpPr>
-          <p:nvPr>
-            <p:ph type="sldNum" idx="33"/>
-          </p:nvPr>
-        </p:nvSpPr>
-        <p:spPr>
-          <a:xfrm>
-            <a:off x="8610480" y="6356520"/>
-            <a:ext cx="2742840" cy="364680"/>
-          </a:xfrm>
-          <a:prstGeom prst="rect">
-            <a:avLst/>
-          </a:prstGeom>
-          <a:noFill/>
-          <a:ln w="0">
-            <a:noFill/>
-          </a:ln>
-        </p:spPr>
-        <p:txBody>
-          <a:bodyPr lIns="91440" rIns="91440" tIns="45720" bIns="45720" anchor="ctr">
-            <a:noAutofit/>
-          </a:bodyPr>
-          <a:lstStyle>
-            <a:lvl1pPr indent="0" algn="r" defTabSz="914400">
-              <a:lnSpc>
-                <a:spcPct val="100000"/>
-              </a:lnSpc>
-              <a:buNone/>
-              <a:defRPr b="0" lang="en-IN" sz="1200" spc="-1" strike="noStrike">
-                <a:solidFill>
-                  <a:schemeClr val="dk1">
-                    <a:tint val="75000"/>
-                  </a:schemeClr>
-                </a:solidFill>
-                <a:latin typeface="Calibri"/>
-              </a:defRPr>
-            </a:lvl1pPr>
-          </a:lstStyle>
-          <a:p>
-            <a:pPr indent="0" algn="r" defTabSz="914400">
-              <a:lnSpc>
-                <a:spcPct val="100000"/>
-              </a:lnSpc>
-              <a:buNone/>
-            </a:pPr>
-            <a:fld id="{E97B06F7-F995-4A51-B039-F8BF5065EB69}" type="slidenum">
-              <a:rPr b="0" lang="en-IN" sz="1200" spc="-1" strike="noStrike">
-                <a:solidFill>
-                  <a:schemeClr val="dk1">
-                    <a:tint val="75000"/>
-                  </a:schemeClr>
-                </a:solidFill>
-                <a:latin typeface="Calibri"/>
-              </a:rPr>
-              <a:t>&lt;number&gt;</a:t>
-            </a:fld>
-            <a:endParaRPr b="0" lang="en-IN" sz="1200" spc="-1" strike="noStrike">
               <a:solidFill>
                 <a:srgbClr val="000000"/>
               </a:solidFill>
@@ -2962,13 +2308,13 @@
             <a:spLocks noGrp="1"/>
           </p:cNvSpPr>
           <p:nvPr>
-            <p:ph type="title"/>
+            <p:ph type="ftr" idx="4"/>
           </p:nvPr>
         </p:nvSpPr>
         <p:spPr>
           <a:xfrm>
-            <a:off x="838080" y="365040"/>
-            <a:ext cx="10515240" cy="1325160"/>
+            <a:off x="4038480" y="6356520"/>
+            <a:ext cx="4114080" cy="364320"/>
           </a:xfrm>
           <a:prstGeom prst="rect">
             <a:avLst/>
@@ -2982,27 +2328,47 @@
           <a:bodyPr lIns="91440" rIns="91440" tIns="45720" bIns="45720" anchor="ctr">
             <a:noAutofit/>
           </a:bodyPr>
-          <a:p>
-            <a:pPr indent="0" defTabSz="914400">
-              <a:lnSpc>
-                <a:spcPct val="90000"/>
-              </a:lnSpc>
-              <a:buNone/>
-            </a:pPr>
-            <a:r>
-              <a:rPr b="0" lang="en-US" sz="4400" spc="-1" strike="noStrike">
-                <a:solidFill>
-                  <a:schemeClr val="dk1"/>
-                </a:solidFill>
-                <a:latin typeface="Calibri Light"/>
-              </a:rPr>
-              <a:t>Click to edit Master title style</a:t>
-            </a:r>
-            <a:endParaRPr b="0" lang="en-US" sz="4400" spc="-1" strike="noStrike">
-              <a:solidFill>
-                <a:schemeClr val="dk1"/>
-              </a:solidFill>
-              <a:latin typeface="Calibri"/>
+          <a:lstStyle>
+            <a:lvl1pPr indent="0" algn="ctr">
+              <a:lnSpc>
+                <a:spcPct val="100000"/>
+              </a:lnSpc>
+              <a:buNone/>
+              <a:tabLst>
+                <a:tab algn="l" pos="0"/>
+              </a:tabLst>
+              <a:defRPr b="0" lang="en-IN" sz="1400" spc="-1" strike="noStrike">
+                <a:solidFill>
+                  <a:srgbClr val="000000"/>
+                </a:solidFill>
+                <a:latin typeface="Times New Roman"/>
+              </a:defRPr>
+            </a:lvl1pPr>
+          </a:lstStyle>
+          <a:p>
+            <a:pPr indent="0" algn="ctr">
+              <a:lnSpc>
+                <a:spcPct val="100000"/>
+              </a:lnSpc>
+              <a:buNone/>
+              <a:tabLst>
+                <a:tab algn="l" pos="0"/>
+              </a:tabLst>
+            </a:pPr>
+            <a:r>
+              <a:rPr b="0" lang="en-IN" sz="1400" spc="-1" strike="noStrike">
+                <a:solidFill>
+                  <a:srgbClr val="000000"/>
+                </a:solidFill>
+                <a:latin typeface="Times New Roman"/>
+              </a:rPr>
+              <a:t>&lt;footer&gt;</a:t>
+            </a:r>
+            <a:endParaRPr b="0" lang="en-IN" sz="1400" spc="-1" strike="noStrike">
+              <a:solidFill>
+                <a:srgbClr val="000000"/>
+              </a:solidFill>
+              <a:latin typeface="Times New Roman"/>
             </a:endParaRPr>
           </a:p>
         </p:txBody>
@@ -3014,13 +2380,13 @@
             <a:spLocks noGrp="1"/>
           </p:cNvSpPr>
           <p:nvPr>
-            <p:ph type="body"/>
+            <p:ph type="sldNum" idx="5"/>
           </p:nvPr>
         </p:nvSpPr>
         <p:spPr>
           <a:xfrm>
-            <a:off x="838080" y="1825560"/>
-            <a:ext cx="10515240" cy="4350960"/>
+            <a:off x="8610480" y="6356520"/>
+            <a:ext cx="2742480" cy="364320"/>
           </a:xfrm>
           <a:prstGeom prst="rect">
             <a:avLst/>
@@ -3031,445 +2397,54 @@
           </a:ln>
         </p:spPr>
         <p:txBody>
-          <a:bodyPr lIns="91440" rIns="91440" tIns="45720" bIns="45720" anchor="t" vert="eaVert">
+          <a:bodyPr lIns="91440" rIns="91440" tIns="45720" bIns="45720" anchor="ctr">
             <a:noAutofit/>
           </a:bodyPr>
-          <a:p>
-            <a:pPr marL="228600" indent="-228600" defTabSz="914400">
-              <a:lnSpc>
-                <a:spcPct val="90000"/>
-              </a:lnSpc>
-              <a:spcBef>
-                <a:spcPts val="1001"/>
-              </a:spcBef>
-              <a:buClr>
-                <a:srgbClr val="000000"/>
-              </a:buClr>
-              <a:buFont typeface="Arial"/>
-              <a:buChar char="•"/>
-            </a:pPr>
-            <a:r>
-              <a:rPr b="0" lang="en-US" sz="2800" spc="-1" strike="noStrike">
-                <a:solidFill>
-                  <a:schemeClr val="dk1"/>
+          <a:lstStyle>
+            <a:lvl1pPr indent="0" algn="r" defTabSz="914400">
+              <a:lnSpc>
+                <a:spcPct val="100000"/>
+              </a:lnSpc>
+              <a:buNone/>
+              <a:tabLst>
+                <a:tab algn="l" pos="0"/>
+              </a:tabLst>
+              <a:defRPr b="0" lang="en-IN" sz="1200" spc="-1" strike="noStrike">
+                <a:solidFill>
+                  <a:schemeClr val="dk1">
+                    <a:tint val="75000"/>
+                  </a:schemeClr>
                 </a:solidFill>
                 <a:latin typeface="Calibri"/>
-              </a:rPr>
-              <a:t>Click </a:t>
-            </a:r>
-            <a:r>
-              <a:rPr b="0" lang="en-US" sz="2800" spc="-1" strike="noStrike">
-                <a:solidFill>
-                  <a:schemeClr val="dk1"/>
+              </a:defRPr>
+            </a:lvl1pPr>
+          </a:lstStyle>
+          <a:p>
+            <a:pPr indent="0" algn="r" defTabSz="914400">
+              <a:lnSpc>
+                <a:spcPct val="100000"/>
+              </a:lnSpc>
+              <a:buNone/>
+              <a:tabLst>
+                <a:tab algn="l" pos="0"/>
+              </a:tabLst>
+            </a:pPr>
+            <a:fld id="{13DB169B-A3AF-47F8-949E-4FBD29671E22}" type="slidenum">
+              <a:rPr b="0" lang="en-IN" sz="1200" spc="-1" strike="noStrike">
+                <a:solidFill>
+                  <a:schemeClr val="dk1">
+                    <a:tint val="75000"/>
+                  </a:schemeClr>
                 </a:solidFill>
                 <a:latin typeface="Calibri"/>
               </a:rPr>
-              <a:t>to edit </a:t>
-            </a:r>
-            <a:r>
-              <a:rPr b="0" lang="en-US" sz="2800" spc="-1" strike="noStrike">
-                <a:solidFill>
-                  <a:schemeClr val="dk1"/>
-                </a:solidFill>
-                <a:latin typeface="Calibri"/>
-              </a:rPr>
-              <a:t>Master </a:t>
-            </a:r>
-            <a:r>
-              <a:rPr b="0" lang="en-US" sz="2800" spc="-1" strike="noStrike">
-                <a:solidFill>
-                  <a:schemeClr val="dk1"/>
-                </a:solidFill>
-                <a:latin typeface="Calibri"/>
-              </a:rPr>
-              <a:t>text </a:t>
-            </a:r>
-            <a:r>
-              <a:rPr b="0" lang="en-US" sz="2800" spc="-1" strike="noStrike">
-                <a:solidFill>
-                  <a:schemeClr val="dk1"/>
-                </a:solidFill>
-                <a:latin typeface="Calibri"/>
-              </a:rPr>
-              <a:t>styles</a:t>
-            </a:r>
-            <a:endParaRPr b="0" lang="en-US" sz="2800" spc="-1" strike="noStrike">
-              <a:solidFill>
-                <a:schemeClr val="dk1"/>
-              </a:solidFill>
-              <a:latin typeface="Calibri"/>
-            </a:endParaRPr>
-          </a:p>
-          <a:p>
-            <a:pPr lvl="1" marL="685800" indent="-228600" defTabSz="914400">
-              <a:lnSpc>
-                <a:spcPct val="90000"/>
-              </a:lnSpc>
-              <a:spcBef>
-                <a:spcPts val="499"/>
-              </a:spcBef>
-              <a:buClr>
-                <a:srgbClr val="000000"/>
-              </a:buClr>
-              <a:buFont typeface="Arial"/>
-              <a:buChar char="•"/>
-            </a:pPr>
-            <a:r>
-              <a:rPr b="0" lang="en-US" sz="2400" spc="-1" strike="noStrike">
-                <a:solidFill>
-                  <a:schemeClr val="dk1"/>
-                </a:solidFill>
-                <a:latin typeface="Calibri"/>
-              </a:rPr>
-              <a:t>Seco</a:t>
-            </a:r>
-            <a:r>
-              <a:rPr b="0" lang="en-US" sz="2400" spc="-1" strike="noStrike">
-                <a:solidFill>
-                  <a:schemeClr val="dk1"/>
-                </a:solidFill>
-                <a:latin typeface="Calibri"/>
-              </a:rPr>
-              <a:t>nd </a:t>
-            </a:r>
-            <a:r>
-              <a:rPr b="0" lang="en-US" sz="2400" spc="-1" strike="noStrike">
-                <a:solidFill>
-                  <a:schemeClr val="dk1"/>
-                </a:solidFill>
-                <a:latin typeface="Calibri"/>
-              </a:rPr>
-              <a:t>level</a:t>
-            </a:r>
-            <a:endParaRPr b="0" lang="en-US" sz="2400" spc="-1" strike="noStrike">
-              <a:solidFill>
-                <a:schemeClr val="dk1"/>
-              </a:solidFill>
-              <a:latin typeface="Calibri"/>
-            </a:endParaRPr>
-          </a:p>
-          <a:p>
-            <a:pPr lvl="2" marL="1143000" indent="-228600" defTabSz="914400">
-              <a:lnSpc>
-                <a:spcPct val="90000"/>
-              </a:lnSpc>
-              <a:spcBef>
-                <a:spcPts val="499"/>
-              </a:spcBef>
-              <a:buClr>
-                <a:srgbClr val="000000"/>
-              </a:buClr>
-              <a:buFont typeface="Arial"/>
-              <a:buChar char="•"/>
-            </a:pPr>
-            <a:r>
-              <a:rPr b="0" lang="en-US" sz="2000" spc="-1" strike="noStrike">
-                <a:solidFill>
-                  <a:schemeClr val="dk1"/>
-                </a:solidFill>
-                <a:latin typeface="Calibri"/>
-              </a:rPr>
-              <a:t>T</a:t>
-            </a:r>
-            <a:r>
-              <a:rPr b="0" lang="en-US" sz="2000" spc="-1" strike="noStrike">
-                <a:solidFill>
-                  <a:schemeClr val="dk1"/>
-                </a:solidFill>
-                <a:latin typeface="Calibri"/>
-              </a:rPr>
-              <a:t>hi</a:t>
-            </a:r>
-            <a:r>
-              <a:rPr b="0" lang="en-US" sz="2000" spc="-1" strike="noStrike">
-                <a:solidFill>
-                  <a:schemeClr val="dk1"/>
-                </a:solidFill>
-                <a:latin typeface="Calibri"/>
-              </a:rPr>
-              <a:t>rd </a:t>
-            </a:r>
-            <a:r>
-              <a:rPr b="0" lang="en-US" sz="2000" spc="-1" strike="noStrike">
-                <a:solidFill>
-                  <a:schemeClr val="dk1"/>
-                </a:solidFill>
-                <a:latin typeface="Calibri"/>
-              </a:rPr>
-              <a:t>le</a:t>
-            </a:r>
-            <a:r>
-              <a:rPr b="0" lang="en-US" sz="2000" spc="-1" strike="noStrike">
-                <a:solidFill>
-                  <a:schemeClr val="dk1"/>
-                </a:solidFill>
-                <a:latin typeface="Calibri"/>
-              </a:rPr>
-              <a:t>v</a:t>
-            </a:r>
-            <a:r>
-              <a:rPr b="0" lang="en-US" sz="2000" spc="-1" strike="noStrike">
-                <a:solidFill>
-                  <a:schemeClr val="dk1"/>
-                </a:solidFill>
-                <a:latin typeface="Calibri"/>
-              </a:rPr>
-              <a:t>el</a:t>
-            </a:r>
-            <a:endParaRPr b="0" lang="en-US" sz="2000" spc="-1" strike="noStrike">
-              <a:solidFill>
-                <a:schemeClr val="dk1"/>
-              </a:solidFill>
-              <a:latin typeface="Calibri"/>
-            </a:endParaRPr>
-          </a:p>
-          <a:p>
-            <a:pPr lvl="3" marL="1600200" indent="-228600" defTabSz="914400">
-              <a:lnSpc>
-                <a:spcPct val="90000"/>
-              </a:lnSpc>
-              <a:spcBef>
-                <a:spcPts val="499"/>
-              </a:spcBef>
-              <a:buClr>
-                <a:srgbClr val="000000"/>
-              </a:buClr>
-              <a:buFont typeface="Arial"/>
-              <a:buChar char="•"/>
-            </a:pPr>
-            <a:r>
-              <a:rPr b="0" lang="en-US" sz="1800" spc="-1" strike="noStrike">
-                <a:solidFill>
-                  <a:schemeClr val="dk1"/>
-                </a:solidFill>
-                <a:latin typeface="Calibri"/>
-              </a:rPr>
-              <a:t>F</a:t>
-            </a:r>
-            <a:r>
-              <a:rPr b="0" lang="en-US" sz="1800" spc="-1" strike="noStrike">
-                <a:solidFill>
-                  <a:schemeClr val="dk1"/>
-                </a:solidFill>
-                <a:latin typeface="Calibri"/>
-              </a:rPr>
-              <a:t>o</a:t>
-            </a:r>
-            <a:r>
-              <a:rPr b="0" lang="en-US" sz="1800" spc="-1" strike="noStrike">
-                <a:solidFill>
-                  <a:schemeClr val="dk1"/>
-                </a:solidFill>
-                <a:latin typeface="Calibri"/>
-              </a:rPr>
-              <a:t>u</a:t>
-            </a:r>
-            <a:r>
-              <a:rPr b="0" lang="en-US" sz="1800" spc="-1" strike="noStrike">
-                <a:solidFill>
-                  <a:schemeClr val="dk1"/>
-                </a:solidFill>
-                <a:latin typeface="Calibri"/>
-              </a:rPr>
-              <a:t>r</a:t>
-            </a:r>
-            <a:r>
-              <a:rPr b="0" lang="en-US" sz="1800" spc="-1" strike="noStrike">
-                <a:solidFill>
-                  <a:schemeClr val="dk1"/>
-                </a:solidFill>
-                <a:latin typeface="Calibri"/>
-              </a:rPr>
-              <a:t>t</a:t>
-            </a:r>
-            <a:r>
-              <a:rPr b="0" lang="en-US" sz="1800" spc="-1" strike="noStrike">
-                <a:solidFill>
-                  <a:schemeClr val="dk1"/>
-                </a:solidFill>
-                <a:latin typeface="Calibri"/>
-              </a:rPr>
-              <a:t>h</a:t>
-            </a:r>
-            <a:r>
-              <a:rPr b="0" lang="en-US" sz="1800" spc="-1" strike="noStrike">
-                <a:solidFill>
-                  <a:schemeClr val="dk1"/>
-                </a:solidFill>
-                <a:latin typeface="Calibri"/>
-              </a:rPr>
-              <a:t> </a:t>
-            </a:r>
-            <a:r>
-              <a:rPr b="0" lang="en-US" sz="1800" spc="-1" strike="noStrike">
-                <a:solidFill>
-                  <a:schemeClr val="dk1"/>
-                </a:solidFill>
-                <a:latin typeface="Calibri"/>
-              </a:rPr>
-              <a:t>l</a:t>
-            </a:r>
-            <a:r>
-              <a:rPr b="0" lang="en-US" sz="1800" spc="-1" strike="noStrike">
-                <a:solidFill>
-                  <a:schemeClr val="dk1"/>
-                </a:solidFill>
-                <a:latin typeface="Calibri"/>
-              </a:rPr>
-              <a:t>e</a:t>
-            </a:r>
-            <a:r>
-              <a:rPr b="0" lang="en-US" sz="1800" spc="-1" strike="noStrike">
-                <a:solidFill>
-                  <a:schemeClr val="dk1"/>
-                </a:solidFill>
-                <a:latin typeface="Calibri"/>
-              </a:rPr>
-              <a:t>v</a:t>
-            </a:r>
-            <a:r>
-              <a:rPr b="0" lang="en-US" sz="1800" spc="-1" strike="noStrike">
-                <a:solidFill>
-                  <a:schemeClr val="dk1"/>
-                </a:solidFill>
-                <a:latin typeface="Calibri"/>
-              </a:rPr>
-              <a:t>e</a:t>
-            </a:r>
-            <a:r>
-              <a:rPr b="0" lang="en-US" sz="1800" spc="-1" strike="noStrike">
-                <a:solidFill>
-                  <a:schemeClr val="dk1"/>
-                </a:solidFill>
-                <a:latin typeface="Calibri"/>
-              </a:rPr>
-              <a:t>l</a:t>
-            </a:r>
-            <a:endParaRPr b="0" lang="en-US" sz="1800" spc="-1" strike="noStrike">
-              <a:solidFill>
-                <a:schemeClr val="dk1"/>
-              </a:solidFill>
-              <a:latin typeface="Calibri"/>
-            </a:endParaRPr>
-          </a:p>
-          <a:p>
-            <a:pPr lvl="4" marL="2057400" indent="-228600" defTabSz="914400">
-              <a:lnSpc>
-                <a:spcPct val="90000"/>
-              </a:lnSpc>
-              <a:spcBef>
-                <a:spcPts val="499"/>
-              </a:spcBef>
-              <a:buClr>
-                <a:srgbClr val="000000"/>
-              </a:buClr>
-              <a:buFont typeface="Arial"/>
-              <a:buChar char="•"/>
-            </a:pPr>
-            <a:r>
-              <a:rPr b="0" lang="en-US" sz="1800" spc="-1" strike="noStrike">
-                <a:solidFill>
-                  <a:schemeClr val="dk1"/>
-                </a:solidFill>
-                <a:latin typeface="Calibri"/>
-              </a:rPr>
-              <a:t>F</a:t>
-            </a:r>
-            <a:r>
-              <a:rPr b="0" lang="en-US" sz="1800" spc="-1" strike="noStrike">
-                <a:solidFill>
-                  <a:schemeClr val="dk1"/>
-                </a:solidFill>
-                <a:latin typeface="Calibri"/>
-              </a:rPr>
-              <a:t>i</a:t>
-            </a:r>
-            <a:r>
-              <a:rPr b="0" lang="en-US" sz="1800" spc="-1" strike="noStrike">
-                <a:solidFill>
-                  <a:schemeClr val="dk1"/>
-                </a:solidFill>
-                <a:latin typeface="Calibri"/>
-              </a:rPr>
-              <a:t>f</a:t>
-            </a:r>
-            <a:r>
-              <a:rPr b="0" lang="en-US" sz="1800" spc="-1" strike="noStrike">
-                <a:solidFill>
-                  <a:schemeClr val="dk1"/>
-                </a:solidFill>
-                <a:latin typeface="Calibri"/>
-              </a:rPr>
-              <a:t>t</a:t>
-            </a:r>
-            <a:r>
-              <a:rPr b="0" lang="en-US" sz="1800" spc="-1" strike="noStrike">
-                <a:solidFill>
-                  <a:schemeClr val="dk1"/>
-                </a:solidFill>
-                <a:latin typeface="Calibri"/>
-              </a:rPr>
-              <a:t>h</a:t>
-            </a:r>
-            <a:r>
-              <a:rPr b="0" lang="en-US" sz="1800" spc="-1" strike="noStrike">
-                <a:solidFill>
-                  <a:schemeClr val="dk1"/>
-                </a:solidFill>
-                <a:latin typeface="Calibri"/>
-              </a:rPr>
-              <a:t> </a:t>
-            </a:r>
-            <a:r>
-              <a:rPr b="0" lang="en-US" sz="1800" spc="-1" strike="noStrike">
-                <a:solidFill>
-                  <a:schemeClr val="dk1"/>
-                </a:solidFill>
-                <a:latin typeface="Calibri"/>
-              </a:rPr>
-              <a:t>l</a:t>
-            </a:r>
-            <a:r>
-              <a:rPr b="0" lang="en-US" sz="1800" spc="-1" strike="noStrike">
-                <a:solidFill>
-                  <a:schemeClr val="dk1"/>
-                </a:solidFill>
-                <a:latin typeface="Calibri"/>
-              </a:rPr>
-              <a:t>e</a:t>
-            </a:r>
-            <a:r>
-              <a:rPr b="0" lang="en-US" sz="1800" spc="-1" strike="noStrike">
-                <a:solidFill>
-                  <a:schemeClr val="dk1"/>
-                </a:solidFill>
-                <a:latin typeface="Calibri"/>
-              </a:rPr>
-              <a:t>v</a:t>
-            </a:r>
-            <a:r>
-              <a:rPr b="0" lang="en-US" sz="1800" spc="-1" strike="noStrike">
-                <a:solidFill>
-                  <a:schemeClr val="dk1"/>
-                </a:solidFill>
-                <a:latin typeface="Calibri"/>
-              </a:rPr>
-              <a:t>e</a:t>
-            </a:r>
-            <a:r>
-              <a:rPr b="0" lang="en-US" sz="1800" spc="-1" strike="noStrike">
-                <a:solidFill>
-                  <a:schemeClr val="dk1"/>
-                </a:solidFill>
-                <a:latin typeface="Calibri"/>
-              </a:rPr>
-              <a:t>l</a:t>
-            </a:r>
-            <a:endParaRPr b="0" lang="en-US" sz="1800" spc="-1" strike="noStrike">
-              <a:solidFill>
-                <a:schemeClr val="dk1"/>
-              </a:solidFill>
-              <a:latin typeface="Calibri"/>
+              <a:t>&lt;number&gt;</a:t>
+            </a:fld>
+            <a:endParaRPr b="0" lang="en-IN" sz="1200" spc="-1" strike="noStrike">
+              <a:solidFill>
+                <a:srgbClr val="000000"/>
+              </a:solidFill>
+              <a:latin typeface="Times New Roman"/>
             </a:endParaRPr>
           </a:p>
         </p:txBody>
@@ -3481,13 +2456,13 @@
             <a:spLocks noGrp="1"/>
           </p:cNvSpPr>
           <p:nvPr>
-            <p:ph type="dt" idx="4"/>
+            <p:ph type="dt" idx="6"/>
           </p:nvPr>
         </p:nvSpPr>
         <p:spPr>
           <a:xfrm>
             <a:off x="838080" y="6356520"/>
-            <a:ext cx="2742840" cy="364680"/>
+            <a:ext cx="2742480" cy="364320"/>
           </a:xfrm>
           <a:prstGeom prst="rect">
             <a:avLst/>
@@ -3502,77 +2477,7 @@
             <a:noAutofit/>
           </a:bodyPr>
           <a:lstStyle>
-            <a:lvl1pPr indent="0" defTabSz="914400">
-              <a:lnSpc>
-                <a:spcPct val="100000"/>
-              </a:lnSpc>
-              <a:buNone/>
-              <a:defRPr b="0" lang="en-IN" sz="1200" spc="-1" strike="noStrike">
-                <a:solidFill>
-                  <a:schemeClr val="dk1">
-                    <a:tint val="75000"/>
-                  </a:schemeClr>
-                </a:solidFill>
-                <a:latin typeface="Calibri"/>
-              </a:defRPr>
-            </a:lvl1pPr>
-          </a:lstStyle>
-          <a:p>
-            <a:pPr indent="0" defTabSz="914400">
-              <a:lnSpc>
-                <a:spcPct val="100000"/>
-              </a:lnSpc>
-              <a:buNone/>
-            </a:pPr>
-            <a:r>
-              <a:rPr b="0" lang="en-IN" sz="1200" spc="-1" strike="noStrike">
-                <a:solidFill>
-                  <a:schemeClr val="dk1">
-                    <a:tint val="75000"/>
-                  </a:schemeClr>
-                </a:solidFill>
-                <a:latin typeface="Calibri"/>
-              </a:rPr>
-              <a:t>&lt;date/time&gt;</a:t>
-            </a:r>
-            <a:endParaRPr b="0" lang="en-IN" sz="1200" spc="-1" strike="noStrike">
-              <a:solidFill>
-                <a:srgbClr val="000000"/>
-              </a:solidFill>
-              <a:latin typeface="Times New Roman"/>
-            </a:endParaRPr>
-          </a:p>
-        </p:txBody>
-      </p:sp>
-      <p:sp>
-        <p:nvSpPr>
-          <p:cNvPr id="10" name="PlaceHolder 4"/>
-          <p:cNvSpPr>
-            <a:spLocks noGrp="1"/>
-          </p:cNvSpPr>
-          <p:nvPr>
-            <p:ph type="ftr" idx="5"/>
-          </p:nvPr>
-        </p:nvSpPr>
-        <p:spPr>
-          <a:xfrm>
-            <a:off x="4038480" y="6356520"/>
-            <a:ext cx="4114440" cy="364680"/>
-          </a:xfrm>
-          <a:prstGeom prst="rect">
-            <a:avLst/>
-          </a:prstGeom>
-          <a:noFill/>
-          <a:ln w="0">
-            <a:noFill/>
-          </a:ln>
-        </p:spPr>
-        <p:txBody>
-          <a:bodyPr lIns="91440" rIns="91440" tIns="45720" bIns="45720" anchor="ctr">
-            <a:noAutofit/>
-          </a:bodyPr>
-          <a:lstStyle>
-            <a:lvl1pPr indent="0" algn="ctr">
+            <a:lvl1pPr indent="0">
               <a:buNone/>
               <a:defRPr b="0" lang="en-IN" sz="1400" spc="-1" strike="noStrike">
                 <a:solidFill>
@@ -3583,7 +2488,7 @@
             </a:lvl1pPr>
           </a:lstStyle>
           <a:p>
-            <a:pPr indent="0" algn="ctr">
+            <a:pPr indent="0">
               <a:buNone/>
             </a:pPr>
             <a:r>
@@ -3593,79 +2498,9 @@
                 </a:solidFill>
                 <a:latin typeface="Times New Roman"/>
               </a:rPr>
-              <a:t>&lt;footer&gt;</a:t>
+              <a:t>&lt;date/time&gt;</a:t>
             </a:r>
             <a:endParaRPr b="0" lang="en-IN" sz="1400" spc="-1" strike="noStrike">
-              <a:solidFill>
-                <a:srgbClr val="000000"/>
-              </a:solidFill>
-              <a:latin typeface="Times New Roman"/>
-            </a:endParaRPr>
-          </a:p>
-        </p:txBody>
-      </p:sp>
-      <p:sp>
-        <p:nvSpPr>
-          <p:cNvPr id="11" name="PlaceHolder 5"/>
-          <p:cNvSpPr>
-            <a:spLocks noGrp="1"/>
-          </p:cNvSpPr>
-          <p:nvPr>
-            <p:ph type="sldNum" idx="6"/>
-          </p:nvPr>
-        </p:nvSpPr>
-        <p:spPr>
-          <a:xfrm>
-            <a:off x="8610480" y="6356520"/>
-            <a:ext cx="2742840" cy="364680"/>
-          </a:xfrm>
-          <a:prstGeom prst="rect">
-            <a:avLst/>
-          </a:prstGeom>
-          <a:noFill/>
-          <a:ln w="0">
-            <a:noFill/>
-          </a:ln>
-        </p:spPr>
-        <p:txBody>
-          <a:bodyPr lIns="91440" rIns="91440" tIns="45720" bIns="45720" anchor="ctr">
-            <a:noAutofit/>
-          </a:bodyPr>
-          <a:lstStyle>
-            <a:lvl1pPr indent="0" algn="r" defTabSz="914400">
-              <a:lnSpc>
-                <a:spcPct val="100000"/>
-              </a:lnSpc>
-              <a:buNone/>
-              <a:defRPr b="0" lang="en-IN" sz="1200" spc="-1" strike="noStrike">
-                <a:solidFill>
-                  <a:schemeClr val="dk1">
-                    <a:tint val="75000"/>
-                  </a:schemeClr>
-                </a:solidFill>
-                <a:latin typeface="Calibri"/>
-              </a:defRPr>
-            </a:lvl1pPr>
-          </a:lstStyle>
-          <a:p>
-            <a:pPr indent="0" algn="r" defTabSz="914400">
-              <a:lnSpc>
-                <a:spcPct val="100000"/>
-              </a:lnSpc>
-              <a:buNone/>
-            </a:pPr>
-            <a:fld id="{4FCD9E08-3561-4AF0-875B-1C4B11343955}" type="slidenum">
-              <a:rPr b="0" lang="en-IN" sz="1200" spc="-1" strike="noStrike">
-                <a:solidFill>
-                  <a:schemeClr val="dk1">
-                    <a:tint val="75000"/>
-                  </a:schemeClr>
-                </a:solidFill>
-                <a:latin typeface="Calibri"/>
-              </a:rPr>
-              <a:t>&lt;number&gt;</a:t>
-            </a:fld>
-            <a:endParaRPr b="0" lang="en-IN" sz="1200" spc="-1" strike="noStrike">
               <a:solidFill>
                 <a:srgbClr val="000000"/>
               </a:solidFill>
@@ -3709,18 +2544,18 @@
       </p:grpSpPr>
       <p:sp>
         <p:nvSpPr>
-          <p:cNvPr id="12" name="PlaceHolder 1"/>
-          <p:cNvSpPr>
-            <a:spLocks noGrp="1"/>
-          </p:cNvSpPr>
-          <p:nvPr>
-            <p:ph type="title"/>
+          <p:cNvPr id="10" name="PlaceHolder 1"/>
+          <p:cNvSpPr>
+            <a:spLocks noGrp="1"/>
+          </p:cNvSpPr>
+          <p:nvPr>
+            <p:ph type="ftr" idx="7"/>
           </p:nvPr>
         </p:nvSpPr>
         <p:spPr>
           <a:xfrm>
-            <a:off x="8724960" y="365040"/>
-            <a:ext cx="2628720" cy="5811480"/>
+            <a:off x="4038480" y="6356520"/>
+            <a:ext cx="4114080" cy="364320"/>
           </a:xfrm>
           <a:prstGeom prst="rect">
             <a:avLst/>
@@ -3731,48 +2566,68 @@
           </a:ln>
         </p:spPr>
         <p:txBody>
-          <a:bodyPr lIns="91440" rIns="91440" tIns="45720" bIns="45720" anchor="ctr" vert="eaVert">
+          <a:bodyPr lIns="91440" rIns="91440" tIns="45720" bIns="45720" anchor="ctr">
             <a:noAutofit/>
           </a:bodyPr>
-          <a:p>
-            <a:pPr indent="0" defTabSz="914400">
-              <a:lnSpc>
-                <a:spcPct val="90000"/>
-              </a:lnSpc>
-              <a:buNone/>
-            </a:pPr>
-            <a:r>
-              <a:rPr b="0" lang="en-US" sz="4400" spc="-1" strike="noStrike">
-                <a:solidFill>
-                  <a:schemeClr val="dk1"/>
-                </a:solidFill>
-                <a:latin typeface="Calibri Light"/>
-              </a:rPr>
-              <a:t>Click to edit Master title style</a:t>
-            </a:r>
-            <a:endParaRPr b="0" lang="en-US" sz="4400" spc="-1" strike="noStrike">
-              <a:solidFill>
-                <a:schemeClr val="dk1"/>
-              </a:solidFill>
-              <a:latin typeface="Calibri"/>
-            </a:endParaRPr>
-          </a:p>
-        </p:txBody>
-      </p:sp>
-      <p:sp>
-        <p:nvSpPr>
-          <p:cNvPr id="13" name="PlaceHolder 2"/>
-          <p:cNvSpPr>
-            <a:spLocks noGrp="1"/>
-          </p:cNvSpPr>
-          <p:nvPr>
-            <p:ph type="body"/>
+          <a:lstStyle>
+            <a:lvl1pPr indent="0" algn="ctr">
+              <a:lnSpc>
+                <a:spcPct val="100000"/>
+              </a:lnSpc>
+              <a:buNone/>
+              <a:tabLst>
+                <a:tab algn="l" pos="0"/>
+              </a:tabLst>
+              <a:defRPr b="0" lang="en-IN" sz="1400" spc="-1" strike="noStrike">
+                <a:solidFill>
+                  <a:srgbClr val="000000"/>
+                </a:solidFill>
+                <a:latin typeface="Times New Roman"/>
+              </a:defRPr>
+            </a:lvl1pPr>
+          </a:lstStyle>
+          <a:p>
+            <a:pPr indent="0" algn="ctr">
+              <a:lnSpc>
+                <a:spcPct val="100000"/>
+              </a:lnSpc>
+              <a:buNone/>
+              <a:tabLst>
+                <a:tab algn="l" pos="0"/>
+              </a:tabLst>
+            </a:pPr>
+            <a:r>
+              <a:rPr b="0" lang="en-IN" sz="1400" spc="-1" strike="noStrike">
+                <a:solidFill>
+                  <a:srgbClr val="000000"/>
+                </a:solidFill>
+                <a:latin typeface="Times New Roman"/>
+              </a:rPr>
+              <a:t>&lt;footer&gt;</a:t>
+            </a:r>
+            <a:endParaRPr b="0" lang="en-IN" sz="1400" spc="-1" strike="noStrike">
+              <a:solidFill>
+                <a:srgbClr val="000000"/>
+              </a:solidFill>
+              <a:latin typeface="Times New Roman"/>
+            </a:endParaRPr>
+          </a:p>
+        </p:txBody>
+      </p:sp>
+      <p:sp>
+        <p:nvSpPr>
+          <p:cNvPr id="11" name="PlaceHolder 2"/>
+          <p:cNvSpPr>
+            <a:spLocks noGrp="1"/>
+          </p:cNvSpPr>
+          <p:nvPr>
+            <p:ph type="sldNum" idx="8"/>
           </p:nvPr>
         </p:nvSpPr>
         <p:spPr>
           <a:xfrm>
-            <a:off x="838080" y="365040"/>
-            <a:ext cx="7733880" cy="5811480"/>
+            <a:off x="8610480" y="6356520"/>
+            <a:ext cx="2742480" cy="364320"/>
           </a:xfrm>
           <a:prstGeom prst="rect">
             <a:avLst/>
@@ -3783,175 +2638,72 @@
           </a:ln>
         </p:spPr>
         <p:txBody>
-          <a:bodyPr lIns="91440" rIns="91440" tIns="45720" bIns="45720" anchor="t" vert="eaVert">
+          <a:bodyPr lIns="91440" rIns="91440" tIns="45720" bIns="45720" anchor="ctr">
             <a:noAutofit/>
           </a:bodyPr>
-          <a:p>
-            <a:pPr marL="228600" indent="-228600" defTabSz="914400">
-              <a:lnSpc>
-                <a:spcPct val="90000"/>
-              </a:lnSpc>
-              <a:spcBef>
-                <a:spcPts val="1001"/>
-              </a:spcBef>
-              <a:buClr>
-                <a:srgbClr val="000000"/>
-              </a:buClr>
-              <a:buFont typeface="Arial"/>
-              <a:buChar char="•"/>
-            </a:pPr>
-            <a:r>
-              <a:rPr b="0" lang="en-US" sz="2800" spc="-1" strike="noStrike">
-                <a:solidFill>
-                  <a:schemeClr val="dk1"/>
+          <a:lstStyle>
+            <a:lvl1pPr indent="0" algn="r" defTabSz="914400">
+              <a:lnSpc>
+                <a:spcPct val="100000"/>
+              </a:lnSpc>
+              <a:buNone/>
+              <a:tabLst>
+                <a:tab algn="l" pos="0"/>
+              </a:tabLst>
+              <a:defRPr b="0" lang="en-IN" sz="1200" spc="-1" strike="noStrike">
+                <a:solidFill>
+                  <a:schemeClr val="dk1">
+                    <a:tint val="75000"/>
+                  </a:schemeClr>
                 </a:solidFill>
                 <a:latin typeface="Calibri"/>
-              </a:rPr>
-              <a:t>Click to edit Master text styles</a:t>
-            </a:r>
-            <a:endParaRPr b="0" lang="en-US" sz="2800" spc="-1" strike="noStrike">
-              <a:solidFill>
-                <a:schemeClr val="dk1"/>
-              </a:solidFill>
-              <a:latin typeface="Calibri"/>
-            </a:endParaRPr>
-          </a:p>
-          <a:p>
-            <a:pPr lvl="1" marL="685800" indent="-228600" defTabSz="914400">
-              <a:lnSpc>
-                <a:spcPct val="90000"/>
-              </a:lnSpc>
-              <a:spcBef>
-                <a:spcPts val="499"/>
-              </a:spcBef>
-              <a:buClr>
-                <a:srgbClr val="000000"/>
-              </a:buClr>
-              <a:buFont typeface="Arial"/>
-              <a:buChar char="•"/>
-            </a:pPr>
-            <a:r>
-              <a:rPr b="0" lang="en-US" sz="2400" spc="-1" strike="noStrike">
-                <a:solidFill>
-                  <a:schemeClr val="dk1"/>
+              </a:defRPr>
+            </a:lvl1pPr>
+          </a:lstStyle>
+          <a:p>
+            <a:pPr indent="0" algn="r" defTabSz="914400">
+              <a:lnSpc>
+                <a:spcPct val="100000"/>
+              </a:lnSpc>
+              <a:buNone/>
+              <a:tabLst>
+                <a:tab algn="l" pos="0"/>
+              </a:tabLst>
+            </a:pPr>
+            <a:fld id="{9C2AF4C1-9022-4A74-B178-64185F4BDDC2}" type="slidenum">
+              <a:rPr b="0" lang="en-IN" sz="1200" spc="-1" strike="noStrike">
+                <a:solidFill>
+                  <a:schemeClr val="dk1">
+                    <a:tint val="75000"/>
+                  </a:schemeClr>
                 </a:solidFill>
                 <a:latin typeface="Calibri"/>
               </a:rPr>
-              <a:t>Second level</a:t>
-            </a:r>
-            <a:endParaRPr b="0" lang="en-US" sz="2400" spc="-1" strike="noStrike">
-              <a:solidFill>
-                <a:schemeClr val="dk1"/>
-              </a:solidFill>
-              <a:latin typeface="Calibri"/>
-            </a:endParaRPr>
-          </a:p>
-          <a:p>
-            <a:pPr lvl="2" marL="1143000" indent="-228600" defTabSz="914400">
-              <a:lnSpc>
-                <a:spcPct val="90000"/>
-              </a:lnSpc>
-              <a:spcBef>
-                <a:spcPts val="499"/>
-              </a:spcBef>
-              <a:buClr>
-                <a:srgbClr val="000000"/>
-              </a:buClr>
-              <a:buFont typeface="Arial"/>
-              <a:buChar char="•"/>
-            </a:pPr>
-            <a:r>
-              <a:rPr b="0" lang="en-US" sz="2000" spc="-1" strike="noStrike">
-                <a:solidFill>
-                  <a:schemeClr val="dk1"/>
-                </a:solidFill>
-                <a:latin typeface="Calibri"/>
-              </a:rPr>
-              <a:t>Third level</a:t>
-            </a:r>
-            <a:endParaRPr b="0" lang="en-US" sz="2000" spc="-1" strike="noStrike">
-              <a:solidFill>
-                <a:schemeClr val="dk1"/>
-              </a:solidFill>
-              <a:latin typeface="Calibri"/>
-            </a:endParaRPr>
-          </a:p>
-          <a:p>
-            <a:pPr lvl="3" marL="1600200" indent="-228600" defTabSz="914400">
-              <a:lnSpc>
-                <a:spcPct val="90000"/>
-              </a:lnSpc>
-              <a:spcBef>
-                <a:spcPts val="499"/>
-              </a:spcBef>
-              <a:buClr>
-                <a:srgbClr val="000000"/>
-              </a:buClr>
-              <a:buFont typeface="Arial"/>
-              <a:buChar char="•"/>
-            </a:pPr>
-            <a:r>
-              <a:rPr b="0" lang="en-US" sz="1800" spc="-1" strike="noStrike">
-                <a:solidFill>
-                  <a:schemeClr val="dk1"/>
-                </a:solidFill>
-                <a:latin typeface="Calibri"/>
-              </a:rPr>
-              <a:t>Fourth level</a:t>
-            </a:r>
-            <a:endParaRPr b="0" lang="en-US" sz="1800" spc="-1" strike="noStrike">
-              <a:solidFill>
-                <a:schemeClr val="dk1"/>
-              </a:solidFill>
-              <a:latin typeface="Calibri"/>
-            </a:endParaRPr>
-          </a:p>
-          <a:p>
-            <a:pPr lvl="4" marL="2057400" indent="-228600" defTabSz="914400">
-              <a:lnSpc>
-                <a:spcPct val="90000"/>
-              </a:lnSpc>
-              <a:spcBef>
-                <a:spcPts val="499"/>
-              </a:spcBef>
-              <a:buClr>
-                <a:srgbClr val="000000"/>
-              </a:buClr>
-              <a:buFont typeface="Arial"/>
-              <a:buChar char="•"/>
-            </a:pPr>
-            <a:r>
-              <a:rPr b="0" lang="en-US" sz="1800" spc="-1" strike="noStrike">
-                <a:solidFill>
-                  <a:schemeClr val="dk1"/>
-                </a:solidFill>
-                <a:latin typeface="Calibri"/>
-              </a:rPr>
-              <a:t>Fifth level</a:t>
-            </a:r>
-            <a:endParaRPr b="0" lang="en-US" sz="1800" spc="-1" strike="noStrike">
-              <a:solidFill>
-                <a:schemeClr val="dk1"/>
-              </a:solidFill>
-              <a:latin typeface="Calibri"/>
-            </a:endParaRPr>
-          </a:p>
-        </p:txBody>
-      </p:sp>
-      <p:sp>
-        <p:nvSpPr>
-          <p:cNvPr id="14" name="PlaceHolder 3"/>
-          <p:cNvSpPr>
-            <a:spLocks noGrp="1"/>
-          </p:cNvSpPr>
-          <p:nvPr>
-            <p:ph type="dt" idx="7"/>
+              <a:t>&lt;number&gt;</a:t>
+            </a:fld>
+            <a:endParaRPr b="0" lang="en-IN" sz="1200" spc="-1" strike="noStrike">
+              <a:solidFill>
+                <a:srgbClr val="000000"/>
+              </a:solidFill>
+              <a:latin typeface="Times New Roman"/>
+            </a:endParaRPr>
+          </a:p>
+        </p:txBody>
+      </p:sp>
+      <p:sp>
+        <p:nvSpPr>
+          <p:cNvPr id="12" name="PlaceHolder 3"/>
+          <p:cNvSpPr>
+            <a:spLocks noGrp="1"/>
+          </p:cNvSpPr>
+          <p:nvPr>
+            <p:ph type="dt" idx="9"/>
           </p:nvPr>
         </p:nvSpPr>
         <p:spPr>
           <a:xfrm>
             <a:off x="838080" y="6356520"/>
-            <a:ext cx="2742840" cy="364680"/>
+            <a:ext cx="2742480" cy="364320"/>
           </a:xfrm>
           <a:prstGeom prst="rect">
             <a:avLst/>
@@ -3966,77 +2718,7 @@
             <a:noAutofit/>
           </a:bodyPr>
           <a:lstStyle>
-            <a:lvl1pPr indent="0" defTabSz="914400">
-              <a:lnSpc>
-                <a:spcPct val="100000"/>
-              </a:lnSpc>
-              <a:buNone/>
-              <a:defRPr b="0" lang="en-IN" sz="1200" spc="-1" strike="noStrike">
-                <a:solidFill>
-                  <a:schemeClr val="dk1">
-                    <a:tint val="75000"/>
-                  </a:schemeClr>
-                </a:solidFill>
-                <a:latin typeface="Calibri"/>
-              </a:defRPr>
-            </a:lvl1pPr>
-          </a:lstStyle>
-          <a:p>
-            <a:pPr indent="0" defTabSz="914400">
-              <a:lnSpc>
-                <a:spcPct val="100000"/>
-              </a:lnSpc>
-              <a:buNone/>
-            </a:pPr>
-            <a:r>
-              <a:rPr b="0" lang="en-IN" sz="1200" spc="-1" strike="noStrike">
-                <a:solidFill>
-                  <a:schemeClr val="dk1">
-                    <a:tint val="75000"/>
-                  </a:schemeClr>
-                </a:solidFill>
-                <a:latin typeface="Calibri"/>
-              </a:rPr>
-              <a:t>&lt;date/time&gt;</a:t>
-            </a:r>
-            <a:endParaRPr b="0" lang="en-IN" sz="1200" spc="-1" strike="noStrike">
-              <a:solidFill>
-                <a:srgbClr val="000000"/>
-              </a:solidFill>
-              <a:latin typeface="Times New Roman"/>
-            </a:endParaRPr>
-          </a:p>
-        </p:txBody>
-      </p:sp>
-      <p:sp>
-        <p:nvSpPr>
-          <p:cNvPr id="15" name="PlaceHolder 4"/>
-          <p:cNvSpPr>
-            <a:spLocks noGrp="1"/>
-          </p:cNvSpPr>
-          <p:nvPr>
-            <p:ph type="ftr" idx="8"/>
-          </p:nvPr>
-        </p:nvSpPr>
-        <p:spPr>
-          <a:xfrm>
-            <a:off x="4038480" y="6356520"/>
-            <a:ext cx="4114440" cy="364680"/>
-          </a:xfrm>
-          <a:prstGeom prst="rect">
-            <a:avLst/>
-          </a:prstGeom>
-          <a:noFill/>
-          <a:ln w="0">
-            <a:noFill/>
-          </a:ln>
-        </p:spPr>
-        <p:txBody>
-          <a:bodyPr lIns="91440" rIns="91440" tIns="45720" bIns="45720" anchor="ctr">
-            <a:noAutofit/>
-          </a:bodyPr>
-          <a:lstStyle>
-            <a:lvl1pPr indent="0" algn="ctr">
+            <a:lvl1pPr indent="0">
               <a:buNone/>
               <a:defRPr b="0" lang="en-IN" sz="1400" spc="-1" strike="noStrike">
                 <a:solidFill>
@@ -4047,7 +2729,7 @@
             </a:lvl1pPr>
           </a:lstStyle>
           <a:p>
-            <a:pPr indent="0" algn="ctr">
+            <a:pPr indent="0">
               <a:buNone/>
             </a:pPr>
             <a:r>
@@ -4057,79 +2739,9 @@
                 </a:solidFill>
                 <a:latin typeface="Times New Roman"/>
               </a:rPr>
-              <a:t>&lt;footer&gt;</a:t>
+              <a:t>&lt;date/time&gt;</a:t>
             </a:r>
             <a:endParaRPr b="0" lang="en-IN" sz="1400" spc="-1" strike="noStrike">
-              <a:solidFill>
-                <a:srgbClr val="000000"/>
-              </a:solidFill>
-              <a:latin typeface="Times New Roman"/>
-            </a:endParaRPr>
-          </a:p>
-        </p:txBody>
-      </p:sp>
-      <p:sp>
-        <p:nvSpPr>
-          <p:cNvPr id="16" name="PlaceHolder 5"/>
-          <p:cNvSpPr>
-            <a:spLocks noGrp="1"/>
-          </p:cNvSpPr>
-          <p:nvPr>
-            <p:ph type="sldNum" idx="9"/>
-          </p:nvPr>
-        </p:nvSpPr>
-        <p:spPr>
-          <a:xfrm>
-            <a:off x="8610480" y="6356520"/>
-            <a:ext cx="2742840" cy="364680"/>
-          </a:xfrm>
-          <a:prstGeom prst="rect">
-            <a:avLst/>
-          </a:prstGeom>
-          <a:noFill/>
-          <a:ln w="0">
-            <a:noFill/>
-          </a:ln>
-        </p:spPr>
-        <p:txBody>
-          <a:bodyPr lIns="91440" rIns="91440" tIns="45720" bIns="45720" anchor="ctr">
-            <a:noAutofit/>
-          </a:bodyPr>
-          <a:lstStyle>
-            <a:lvl1pPr indent="0" algn="r" defTabSz="914400">
-              <a:lnSpc>
-                <a:spcPct val="100000"/>
-              </a:lnSpc>
-              <a:buNone/>
-              <a:defRPr b="0" lang="en-IN" sz="1200" spc="-1" strike="noStrike">
-                <a:solidFill>
-                  <a:schemeClr val="dk1">
-                    <a:tint val="75000"/>
-                  </a:schemeClr>
-                </a:solidFill>
-                <a:latin typeface="Calibri"/>
-              </a:defRPr>
-            </a:lvl1pPr>
-          </a:lstStyle>
-          <a:p>
-            <a:pPr indent="0" algn="r" defTabSz="914400">
-              <a:lnSpc>
-                <a:spcPct val="100000"/>
-              </a:lnSpc>
-              <a:buNone/>
-            </a:pPr>
-            <a:fld id="{943C9CDC-527C-4FD3-BC0B-BB3433AFA5E4}" type="slidenum">
-              <a:rPr b="0" lang="en-IN" sz="1200" spc="-1" strike="noStrike">
-                <a:solidFill>
-                  <a:schemeClr val="dk1">
-                    <a:tint val="75000"/>
-                  </a:schemeClr>
-                </a:solidFill>
-                <a:latin typeface="Calibri"/>
-              </a:rPr>
-              <a:t>&lt;number&gt;</a:t>
-            </a:fld>
-            <a:endParaRPr b="0" lang="en-IN" sz="1200" spc="-1" strike="noStrike">
               <a:solidFill>
                 <a:srgbClr val="000000"/>
               </a:solidFill>
@@ -4173,7 +2785,7 @@
       </p:grpSpPr>
       <p:sp>
         <p:nvSpPr>
-          <p:cNvPr id="17" name="PlaceHolder 1"/>
+          <p:cNvPr id="13" name="PlaceHolder 1"/>
           <p:cNvSpPr>
             <a:spLocks noGrp="1"/>
           </p:cNvSpPr>
@@ -4184,7 +2796,7 @@
         <p:spPr>
           <a:xfrm>
             <a:off x="838080" y="365040"/>
-            <a:ext cx="10515240" cy="1325160"/>
+            <a:ext cx="10514880" cy="1324800"/>
           </a:xfrm>
           <a:prstGeom prst="rect">
             <a:avLst/>
@@ -4195,37 +2807,34 @@
           </a:ln>
         </p:spPr>
         <p:txBody>
-          <a:bodyPr lIns="91440" rIns="91440" tIns="45720" bIns="45720" anchor="ctr">
+          <a:bodyPr lIns="0" rIns="0" tIns="0" bIns="0" anchor="ctr">
             <a:noAutofit/>
           </a:bodyPr>
           <a:p>
-            <a:pPr indent="0" defTabSz="914400">
-              <a:lnSpc>
-                <a:spcPct val="90000"/>
-              </a:lnSpc>
-              <a:buNone/>
-            </a:pPr>
-            <a:r>
-              <a:rPr b="0" lang="en-US" sz="4400" spc="-1" strike="noStrike">
-                <a:solidFill>
-                  <a:schemeClr val="dk1"/>
-                </a:solidFill>
-                <a:latin typeface="Calibri Light"/>
-              </a:rPr>
-              <a:t>Click to edit Master title style</a:t>
-            </a:r>
-            <a:endParaRPr b="0" lang="en-US" sz="4400" spc="-1" strike="noStrike">
-              <a:solidFill>
-                <a:schemeClr val="dk1"/>
-              </a:solidFill>
-              <a:latin typeface="Calibri"/>
-            </a:endParaRPr>
-          </a:p>
-        </p:txBody>
-      </p:sp>
-      <p:sp>
-        <p:nvSpPr>
-          <p:cNvPr id="18" name="PlaceHolder 2"/>
+            <a:pPr indent="0">
+              <a:buNone/>
+            </a:pPr>
+            <a:r>
+              <a:rPr b="0" lang="en-IN" sz="1800" spc="-1" strike="noStrike">
+                <a:solidFill>
+                  <a:srgbClr val="000000"/>
+                </a:solidFill>
+                <a:latin typeface="Arial"/>
+              </a:rPr>
+              <a:t>Click to edit the title text format</a:t>
+            </a:r>
+            <a:endParaRPr b="0" lang="en-IN" sz="1800" spc="-1" strike="noStrike">
+              <a:solidFill>
+                <a:srgbClr val="000000"/>
+              </a:solidFill>
+              <a:latin typeface="Arial"/>
+            </a:endParaRPr>
+          </a:p>
+        </p:txBody>
+      </p:sp>
+      <p:sp>
+        <p:nvSpPr>
+          <p:cNvPr id="14" name="PlaceHolder 2"/>
           <p:cNvSpPr>
             <a:spLocks noGrp="1"/>
           </p:cNvSpPr>
@@ -4236,7 +2845,7 @@
         <p:spPr>
           <a:xfrm>
             <a:off x="838080" y="1825560"/>
-            <a:ext cx="10515240" cy="4350960"/>
+            <a:ext cx="10514880" cy="4350600"/>
           </a:xfrm>
           <a:prstGeom prst="rect">
             <a:avLst/>
@@ -4247,175 +2856,221 @@
           </a:ln>
         </p:spPr>
         <p:txBody>
-          <a:bodyPr lIns="91440" rIns="91440" tIns="45720" bIns="45720" anchor="t">
-            <a:noAutofit/>
+          <a:bodyPr lIns="0" rIns="0" tIns="0" bIns="0" anchor="t">
+            <a:normAutofit/>
           </a:bodyPr>
           <a:p>
-            <a:pPr marL="228600" indent="-228600" defTabSz="914400">
-              <a:lnSpc>
-                <a:spcPct val="90000"/>
-              </a:lnSpc>
+            <a:pPr marL="432000" indent="-324000">
               <a:spcBef>
-                <a:spcPts val="1001"/>
+                <a:spcPts val="1417"/>
               </a:spcBef>
               <a:buClr>
                 <a:srgbClr val="000000"/>
               </a:buClr>
-              <a:buFont typeface="Arial"/>
-              <a:buChar char="•"/>
-            </a:pPr>
-            <a:r>
-              <a:rPr b="0" lang="en-US" sz="2800" spc="-1" strike="noStrike">
-                <a:solidFill>
-                  <a:schemeClr val="dk1"/>
-                </a:solidFill>
-                <a:latin typeface="Calibri"/>
-              </a:rPr>
-              <a:t>Click to edit Master text styles</a:t>
-            </a:r>
-            <a:endParaRPr b="0" lang="en-US" sz="2800" spc="-1" strike="noStrike">
-              <a:solidFill>
-                <a:schemeClr val="dk1"/>
-              </a:solidFill>
-              <a:latin typeface="Calibri"/>
-            </a:endParaRPr>
-          </a:p>
-          <a:p>
-            <a:pPr lvl="1" marL="685800" indent="-228600" defTabSz="914400">
-              <a:lnSpc>
-                <a:spcPct val="90000"/>
-              </a:lnSpc>
+              <a:buSzPct val="45000"/>
+              <a:buFont typeface="Wingdings" charset="2"/>
+              <a:buChar char=""/>
+            </a:pPr>
+            <a:r>
+              <a:rPr b="0" lang="en-IN" sz="1800" spc="-1" strike="noStrike">
+                <a:solidFill>
+                  <a:srgbClr val="000000"/>
+                </a:solidFill>
+                <a:latin typeface="Arial"/>
+              </a:rPr>
+              <a:t>Click to edit the outline text format</a:t>
+            </a:r>
+            <a:endParaRPr b="0" lang="en-IN" sz="1800" spc="-1" strike="noStrike">
+              <a:solidFill>
+                <a:srgbClr val="000000"/>
+              </a:solidFill>
+              <a:latin typeface="Arial"/>
+            </a:endParaRPr>
+          </a:p>
+          <a:p>
+            <a:pPr lvl="1" marL="864000" indent="-324000">
               <a:spcBef>
-                <a:spcPts val="499"/>
+                <a:spcPts val="1134"/>
               </a:spcBef>
               <a:buClr>
                 <a:srgbClr val="000000"/>
               </a:buClr>
-              <a:buFont typeface="Arial"/>
-              <a:buChar char="•"/>
-            </a:pPr>
-            <a:r>
-              <a:rPr b="0" lang="en-US" sz="2400" spc="-1" strike="noStrike">
-                <a:solidFill>
-                  <a:schemeClr val="dk1"/>
-                </a:solidFill>
-                <a:latin typeface="Calibri"/>
-              </a:rPr>
-              <a:t>Second level</a:t>
-            </a:r>
-            <a:endParaRPr b="0" lang="en-US" sz="2400" spc="-1" strike="noStrike">
-              <a:solidFill>
-                <a:schemeClr val="dk1"/>
-              </a:solidFill>
-              <a:latin typeface="Calibri"/>
-            </a:endParaRPr>
-          </a:p>
-          <a:p>
-            <a:pPr lvl="2" marL="1143000" indent="-228600" defTabSz="914400">
-              <a:lnSpc>
-                <a:spcPct val="90000"/>
-              </a:lnSpc>
+              <a:buSzPct val="75000"/>
+              <a:buFont typeface="Symbol" charset="2"/>
+              <a:buChar char=""/>
+            </a:pPr>
+            <a:r>
+              <a:rPr b="0" lang="en-IN" sz="1800" spc="-1" strike="noStrike">
+                <a:solidFill>
+                  <a:srgbClr val="000000"/>
+                </a:solidFill>
+                <a:latin typeface="Arial"/>
+              </a:rPr>
+              <a:t>Second Outline Level</a:t>
+            </a:r>
+            <a:endParaRPr b="0" lang="en-IN" sz="1800" spc="-1" strike="noStrike">
+              <a:solidFill>
+                <a:srgbClr val="000000"/>
+              </a:solidFill>
+              <a:latin typeface="Arial"/>
+            </a:endParaRPr>
+          </a:p>
+          <a:p>
+            <a:pPr lvl="2" marL="1296000" indent="-288000">
               <a:spcBef>
-                <a:spcPts val="499"/>
+                <a:spcPts val="850"/>
               </a:spcBef>
               <a:buClr>
                 <a:srgbClr val="000000"/>
               </a:buClr>
-              <a:buFont typeface="Arial"/>
-              <a:buChar char="•"/>
-            </a:pPr>
-            <a:r>
-              <a:rPr b="0" lang="en-US" sz="2000" spc="-1" strike="noStrike">
-                <a:solidFill>
-                  <a:schemeClr val="dk1"/>
-                </a:solidFill>
-                <a:latin typeface="Calibri"/>
-              </a:rPr>
-              <a:t>Third level</a:t>
-            </a:r>
-            <a:endParaRPr b="0" lang="en-US" sz="2000" spc="-1" strike="noStrike">
-              <a:solidFill>
-                <a:schemeClr val="dk1"/>
-              </a:solidFill>
-              <a:latin typeface="Calibri"/>
-            </a:endParaRPr>
-          </a:p>
-          <a:p>
-            <a:pPr lvl="3" marL="1600200" indent="-228600" defTabSz="914400">
-              <a:lnSpc>
-                <a:spcPct val="90000"/>
-              </a:lnSpc>
+              <a:buSzPct val="45000"/>
+              <a:buFont typeface="Wingdings" charset="2"/>
+              <a:buChar char=""/>
+            </a:pPr>
+            <a:r>
+              <a:rPr b="0" lang="en-IN" sz="1800" spc="-1" strike="noStrike">
+                <a:solidFill>
+                  <a:srgbClr val="000000"/>
+                </a:solidFill>
+                <a:latin typeface="Arial"/>
+              </a:rPr>
+              <a:t>Third Outline Level</a:t>
+            </a:r>
+            <a:endParaRPr b="0" lang="en-IN" sz="1800" spc="-1" strike="noStrike">
+              <a:solidFill>
+                <a:srgbClr val="000000"/>
+              </a:solidFill>
+              <a:latin typeface="Arial"/>
+            </a:endParaRPr>
+          </a:p>
+          <a:p>
+            <a:pPr lvl="3" marL="1728000" indent="-216000">
               <a:spcBef>
-                <a:spcPts val="499"/>
+                <a:spcPts val="567"/>
               </a:spcBef>
               <a:buClr>
                 <a:srgbClr val="000000"/>
               </a:buClr>
-              <a:buFont typeface="Arial"/>
-              <a:buChar char="•"/>
-            </a:pPr>
-            <a:r>
-              <a:rPr b="0" lang="en-US" sz="1800" spc="-1" strike="noStrike">
-                <a:solidFill>
-                  <a:schemeClr val="dk1"/>
-                </a:solidFill>
-                <a:latin typeface="Calibri"/>
-              </a:rPr>
-              <a:t>Fourth level</a:t>
-            </a:r>
-            <a:endParaRPr b="0" lang="en-US" sz="1800" spc="-1" strike="noStrike">
-              <a:solidFill>
-                <a:schemeClr val="dk1"/>
-              </a:solidFill>
-              <a:latin typeface="Calibri"/>
-            </a:endParaRPr>
-          </a:p>
-          <a:p>
-            <a:pPr lvl="4" marL="2057400" indent="-228600" defTabSz="914400">
-              <a:lnSpc>
-                <a:spcPct val="90000"/>
-              </a:lnSpc>
+              <a:buSzPct val="75000"/>
+              <a:buFont typeface="Symbol" charset="2"/>
+              <a:buChar char=""/>
+            </a:pPr>
+            <a:r>
+              <a:rPr b="0" lang="en-IN" sz="1800" spc="-1" strike="noStrike">
+                <a:solidFill>
+                  <a:srgbClr val="000000"/>
+                </a:solidFill>
+                <a:latin typeface="Arial"/>
+              </a:rPr>
+              <a:t>Fourth Outline Level</a:t>
+            </a:r>
+            <a:endParaRPr b="0" lang="en-IN" sz="1800" spc="-1" strike="noStrike">
+              <a:solidFill>
+                <a:srgbClr val="000000"/>
+              </a:solidFill>
+              <a:latin typeface="Arial"/>
+            </a:endParaRPr>
+          </a:p>
+          <a:p>
+            <a:pPr lvl="4" marL="2160000" indent="-216000">
               <a:spcBef>
-                <a:spcPts val="499"/>
+                <a:spcPts val="283"/>
               </a:spcBef>
               <a:buClr>
                 <a:srgbClr val="000000"/>
               </a:buClr>
-              <a:buFont typeface="Arial"/>
-              <a:buChar char="•"/>
-            </a:pPr>
-            <a:r>
-              <a:rPr b="0" lang="en-US" sz="1800" spc="-1" strike="noStrike">
-                <a:solidFill>
-                  <a:schemeClr val="dk1"/>
-                </a:solidFill>
-                <a:latin typeface="Calibri"/>
-              </a:rPr>
-              <a:t>Fifth level</a:t>
-            </a:r>
-            <a:endParaRPr b="0" lang="en-US" sz="1800" spc="-1" strike="noStrike">
-              <a:solidFill>
-                <a:schemeClr val="dk1"/>
-              </a:solidFill>
-              <a:latin typeface="Calibri"/>
-            </a:endParaRPr>
-          </a:p>
-        </p:txBody>
-      </p:sp>
-      <p:sp>
-        <p:nvSpPr>
-          <p:cNvPr id="19" name="PlaceHolder 3"/>
-          <p:cNvSpPr>
-            <a:spLocks noGrp="1"/>
-          </p:cNvSpPr>
-          <p:nvPr>
-            <p:ph type="dt" idx="10"/>
+              <a:buSzPct val="45000"/>
+              <a:buFont typeface="Wingdings" charset="2"/>
+              <a:buChar char=""/>
+            </a:pPr>
+            <a:r>
+              <a:rPr b="0" lang="en-IN" sz="1800" spc="-1" strike="noStrike">
+                <a:solidFill>
+                  <a:srgbClr val="000000"/>
+                </a:solidFill>
+                <a:latin typeface="Arial"/>
+              </a:rPr>
+              <a:t>Fifth Outline Level</a:t>
+            </a:r>
+            <a:endParaRPr b="0" lang="en-IN" sz="1800" spc="-1" strike="noStrike">
+              <a:solidFill>
+                <a:srgbClr val="000000"/>
+              </a:solidFill>
+              <a:latin typeface="Arial"/>
+            </a:endParaRPr>
+          </a:p>
+          <a:p>
+            <a:pPr lvl="5" marL="2592000" indent="-216000">
+              <a:spcBef>
+                <a:spcPts val="283"/>
+              </a:spcBef>
+              <a:buClr>
+                <a:srgbClr val="000000"/>
+              </a:buClr>
+              <a:buSzPct val="45000"/>
+              <a:buFont typeface="Wingdings" charset="2"/>
+              <a:buChar char=""/>
+            </a:pPr>
+            <a:r>
+              <a:rPr b="0" lang="en-IN" sz="1800" spc="-1" strike="noStrike">
+                <a:solidFill>
+                  <a:srgbClr val="000000"/>
+                </a:solidFill>
+                <a:latin typeface="Arial"/>
+              </a:rPr>
+              <a:t>Sixth Outline Level</a:t>
+            </a:r>
+            <a:endParaRPr b="0" lang="en-IN" sz="1800" spc="-1" strike="noStrike">
+              <a:solidFill>
+                <a:srgbClr val="000000"/>
+              </a:solidFill>
+              <a:latin typeface="Arial"/>
+            </a:endParaRPr>
+          </a:p>
+          <a:p>
+            <a:pPr lvl="6" marL="3024000" indent="-216000">
+              <a:spcBef>
+                <a:spcPts val="283"/>
+              </a:spcBef>
+              <a:buClr>
+                <a:srgbClr val="000000"/>
+              </a:buClr>
+              <a:buSzPct val="45000"/>
+              <a:buFont typeface="Wingdings" charset="2"/>
+              <a:buChar char=""/>
+            </a:pPr>
+            <a:r>
+              <a:rPr b="0" lang="en-IN" sz="1800" spc="-1" strike="noStrike">
+                <a:solidFill>
+                  <a:srgbClr val="000000"/>
+                </a:solidFill>
+                <a:latin typeface="Arial"/>
+              </a:rPr>
+              <a:t>Seventh Outline Level</a:t>
+            </a:r>
+            <a:endParaRPr b="0" lang="en-IN" sz="1800" spc="-1" strike="noStrike">
+              <a:solidFill>
+                <a:srgbClr val="000000"/>
+              </a:solidFill>
+              <a:latin typeface="Arial"/>
+            </a:endParaRPr>
+          </a:p>
+        </p:txBody>
+      </p:sp>
+      <p:sp>
+        <p:nvSpPr>
+          <p:cNvPr id="15" name="PlaceHolder 3"/>
+          <p:cNvSpPr>
+            <a:spLocks noGrp="1"/>
+          </p:cNvSpPr>
+          <p:nvPr>
+            <p:ph type="ftr" idx="10"/>
           </p:nvPr>
         </p:nvSpPr>
         <p:spPr>
           <a:xfrm>
-            <a:off x="838080" y="6356520"/>
-            <a:ext cx="2742840" cy="364680"/>
+            <a:off x="4038480" y="6356520"/>
+            <a:ext cx="4114080" cy="364320"/>
           </a:xfrm>
           <a:prstGeom prst="rect">
             <a:avLst/>
@@ -4430,40 +3085,42 @@
             <a:noAutofit/>
           </a:bodyPr>
           <a:lstStyle>
-            <a:lvl1pPr indent="0" defTabSz="914400">
+            <a:lvl1pPr indent="0" algn="ctr">
               <a:lnSpc>
                 <a:spcPct val="100000"/>
               </a:lnSpc>
               <a:buNone/>
-              <a:defRPr b="0" lang="en-IN" sz="1200" spc="-1" strike="noStrike">
-                <a:solidFill>
-                  <a:schemeClr val="dk1">
-                    <a:tint val="75000"/>
-                  </a:schemeClr>
-                </a:solidFill>
-                <a:latin typeface="Calibri"/>
+              <a:tabLst>
+                <a:tab algn="l" pos="0"/>
+              </a:tabLst>
+              <a:defRPr b="0" lang="en-IN" sz="1400" spc="-1" strike="noStrike">
+                <a:solidFill>
+                  <a:srgbClr val="000000"/>
+                </a:solidFill>
+                <a:latin typeface="Times New Roman"/>
               </a:defRPr>
             </a:lvl1pPr>
           </a:lstStyle>
           <a:p>
-            <a:pPr indent="0" defTabSz="914400">
+            <a:pPr indent="0" algn="ctr">
               <a:lnSpc>
                 <a:spcPct val="100000"/>
               </a:lnSpc>
               <a:buNone/>
-            </a:pPr>
-            <a:r>
-              <a:rPr b="0" lang="en-IN" sz="1200" spc="-1" strike="noStrike">
-                <a:solidFill>
-                  <a:schemeClr val="dk1">
-                    <a:tint val="75000"/>
-                  </a:schemeClr>
-                </a:solidFill>
-                <a:latin typeface="Calibri"/>
-              </a:rPr>
-              <a:t>&lt;date/time&gt;</a:t>
-            </a:r>
-            <a:endParaRPr b="0" lang="en-IN" sz="1200" spc="-1" strike="noStrike">
+              <a:tabLst>
+                <a:tab algn="l" pos="0"/>
+              </a:tabLst>
+            </a:pPr>
+            <a:r>
+              <a:rPr b="0" lang="en-IN" sz="1400" spc="-1" strike="noStrike">
+                <a:solidFill>
+                  <a:srgbClr val="000000"/>
+                </a:solidFill>
+                <a:latin typeface="Times New Roman"/>
+              </a:rPr>
+              <a:t>&lt;footer&gt;</a:t>
+            </a:r>
+            <a:endParaRPr b="0" lang="en-IN" sz="1400" spc="-1" strike="noStrike">
               <a:solidFill>
                 <a:srgbClr val="000000"/>
               </a:solidFill>
@@ -4474,18 +3131,18 @@
       </p:sp>
       <p:sp>
         <p:nvSpPr>
-          <p:cNvPr id="20" name="PlaceHolder 4"/>
-          <p:cNvSpPr>
-            <a:spLocks noGrp="1"/>
-          </p:cNvSpPr>
-          <p:nvPr>
-            <p:ph type="ftr" idx="11"/>
+          <p:cNvPr id="16" name="PlaceHolder 4"/>
+          <p:cNvSpPr>
+            <a:spLocks noGrp="1"/>
+          </p:cNvSpPr>
+          <p:nvPr>
+            <p:ph type="sldNum" idx="11"/>
           </p:nvPr>
         </p:nvSpPr>
         <p:spPr>
           <a:xfrm>
-            <a:off x="4038480" y="6356520"/>
-            <a:ext cx="4114440" cy="364680"/>
+            <a:off x="8610480" y="6356520"/>
+            <a:ext cx="2742480" cy="364320"/>
           </a:xfrm>
           <a:prstGeom prst="rect">
             <a:avLst/>
@@ -4500,30 +3157,46 @@
             <a:noAutofit/>
           </a:bodyPr>
           <a:lstStyle>
-            <a:lvl1pPr indent="0" algn="ctr">
-              <a:buNone/>
-              <a:defRPr b="0" lang="en-IN" sz="1400" spc="-1" strike="noStrike">
-                <a:solidFill>
-                  <a:srgbClr val="000000"/>
-                </a:solidFill>
-                <a:latin typeface="Times New Roman"/>
+            <a:lvl1pPr indent="0" algn="r" defTabSz="914400">
+              <a:lnSpc>
+                <a:spcPct val="100000"/>
+              </a:lnSpc>
+              <a:buNone/>
+              <a:tabLst>
+                <a:tab algn="l" pos="0"/>
+              </a:tabLst>
+              <a:defRPr b="0" lang="en-IN" sz="1200" spc="-1" strike="noStrike">
+                <a:solidFill>
+                  <a:schemeClr val="dk1">
+                    <a:tint val="75000"/>
+                  </a:schemeClr>
+                </a:solidFill>
+                <a:latin typeface="Calibri"/>
               </a:defRPr>
             </a:lvl1pPr>
           </a:lstStyle>
           <a:p>
-            <a:pPr indent="0" algn="ctr">
-              <a:buNone/>
-            </a:pPr>
-            <a:r>
-              <a:rPr b="0" lang="en-IN" sz="1400" spc="-1" strike="noStrike">
-                <a:solidFill>
-                  <a:srgbClr val="000000"/>
-                </a:solidFill>
-                <a:latin typeface="Times New Roman"/>
-              </a:rPr>
-              <a:t>&lt;footer&gt;</a:t>
-            </a:r>
-            <a:endParaRPr b="0" lang="en-IN" sz="1400" spc="-1" strike="noStrike">
+            <a:pPr indent="0" algn="r" defTabSz="914400">
+              <a:lnSpc>
+                <a:spcPct val="100000"/>
+              </a:lnSpc>
+              <a:buNone/>
+              <a:tabLst>
+                <a:tab algn="l" pos="0"/>
+              </a:tabLst>
+            </a:pPr>
+            <a:fld id="{45D1E84A-3FB6-4772-A278-F1F35986BB98}" type="slidenum">
+              <a:rPr b="0" lang="en-IN" sz="1200" spc="-1" strike="noStrike">
+                <a:solidFill>
+                  <a:schemeClr val="dk1">
+                    <a:tint val="75000"/>
+                  </a:schemeClr>
+                </a:solidFill>
+                <a:latin typeface="Calibri"/>
+              </a:rPr>
+              <a:t>&lt;number&gt;</a:t>
+            </a:fld>
+            <a:endParaRPr b="0" lang="en-IN" sz="1200" spc="-1" strike="noStrike">
               <a:solidFill>
                 <a:srgbClr val="000000"/>
               </a:solidFill>
@@ -4534,18 +3207,18 @@
       </p:sp>
       <p:sp>
         <p:nvSpPr>
-          <p:cNvPr id="21" name="PlaceHolder 5"/>
-          <p:cNvSpPr>
-            <a:spLocks noGrp="1"/>
-          </p:cNvSpPr>
-          <p:nvPr>
-            <p:ph type="sldNum" idx="12"/>
+          <p:cNvPr id="17" name="PlaceHolder 5"/>
+          <p:cNvSpPr>
+            <a:spLocks noGrp="1"/>
+          </p:cNvSpPr>
+          <p:nvPr>
+            <p:ph type="dt" idx="12"/>
           </p:nvPr>
         </p:nvSpPr>
         <p:spPr>
           <a:xfrm>
-            <a:off x="8610480" y="6356520"/>
-            <a:ext cx="2742840" cy="364680"/>
+            <a:off x="838080" y="6356520"/>
+            <a:ext cx="2742480" cy="364320"/>
           </a:xfrm>
           <a:prstGeom prst="rect">
             <a:avLst/>
@@ -4560,40 +3233,30 @@
             <a:noAutofit/>
           </a:bodyPr>
           <a:lstStyle>
-            <a:lvl1pPr indent="0" algn="r" defTabSz="914400">
-              <a:lnSpc>
-                <a:spcPct val="100000"/>
-              </a:lnSpc>
-              <a:buNone/>
-              <a:defRPr b="0" lang="en-IN" sz="1200" spc="-1" strike="noStrike">
-                <a:solidFill>
-                  <a:schemeClr val="dk1">
-                    <a:tint val="75000"/>
-                  </a:schemeClr>
-                </a:solidFill>
-                <a:latin typeface="Calibri"/>
+            <a:lvl1pPr indent="0">
+              <a:buNone/>
+              <a:defRPr b="0" lang="en-IN" sz="1400" spc="-1" strike="noStrike">
+                <a:solidFill>
+                  <a:srgbClr val="000000"/>
+                </a:solidFill>
+                <a:latin typeface="Times New Roman"/>
               </a:defRPr>
             </a:lvl1pPr>
           </a:lstStyle>
           <a:p>
-            <a:pPr indent="0" algn="r" defTabSz="914400">
-              <a:lnSpc>
-                <a:spcPct val="100000"/>
-              </a:lnSpc>
-              <a:buNone/>
-            </a:pPr>
-            <a:fld id="{CC8A6845-F40F-4263-A8A2-F975034CFD71}" type="slidenum">
-              <a:rPr b="0" lang="en-IN" sz="1200" spc="-1" strike="noStrike">
-                <a:solidFill>
-                  <a:schemeClr val="dk1">
-                    <a:tint val="75000"/>
-                  </a:schemeClr>
-                </a:solidFill>
-                <a:latin typeface="Calibri"/>
-              </a:rPr>
-              <a:t>&lt;number&gt;</a:t>
-            </a:fld>
-            <a:endParaRPr b="0" lang="en-IN" sz="1200" spc="-1" strike="noStrike">
+            <a:pPr indent="0">
+              <a:buNone/>
+            </a:pPr>
+            <a:r>
+              <a:rPr b="0" lang="en-IN" sz="1400" spc="-1" strike="noStrike">
+                <a:solidFill>
+                  <a:srgbClr val="000000"/>
+                </a:solidFill>
+                <a:latin typeface="Times New Roman"/>
+              </a:rPr>
+              <a:t>&lt;date/time&gt;</a:t>
+            </a:r>
+            <a:endParaRPr b="0" lang="en-IN" sz="1400" spc="-1" strike="noStrike">
               <a:solidFill>
                 <a:srgbClr val="000000"/>
               </a:solidFill>
@@ -4637,18 +3300,18 @@
       </p:grpSpPr>
       <p:sp>
         <p:nvSpPr>
-          <p:cNvPr id="24" name="PlaceHolder 1"/>
-          <p:cNvSpPr>
-            <a:spLocks noGrp="1"/>
-          </p:cNvSpPr>
-          <p:nvPr>
-            <p:ph type="title"/>
+          <p:cNvPr id="20" name="PlaceHolder 1"/>
+          <p:cNvSpPr>
+            <a:spLocks noGrp="1"/>
+          </p:cNvSpPr>
+          <p:nvPr>
+            <p:ph type="ftr" idx="13"/>
           </p:nvPr>
         </p:nvSpPr>
         <p:spPr>
           <a:xfrm>
-            <a:off x="831960" y="1709640"/>
-            <a:ext cx="10515240" cy="2852280"/>
+            <a:off x="4038480" y="6356520"/>
+            <a:ext cx="4114080" cy="364320"/>
           </a:xfrm>
           <a:prstGeom prst="rect">
             <a:avLst/>
@@ -4659,48 +3322,68 @@
           </a:ln>
         </p:spPr>
         <p:txBody>
-          <a:bodyPr lIns="91440" rIns="91440" tIns="45720" bIns="45720" anchor="b">
+          <a:bodyPr lIns="91440" rIns="91440" tIns="45720" bIns="45720" anchor="ctr">
             <a:noAutofit/>
           </a:bodyPr>
-          <a:p>
-            <a:pPr indent="0" defTabSz="914400">
-              <a:lnSpc>
-                <a:spcPct val="90000"/>
-              </a:lnSpc>
-              <a:buNone/>
-            </a:pPr>
-            <a:r>
-              <a:rPr b="0" lang="en-US" sz="6000" spc="-1" strike="noStrike">
-                <a:solidFill>
-                  <a:schemeClr val="dk1"/>
-                </a:solidFill>
-                <a:latin typeface="Calibri Light"/>
-              </a:rPr>
-              <a:t>Click to edit Master title style</a:t>
-            </a:r>
-            <a:endParaRPr b="0" lang="en-US" sz="6000" spc="-1" strike="noStrike">
-              <a:solidFill>
-                <a:schemeClr val="dk1"/>
-              </a:solidFill>
-              <a:latin typeface="Calibri"/>
-            </a:endParaRPr>
-          </a:p>
-        </p:txBody>
-      </p:sp>
-      <p:sp>
-        <p:nvSpPr>
-          <p:cNvPr id="25" name="PlaceHolder 2"/>
-          <p:cNvSpPr>
-            <a:spLocks noGrp="1"/>
-          </p:cNvSpPr>
-          <p:nvPr>
-            <p:ph type="body"/>
+          <a:lstStyle>
+            <a:lvl1pPr indent="0" algn="ctr">
+              <a:lnSpc>
+                <a:spcPct val="100000"/>
+              </a:lnSpc>
+              <a:buNone/>
+              <a:tabLst>
+                <a:tab algn="l" pos="0"/>
+              </a:tabLst>
+              <a:defRPr b="0" lang="en-IN" sz="1400" spc="-1" strike="noStrike">
+                <a:solidFill>
+                  <a:srgbClr val="000000"/>
+                </a:solidFill>
+                <a:latin typeface="Times New Roman"/>
+              </a:defRPr>
+            </a:lvl1pPr>
+          </a:lstStyle>
+          <a:p>
+            <a:pPr indent="0" algn="ctr">
+              <a:lnSpc>
+                <a:spcPct val="100000"/>
+              </a:lnSpc>
+              <a:buNone/>
+              <a:tabLst>
+                <a:tab algn="l" pos="0"/>
+              </a:tabLst>
+            </a:pPr>
+            <a:r>
+              <a:rPr b="0" lang="en-IN" sz="1400" spc="-1" strike="noStrike">
+                <a:solidFill>
+                  <a:srgbClr val="000000"/>
+                </a:solidFill>
+                <a:latin typeface="Times New Roman"/>
+              </a:rPr>
+              <a:t>&lt;footer&gt;</a:t>
+            </a:r>
+            <a:endParaRPr b="0" lang="en-IN" sz="1400" spc="-1" strike="noStrike">
+              <a:solidFill>
+                <a:srgbClr val="000000"/>
+              </a:solidFill>
+              <a:latin typeface="Times New Roman"/>
+            </a:endParaRPr>
+          </a:p>
+        </p:txBody>
+      </p:sp>
+      <p:sp>
+        <p:nvSpPr>
+          <p:cNvPr id="21" name="PlaceHolder 2"/>
+          <p:cNvSpPr>
+            <a:spLocks noGrp="1"/>
+          </p:cNvSpPr>
+          <p:nvPr>
+            <p:ph type="sldNum" idx="14"/>
           </p:nvPr>
         </p:nvSpPr>
         <p:spPr>
           <a:xfrm>
-            <a:off x="831960" y="4589640"/>
-            <a:ext cx="10515240" cy="1499760"/>
+            <a:off x="8610480" y="6356520"/>
+            <a:ext cx="2742480" cy="364320"/>
           </a:xfrm>
           <a:prstGeom prst="rect">
             <a:avLst/>
@@ -4711,56 +3394,72 @@
           </a:ln>
         </p:spPr>
         <p:txBody>
-          <a:bodyPr lIns="91440" rIns="91440" tIns="45720" bIns="45720" anchor="t">
+          <a:bodyPr lIns="91440" rIns="91440" tIns="45720" bIns="45720" anchor="ctr">
             <a:noAutofit/>
           </a:bodyPr>
-          <a:p>
-            <a:pPr indent="0" defTabSz="914400">
-              <a:lnSpc>
-                <a:spcPct val="90000"/>
-              </a:lnSpc>
-              <a:spcBef>
-                <a:spcPts val="1001"/>
-              </a:spcBef>
+          <a:lstStyle>
+            <a:lvl1pPr indent="0" algn="r" defTabSz="914400">
+              <a:lnSpc>
+                <a:spcPct val="100000"/>
+              </a:lnSpc>
               <a:buNone/>
               <a:tabLst>
                 <a:tab algn="l" pos="0"/>
               </a:tabLst>
-            </a:pPr>
-            <a:r>
-              <a:rPr b="0" lang="en-US" sz="2400" spc="-1" strike="noStrike">
+              <a:defRPr b="0" lang="en-IN" sz="1200" spc="-1" strike="noStrike">
                 <a:solidFill>
                   <a:schemeClr val="dk1">
                     <a:tint val="75000"/>
                   </a:schemeClr>
                 </a:solidFill>
                 <a:latin typeface="Calibri"/>
-              </a:rPr>
-              <a:t>Click to edit Master text styles</a:t>
-            </a:r>
-            <a:endParaRPr b="0" lang="en-US" sz="2400" spc="-1" strike="noStrike">
-              <a:solidFill>
-                <a:schemeClr val="dk1"/>
-              </a:solidFill>
-              <a:latin typeface="Calibri"/>
-            </a:endParaRPr>
-          </a:p>
-        </p:txBody>
-      </p:sp>
-      <p:sp>
-        <p:nvSpPr>
-          <p:cNvPr id="26" name="PlaceHolder 3"/>
-          <p:cNvSpPr>
-            <a:spLocks noGrp="1"/>
-          </p:cNvSpPr>
-          <p:nvPr>
-            <p:ph type="dt" idx="13"/>
+              </a:defRPr>
+            </a:lvl1pPr>
+          </a:lstStyle>
+          <a:p>
+            <a:pPr indent="0" algn="r" defTabSz="914400">
+              <a:lnSpc>
+                <a:spcPct val="100000"/>
+              </a:lnSpc>
+              <a:buNone/>
+              <a:tabLst>
+                <a:tab algn="l" pos="0"/>
+              </a:tabLst>
+            </a:pPr>
+            <a:fld id="{D9E1A47E-F337-49DA-AF5C-376EA155D160}" type="slidenum">
+              <a:rPr b="0" lang="en-IN" sz="1200" spc="-1" strike="noStrike">
+                <a:solidFill>
+                  <a:schemeClr val="dk1">
+                    <a:tint val="75000"/>
+                  </a:schemeClr>
+                </a:solidFill>
+                <a:latin typeface="Calibri"/>
+              </a:rPr>
+              <a:t>&lt;number&gt;</a:t>
+            </a:fld>
+            <a:endParaRPr b="0" lang="en-IN" sz="1200" spc="-1" strike="noStrike">
+              <a:solidFill>
+                <a:srgbClr val="000000"/>
+              </a:solidFill>
+              <a:latin typeface="Times New Roman"/>
+            </a:endParaRPr>
+          </a:p>
+        </p:txBody>
+      </p:sp>
+      <p:sp>
+        <p:nvSpPr>
+          <p:cNvPr id="22" name="PlaceHolder 3"/>
+          <p:cNvSpPr>
+            <a:spLocks noGrp="1"/>
+          </p:cNvSpPr>
+          <p:nvPr>
+            <p:ph type="dt" idx="15"/>
           </p:nvPr>
         </p:nvSpPr>
         <p:spPr>
           <a:xfrm>
             <a:off x="838080" y="6356520"/>
-            <a:ext cx="2742840" cy="364680"/>
+            <a:ext cx="2742480" cy="364320"/>
           </a:xfrm>
           <a:prstGeom prst="rect">
             <a:avLst/>
@@ -4775,77 +3474,7 @@
             <a:noAutofit/>
           </a:bodyPr>
           <a:lstStyle>
-            <a:lvl1pPr indent="0" defTabSz="914400">
-              <a:lnSpc>
-                <a:spcPct val="100000"/>
-              </a:lnSpc>
-              <a:buNone/>
-              <a:defRPr b="0" lang="en-IN" sz="1200" spc="-1" strike="noStrike">
-                <a:solidFill>
-                  <a:schemeClr val="dk1">
-                    <a:tint val="75000"/>
-                  </a:schemeClr>
-                </a:solidFill>
-                <a:latin typeface="Calibri"/>
-              </a:defRPr>
-            </a:lvl1pPr>
-          </a:lstStyle>
-          <a:p>
-            <a:pPr indent="0" defTabSz="914400">
-              <a:lnSpc>
-                <a:spcPct val="100000"/>
-              </a:lnSpc>
-              <a:buNone/>
-            </a:pPr>
-            <a:r>
-              <a:rPr b="0" lang="en-IN" sz="1200" spc="-1" strike="noStrike">
-                <a:solidFill>
-                  <a:schemeClr val="dk1">
-                    <a:tint val="75000"/>
-                  </a:schemeClr>
-                </a:solidFill>
-                <a:latin typeface="Calibri"/>
-              </a:rPr>
-              <a:t>&lt;date/time&gt;</a:t>
-            </a:r>
-            <a:endParaRPr b="0" lang="en-IN" sz="1200" spc="-1" strike="noStrike">
-              <a:solidFill>
-                <a:srgbClr val="000000"/>
-              </a:solidFill>
-              <a:latin typeface="Times New Roman"/>
-            </a:endParaRPr>
-          </a:p>
-        </p:txBody>
-      </p:sp>
-      <p:sp>
-        <p:nvSpPr>
-          <p:cNvPr id="27" name="PlaceHolder 4"/>
-          <p:cNvSpPr>
-            <a:spLocks noGrp="1"/>
-          </p:cNvSpPr>
-          <p:nvPr>
-            <p:ph type="ftr" idx="14"/>
-          </p:nvPr>
-        </p:nvSpPr>
-        <p:spPr>
-          <a:xfrm>
-            <a:off x="4038480" y="6356520"/>
-            <a:ext cx="4114440" cy="364680"/>
-          </a:xfrm>
-          <a:prstGeom prst="rect">
-            <a:avLst/>
-          </a:prstGeom>
-          <a:noFill/>
-          <a:ln w="0">
-            <a:noFill/>
-          </a:ln>
-        </p:spPr>
-        <p:txBody>
-          <a:bodyPr lIns="91440" rIns="91440" tIns="45720" bIns="45720" anchor="ctr">
-            <a:noAutofit/>
-          </a:bodyPr>
-          <a:lstStyle>
-            <a:lvl1pPr indent="0" algn="ctr">
+            <a:lvl1pPr indent="0">
               <a:buNone/>
               <a:defRPr b="0" lang="en-IN" sz="1400" spc="-1" strike="noStrike">
                 <a:solidFill>
@@ -4856,7 +3485,7 @@
             </a:lvl1pPr>
           </a:lstStyle>
           <a:p>
-            <a:pPr indent="0" algn="ctr">
+            <a:pPr indent="0">
               <a:buNone/>
             </a:pPr>
             <a:r>
@@ -4866,79 +3495,9 @@
                 </a:solidFill>
                 <a:latin typeface="Times New Roman"/>
               </a:rPr>
-              <a:t>&lt;footer&gt;</a:t>
+              <a:t>&lt;date/time&gt;</a:t>
             </a:r>
             <a:endParaRPr b="0" lang="en-IN" sz="1400" spc="-1" strike="noStrike">
-              <a:solidFill>
-                <a:srgbClr val="000000"/>
-              </a:solidFill>
-              <a:latin typeface="Times New Roman"/>
-            </a:endParaRPr>
-          </a:p>
-        </p:txBody>
-      </p:sp>
-      <p:sp>
-        <p:nvSpPr>
-          <p:cNvPr id="28" name="PlaceHolder 5"/>
-          <p:cNvSpPr>
-            <a:spLocks noGrp="1"/>
-          </p:cNvSpPr>
-          <p:nvPr>
-            <p:ph type="sldNum" idx="15"/>
-          </p:nvPr>
-        </p:nvSpPr>
-        <p:spPr>
-          <a:xfrm>
-            <a:off x="8610480" y="6356520"/>
-            <a:ext cx="2742840" cy="364680"/>
-          </a:xfrm>
-          <a:prstGeom prst="rect">
-            <a:avLst/>
-          </a:prstGeom>
-          <a:noFill/>
-          <a:ln w="0">
-            <a:noFill/>
-          </a:ln>
-        </p:spPr>
-        <p:txBody>
-          <a:bodyPr lIns="91440" rIns="91440" tIns="45720" bIns="45720" anchor="ctr">
-            <a:noAutofit/>
-          </a:bodyPr>
-          <a:lstStyle>
-            <a:lvl1pPr indent="0" algn="r" defTabSz="914400">
-              <a:lnSpc>
-                <a:spcPct val="100000"/>
-              </a:lnSpc>
-              <a:buNone/>
-              <a:defRPr b="0" lang="en-IN" sz="1200" spc="-1" strike="noStrike">
-                <a:solidFill>
-                  <a:schemeClr val="dk1">
-                    <a:tint val="75000"/>
-                  </a:schemeClr>
-                </a:solidFill>
-                <a:latin typeface="Calibri"/>
-              </a:defRPr>
-            </a:lvl1pPr>
-          </a:lstStyle>
-          <a:p>
-            <a:pPr indent="0" algn="r" defTabSz="914400">
-              <a:lnSpc>
-                <a:spcPct val="100000"/>
-              </a:lnSpc>
-              <a:buNone/>
-            </a:pPr>
-            <a:fld id="{690F2109-8531-475B-BD1B-BA67A988D97C}" type="slidenum">
-              <a:rPr b="0" lang="en-IN" sz="1200" spc="-1" strike="noStrike">
-                <a:solidFill>
-                  <a:schemeClr val="dk1">
-                    <a:tint val="75000"/>
-                  </a:schemeClr>
-                </a:solidFill>
-                <a:latin typeface="Calibri"/>
-              </a:rPr>
-              <a:t>&lt;number&gt;</a:t>
-            </a:fld>
-            <a:endParaRPr b="0" lang="en-IN" sz="1200" spc="-1" strike="noStrike">
               <a:solidFill>
                 <a:srgbClr val="000000"/>
               </a:solidFill>
@@ -4982,7 +3541,7 @@
       </p:grpSpPr>
       <p:sp>
         <p:nvSpPr>
-          <p:cNvPr id="29" name="PlaceHolder 1"/>
+          <p:cNvPr id="23" name="PlaceHolder 1"/>
           <p:cNvSpPr>
             <a:spLocks noGrp="1"/>
           </p:cNvSpPr>
@@ -4993,7 +3552,7 @@
         <p:spPr>
           <a:xfrm>
             <a:off x="838080" y="365040"/>
-            <a:ext cx="10515240" cy="1325160"/>
+            <a:ext cx="10514880" cy="1324800"/>
           </a:xfrm>
           <a:prstGeom prst="rect">
             <a:avLst/>
@@ -5004,37 +3563,34 @@
           </a:ln>
         </p:spPr>
         <p:txBody>
-          <a:bodyPr lIns="91440" rIns="91440" tIns="45720" bIns="45720" anchor="ctr">
+          <a:bodyPr lIns="0" rIns="0" tIns="0" bIns="0" anchor="ctr">
             <a:noAutofit/>
           </a:bodyPr>
           <a:p>
-            <a:pPr indent="0" defTabSz="914400">
-              <a:lnSpc>
-                <a:spcPct val="90000"/>
-              </a:lnSpc>
-              <a:buNone/>
-            </a:pPr>
-            <a:r>
-              <a:rPr b="0" lang="en-US" sz="4400" spc="-1" strike="noStrike">
-                <a:solidFill>
-                  <a:schemeClr val="dk1"/>
-                </a:solidFill>
-                <a:latin typeface="Calibri Light"/>
-              </a:rPr>
-              <a:t>Click to edit Master title style</a:t>
-            </a:r>
-            <a:endParaRPr b="0" lang="en-US" sz="4400" spc="-1" strike="noStrike">
-              <a:solidFill>
-                <a:schemeClr val="dk1"/>
-              </a:solidFill>
-              <a:latin typeface="Calibri"/>
-            </a:endParaRPr>
-          </a:p>
-        </p:txBody>
-      </p:sp>
-      <p:sp>
-        <p:nvSpPr>
-          <p:cNvPr id="30" name="PlaceHolder 2"/>
+            <a:pPr indent="0">
+              <a:buNone/>
+            </a:pPr>
+            <a:r>
+              <a:rPr b="0" lang="en-IN" sz="1800" spc="-1" strike="noStrike">
+                <a:solidFill>
+                  <a:srgbClr val="000000"/>
+                </a:solidFill>
+                <a:latin typeface="Arial"/>
+              </a:rPr>
+              <a:t>Click to edit the title text format</a:t>
+            </a:r>
+            <a:endParaRPr b="0" lang="en-IN" sz="1800" spc="-1" strike="noStrike">
+              <a:solidFill>
+                <a:srgbClr val="000000"/>
+              </a:solidFill>
+              <a:latin typeface="Arial"/>
+            </a:endParaRPr>
+          </a:p>
+        </p:txBody>
+      </p:sp>
+      <p:sp>
+        <p:nvSpPr>
+          <p:cNvPr id="24" name="PlaceHolder 2"/>
           <p:cNvSpPr>
             <a:spLocks noGrp="1"/>
           </p:cNvSpPr>
@@ -5045,7 +3601,7 @@
         <p:spPr>
           <a:xfrm>
             <a:off x="838080" y="1825560"/>
-            <a:ext cx="5181120" cy="4350960"/>
+            <a:ext cx="5130720" cy="4350600"/>
           </a:xfrm>
           <a:prstGeom prst="rect">
             <a:avLst/>
@@ -5056,164 +3612,210 @@
           </a:ln>
         </p:spPr>
         <p:txBody>
-          <a:bodyPr lIns="91440" rIns="91440" tIns="45720" bIns="45720" anchor="t">
-            <a:noAutofit/>
+          <a:bodyPr lIns="0" rIns="0" tIns="0" bIns="0" anchor="t">
+            <a:normAutofit/>
           </a:bodyPr>
           <a:p>
-            <a:pPr marL="228600" indent="-228600" defTabSz="914400">
-              <a:lnSpc>
-                <a:spcPct val="90000"/>
-              </a:lnSpc>
+            <a:pPr marL="432000" indent="-324000">
               <a:spcBef>
-                <a:spcPts val="1001"/>
+                <a:spcPts val="1417"/>
               </a:spcBef>
               <a:buClr>
                 <a:srgbClr val="000000"/>
               </a:buClr>
-              <a:buFont typeface="Arial"/>
-              <a:buChar char="•"/>
-            </a:pPr>
-            <a:r>
-              <a:rPr b="0" lang="en-US" sz="2800" spc="-1" strike="noStrike">
-                <a:solidFill>
-                  <a:schemeClr val="dk1"/>
-                </a:solidFill>
-                <a:latin typeface="Calibri"/>
-              </a:rPr>
-              <a:t>Click to edit Master text styles</a:t>
-            </a:r>
-            <a:endParaRPr b="0" lang="en-US" sz="2800" spc="-1" strike="noStrike">
-              <a:solidFill>
-                <a:schemeClr val="dk1"/>
-              </a:solidFill>
-              <a:latin typeface="Calibri"/>
-            </a:endParaRPr>
-          </a:p>
-          <a:p>
-            <a:pPr lvl="1" marL="685800" indent="-228600" defTabSz="914400">
-              <a:lnSpc>
-                <a:spcPct val="90000"/>
-              </a:lnSpc>
+              <a:buSzPct val="45000"/>
+              <a:buFont typeface="Wingdings" charset="2"/>
+              <a:buChar char=""/>
+            </a:pPr>
+            <a:r>
+              <a:rPr b="0" lang="en-IN" sz="1800" spc="-1" strike="noStrike">
+                <a:solidFill>
+                  <a:srgbClr val="000000"/>
+                </a:solidFill>
+                <a:latin typeface="Arial"/>
+              </a:rPr>
+              <a:t>Click to edit the outline text format</a:t>
+            </a:r>
+            <a:endParaRPr b="0" lang="en-IN" sz="1800" spc="-1" strike="noStrike">
+              <a:solidFill>
+                <a:srgbClr val="000000"/>
+              </a:solidFill>
+              <a:latin typeface="Arial"/>
+            </a:endParaRPr>
+          </a:p>
+          <a:p>
+            <a:pPr lvl="1" marL="864000" indent="-324000">
               <a:spcBef>
-                <a:spcPts val="499"/>
+                <a:spcPts val="1134"/>
               </a:spcBef>
               <a:buClr>
                 <a:srgbClr val="000000"/>
               </a:buClr>
-              <a:buFont typeface="Arial"/>
-              <a:buChar char="•"/>
-            </a:pPr>
-            <a:r>
-              <a:rPr b="0" lang="en-US" sz="2400" spc="-1" strike="noStrike">
-                <a:solidFill>
-                  <a:schemeClr val="dk1"/>
-                </a:solidFill>
-                <a:latin typeface="Calibri"/>
-              </a:rPr>
-              <a:t>Second level</a:t>
-            </a:r>
-            <a:endParaRPr b="0" lang="en-US" sz="2400" spc="-1" strike="noStrike">
-              <a:solidFill>
-                <a:schemeClr val="dk1"/>
-              </a:solidFill>
-              <a:latin typeface="Calibri"/>
-            </a:endParaRPr>
-          </a:p>
-          <a:p>
-            <a:pPr lvl="2" marL="1143000" indent="-228600" defTabSz="914400">
-              <a:lnSpc>
-                <a:spcPct val="90000"/>
-              </a:lnSpc>
+              <a:buSzPct val="75000"/>
+              <a:buFont typeface="Symbol" charset="2"/>
+              <a:buChar char=""/>
+            </a:pPr>
+            <a:r>
+              <a:rPr b="0" lang="en-IN" sz="1800" spc="-1" strike="noStrike">
+                <a:solidFill>
+                  <a:srgbClr val="000000"/>
+                </a:solidFill>
+                <a:latin typeface="Arial"/>
+              </a:rPr>
+              <a:t>Second Outline Level</a:t>
+            </a:r>
+            <a:endParaRPr b="0" lang="en-IN" sz="1800" spc="-1" strike="noStrike">
+              <a:solidFill>
+                <a:srgbClr val="000000"/>
+              </a:solidFill>
+              <a:latin typeface="Arial"/>
+            </a:endParaRPr>
+          </a:p>
+          <a:p>
+            <a:pPr lvl="2" marL="1296000" indent="-288000">
               <a:spcBef>
-                <a:spcPts val="499"/>
+                <a:spcPts val="850"/>
               </a:spcBef>
               <a:buClr>
                 <a:srgbClr val="000000"/>
               </a:buClr>
-              <a:buFont typeface="Arial"/>
-              <a:buChar char="•"/>
-            </a:pPr>
-            <a:r>
-              <a:rPr b="0" lang="en-US" sz="2000" spc="-1" strike="noStrike">
-                <a:solidFill>
-                  <a:schemeClr val="dk1"/>
-                </a:solidFill>
-                <a:latin typeface="Calibri"/>
-              </a:rPr>
-              <a:t>Third level</a:t>
-            </a:r>
-            <a:endParaRPr b="0" lang="en-US" sz="2000" spc="-1" strike="noStrike">
-              <a:solidFill>
-                <a:schemeClr val="dk1"/>
-              </a:solidFill>
-              <a:latin typeface="Calibri"/>
-            </a:endParaRPr>
-          </a:p>
-          <a:p>
-            <a:pPr lvl="3" marL="1600200" indent="-228600" defTabSz="914400">
-              <a:lnSpc>
-                <a:spcPct val="90000"/>
-              </a:lnSpc>
+              <a:buSzPct val="45000"/>
+              <a:buFont typeface="Wingdings" charset="2"/>
+              <a:buChar char=""/>
+            </a:pPr>
+            <a:r>
+              <a:rPr b="0" lang="en-IN" sz="1800" spc="-1" strike="noStrike">
+                <a:solidFill>
+                  <a:srgbClr val="000000"/>
+                </a:solidFill>
+                <a:latin typeface="Arial"/>
+              </a:rPr>
+              <a:t>Third Outline Level</a:t>
+            </a:r>
+            <a:endParaRPr b="0" lang="en-IN" sz="1800" spc="-1" strike="noStrike">
+              <a:solidFill>
+                <a:srgbClr val="000000"/>
+              </a:solidFill>
+              <a:latin typeface="Arial"/>
+            </a:endParaRPr>
+          </a:p>
+          <a:p>
+            <a:pPr lvl="3" marL="1728000" indent="-216000">
               <a:spcBef>
-                <a:spcPts val="499"/>
+                <a:spcPts val="567"/>
               </a:spcBef>
               <a:buClr>
                 <a:srgbClr val="000000"/>
               </a:buClr>
-              <a:buFont typeface="Arial"/>
-              <a:buChar char="•"/>
-            </a:pPr>
-            <a:r>
-              <a:rPr b="0" lang="en-US" sz="1800" spc="-1" strike="noStrike">
-                <a:solidFill>
-                  <a:schemeClr val="dk1"/>
-                </a:solidFill>
-                <a:latin typeface="Calibri"/>
-              </a:rPr>
-              <a:t>Fourth level</a:t>
-            </a:r>
-            <a:endParaRPr b="0" lang="en-US" sz="1800" spc="-1" strike="noStrike">
-              <a:solidFill>
-                <a:schemeClr val="dk1"/>
-              </a:solidFill>
-              <a:latin typeface="Calibri"/>
-            </a:endParaRPr>
-          </a:p>
-          <a:p>
-            <a:pPr lvl="4" marL="2057400" indent="-228600" defTabSz="914400">
-              <a:lnSpc>
-                <a:spcPct val="90000"/>
-              </a:lnSpc>
+              <a:buSzPct val="75000"/>
+              <a:buFont typeface="Symbol" charset="2"/>
+              <a:buChar char=""/>
+            </a:pPr>
+            <a:r>
+              <a:rPr b="0" lang="en-IN" sz="1800" spc="-1" strike="noStrike">
+                <a:solidFill>
+                  <a:srgbClr val="000000"/>
+                </a:solidFill>
+                <a:latin typeface="Arial"/>
+              </a:rPr>
+              <a:t>Fourth Outline Level</a:t>
+            </a:r>
+            <a:endParaRPr b="0" lang="en-IN" sz="1800" spc="-1" strike="noStrike">
+              <a:solidFill>
+                <a:srgbClr val="000000"/>
+              </a:solidFill>
+              <a:latin typeface="Arial"/>
+            </a:endParaRPr>
+          </a:p>
+          <a:p>
+            <a:pPr lvl="4" marL="2160000" indent="-216000">
               <a:spcBef>
-                <a:spcPts val="499"/>
+                <a:spcPts val="283"/>
               </a:spcBef>
               <a:buClr>
                 <a:srgbClr val="000000"/>
               </a:buClr>
-              <a:buFont typeface="Arial"/>
-              <a:buChar char="•"/>
-            </a:pPr>
-            <a:r>
-              <a:rPr b="0" lang="en-US" sz="1800" spc="-1" strike="noStrike">
-                <a:solidFill>
-                  <a:schemeClr val="dk1"/>
-                </a:solidFill>
-                <a:latin typeface="Calibri"/>
-              </a:rPr>
-              <a:t>Fifth level</a:t>
-            </a:r>
-            <a:endParaRPr b="0" lang="en-US" sz="1800" spc="-1" strike="noStrike">
-              <a:solidFill>
-                <a:schemeClr val="dk1"/>
-              </a:solidFill>
-              <a:latin typeface="Calibri"/>
-            </a:endParaRPr>
-          </a:p>
-        </p:txBody>
-      </p:sp>
-      <p:sp>
-        <p:nvSpPr>
-          <p:cNvPr id="31" name="PlaceHolder 3"/>
+              <a:buSzPct val="45000"/>
+              <a:buFont typeface="Wingdings" charset="2"/>
+              <a:buChar char=""/>
+            </a:pPr>
+            <a:r>
+              <a:rPr b="0" lang="en-IN" sz="1800" spc="-1" strike="noStrike">
+                <a:solidFill>
+                  <a:srgbClr val="000000"/>
+                </a:solidFill>
+                <a:latin typeface="Arial"/>
+              </a:rPr>
+              <a:t>Fifth Outline Level</a:t>
+            </a:r>
+            <a:endParaRPr b="0" lang="en-IN" sz="1800" spc="-1" strike="noStrike">
+              <a:solidFill>
+                <a:srgbClr val="000000"/>
+              </a:solidFill>
+              <a:latin typeface="Arial"/>
+            </a:endParaRPr>
+          </a:p>
+          <a:p>
+            <a:pPr lvl="5" marL="2592000" indent="-216000">
+              <a:spcBef>
+                <a:spcPts val="283"/>
+              </a:spcBef>
+              <a:buClr>
+                <a:srgbClr val="000000"/>
+              </a:buClr>
+              <a:buSzPct val="45000"/>
+              <a:buFont typeface="Wingdings" charset="2"/>
+              <a:buChar char=""/>
+            </a:pPr>
+            <a:r>
+              <a:rPr b="0" lang="en-IN" sz="1800" spc="-1" strike="noStrike">
+                <a:solidFill>
+                  <a:srgbClr val="000000"/>
+                </a:solidFill>
+                <a:latin typeface="Arial"/>
+              </a:rPr>
+              <a:t>Sixth Outline Level</a:t>
+            </a:r>
+            <a:endParaRPr b="0" lang="en-IN" sz="1800" spc="-1" strike="noStrike">
+              <a:solidFill>
+                <a:srgbClr val="000000"/>
+              </a:solidFill>
+              <a:latin typeface="Arial"/>
+            </a:endParaRPr>
+          </a:p>
+          <a:p>
+            <a:pPr lvl="6" marL="3024000" indent="-216000">
+              <a:spcBef>
+                <a:spcPts val="283"/>
+              </a:spcBef>
+              <a:buClr>
+                <a:srgbClr val="000000"/>
+              </a:buClr>
+              <a:buSzPct val="45000"/>
+              <a:buFont typeface="Wingdings" charset="2"/>
+              <a:buChar char=""/>
+            </a:pPr>
+            <a:r>
+              <a:rPr b="0" lang="en-IN" sz="1800" spc="-1" strike="noStrike">
+                <a:solidFill>
+                  <a:srgbClr val="000000"/>
+                </a:solidFill>
+                <a:latin typeface="Arial"/>
+              </a:rPr>
+              <a:t>Seventh Outline Level</a:t>
+            </a:r>
+            <a:endParaRPr b="0" lang="en-IN" sz="1800" spc="-1" strike="noStrike">
+              <a:solidFill>
+                <a:srgbClr val="000000"/>
+              </a:solidFill>
+              <a:latin typeface="Arial"/>
+            </a:endParaRPr>
+          </a:p>
+        </p:txBody>
+      </p:sp>
+      <p:sp>
+        <p:nvSpPr>
+          <p:cNvPr id="25" name="PlaceHolder 3"/>
           <p:cNvSpPr>
             <a:spLocks noGrp="1"/>
           </p:cNvSpPr>
@@ -5223,8 +3825,8 @@
         </p:nvSpPr>
         <p:spPr>
           <a:xfrm>
-            <a:off x="6172200" y="1825560"/>
-            <a:ext cx="5181120" cy="4350960"/>
+            <a:off x="6226200" y="1825560"/>
+            <a:ext cx="5130720" cy="4350600"/>
           </a:xfrm>
           <a:prstGeom prst="rect">
             <a:avLst/>
@@ -5235,175 +3837,221 @@
           </a:ln>
         </p:spPr>
         <p:txBody>
-          <a:bodyPr lIns="91440" rIns="91440" tIns="45720" bIns="45720" anchor="t">
-            <a:noAutofit/>
+          <a:bodyPr lIns="0" rIns="0" tIns="0" bIns="0" anchor="t">
+            <a:normAutofit/>
           </a:bodyPr>
           <a:p>
-            <a:pPr marL="228600" indent="-228600" defTabSz="914400">
-              <a:lnSpc>
-                <a:spcPct val="90000"/>
-              </a:lnSpc>
+            <a:pPr marL="432000" indent="-324000">
               <a:spcBef>
-                <a:spcPts val="1001"/>
+                <a:spcPts val="1417"/>
               </a:spcBef>
               <a:buClr>
                 <a:srgbClr val="000000"/>
               </a:buClr>
-              <a:buFont typeface="Arial"/>
-              <a:buChar char="•"/>
-            </a:pPr>
-            <a:r>
-              <a:rPr b="0" lang="en-US" sz="2800" spc="-1" strike="noStrike">
-                <a:solidFill>
-                  <a:schemeClr val="dk1"/>
-                </a:solidFill>
-                <a:latin typeface="Calibri"/>
-              </a:rPr>
-              <a:t>Click to edit Master text styles</a:t>
-            </a:r>
-            <a:endParaRPr b="0" lang="en-US" sz="2800" spc="-1" strike="noStrike">
-              <a:solidFill>
-                <a:schemeClr val="dk1"/>
-              </a:solidFill>
-              <a:latin typeface="Calibri"/>
-            </a:endParaRPr>
-          </a:p>
-          <a:p>
-            <a:pPr lvl="1" marL="685800" indent="-228600" defTabSz="914400">
-              <a:lnSpc>
-                <a:spcPct val="90000"/>
-              </a:lnSpc>
+              <a:buSzPct val="45000"/>
+              <a:buFont typeface="Wingdings" charset="2"/>
+              <a:buChar char=""/>
+            </a:pPr>
+            <a:r>
+              <a:rPr b="0" lang="en-IN" sz="1800" spc="-1" strike="noStrike">
+                <a:solidFill>
+                  <a:srgbClr val="000000"/>
+                </a:solidFill>
+                <a:latin typeface="Arial"/>
+              </a:rPr>
+              <a:t>Click to edit the outline text format</a:t>
+            </a:r>
+            <a:endParaRPr b="0" lang="en-IN" sz="1800" spc="-1" strike="noStrike">
+              <a:solidFill>
+                <a:srgbClr val="000000"/>
+              </a:solidFill>
+              <a:latin typeface="Arial"/>
+            </a:endParaRPr>
+          </a:p>
+          <a:p>
+            <a:pPr lvl="1" marL="864000" indent="-324000">
               <a:spcBef>
-                <a:spcPts val="499"/>
+                <a:spcPts val="1134"/>
               </a:spcBef>
               <a:buClr>
                 <a:srgbClr val="000000"/>
               </a:buClr>
-              <a:buFont typeface="Arial"/>
-              <a:buChar char="•"/>
-            </a:pPr>
-            <a:r>
-              <a:rPr b="0" lang="en-US" sz="2400" spc="-1" strike="noStrike">
-                <a:solidFill>
-                  <a:schemeClr val="dk1"/>
-                </a:solidFill>
-                <a:latin typeface="Calibri"/>
-              </a:rPr>
-              <a:t>Second level</a:t>
-            </a:r>
-            <a:endParaRPr b="0" lang="en-US" sz="2400" spc="-1" strike="noStrike">
-              <a:solidFill>
-                <a:schemeClr val="dk1"/>
-              </a:solidFill>
-              <a:latin typeface="Calibri"/>
-            </a:endParaRPr>
-          </a:p>
-          <a:p>
-            <a:pPr lvl="2" marL="1143000" indent="-228600" defTabSz="914400">
-              <a:lnSpc>
-                <a:spcPct val="90000"/>
-              </a:lnSpc>
+              <a:buSzPct val="75000"/>
+              <a:buFont typeface="Symbol" charset="2"/>
+              <a:buChar char=""/>
+            </a:pPr>
+            <a:r>
+              <a:rPr b="0" lang="en-IN" sz="1800" spc="-1" strike="noStrike">
+                <a:solidFill>
+                  <a:srgbClr val="000000"/>
+                </a:solidFill>
+                <a:latin typeface="Arial"/>
+              </a:rPr>
+              <a:t>Second Outline Level</a:t>
+            </a:r>
+            <a:endParaRPr b="0" lang="en-IN" sz="1800" spc="-1" strike="noStrike">
+              <a:solidFill>
+                <a:srgbClr val="000000"/>
+              </a:solidFill>
+              <a:latin typeface="Arial"/>
+            </a:endParaRPr>
+          </a:p>
+          <a:p>
+            <a:pPr lvl="2" marL="1296000" indent="-288000">
               <a:spcBef>
-                <a:spcPts val="499"/>
+                <a:spcPts val="850"/>
               </a:spcBef>
               <a:buClr>
                 <a:srgbClr val="000000"/>
               </a:buClr>
-              <a:buFont typeface="Arial"/>
-              <a:buChar char="•"/>
-            </a:pPr>
-            <a:r>
-              <a:rPr b="0" lang="en-US" sz="2000" spc="-1" strike="noStrike">
-                <a:solidFill>
-                  <a:schemeClr val="dk1"/>
-                </a:solidFill>
-                <a:latin typeface="Calibri"/>
-              </a:rPr>
-              <a:t>Third level</a:t>
-            </a:r>
-            <a:endParaRPr b="0" lang="en-US" sz="2000" spc="-1" strike="noStrike">
-              <a:solidFill>
-                <a:schemeClr val="dk1"/>
-              </a:solidFill>
-              <a:latin typeface="Calibri"/>
-            </a:endParaRPr>
-          </a:p>
-          <a:p>
-            <a:pPr lvl="3" marL="1600200" indent="-228600" defTabSz="914400">
-              <a:lnSpc>
-                <a:spcPct val="90000"/>
-              </a:lnSpc>
+              <a:buSzPct val="45000"/>
+              <a:buFont typeface="Wingdings" charset="2"/>
+              <a:buChar char=""/>
+            </a:pPr>
+            <a:r>
+              <a:rPr b="0" lang="en-IN" sz="1800" spc="-1" strike="noStrike">
+                <a:solidFill>
+                  <a:srgbClr val="000000"/>
+                </a:solidFill>
+                <a:latin typeface="Arial"/>
+              </a:rPr>
+              <a:t>Third Outline Level</a:t>
+            </a:r>
+            <a:endParaRPr b="0" lang="en-IN" sz="1800" spc="-1" strike="noStrike">
+              <a:solidFill>
+                <a:srgbClr val="000000"/>
+              </a:solidFill>
+              <a:latin typeface="Arial"/>
+            </a:endParaRPr>
+          </a:p>
+          <a:p>
+            <a:pPr lvl="3" marL="1728000" indent="-216000">
               <a:spcBef>
-                <a:spcPts val="499"/>
+                <a:spcPts val="567"/>
               </a:spcBef>
               <a:buClr>
                 <a:srgbClr val="000000"/>
               </a:buClr>
-              <a:buFont typeface="Arial"/>
-              <a:buChar char="•"/>
-            </a:pPr>
-            <a:r>
-              <a:rPr b="0" lang="en-US" sz="1800" spc="-1" strike="noStrike">
-                <a:solidFill>
-                  <a:schemeClr val="dk1"/>
-                </a:solidFill>
-                <a:latin typeface="Calibri"/>
-              </a:rPr>
-              <a:t>Fourth level</a:t>
-            </a:r>
-            <a:endParaRPr b="0" lang="en-US" sz="1800" spc="-1" strike="noStrike">
-              <a:solidFill>
-                <a:schemeClr val="dk1"/>
-              </a:solidFill>
-              <a:latin typeface="Calibri"/>
-            </a:endParaRPr>
-          </a:p>
-          <a:p>
-            <a:pPr lvl="4" marL="2057400" indent="-228600" defTabSz="914400">
-              <a:lnSpc>
-                <a:spcPct val="90000"/>
-              </a:lnSpc>
+              <a:buSzPct val="75000"/>
+              <a:buFont typeface="Symbol" charset="2"/>
+              <a:buChar char=""/>
+            </a:pPr>
+            <a:r>
+              <a:rPr b="0" lang="en-IN" sz="1800" spc="-1" strike="noStrike">
+                <a:solidFill>
+                  <a:srgbClr val="000000"/>
+                </a:solidFill>
+                <a:latin typeface="Arial"/>
+              </a:rPr>
+              <a:t>Fourth Outline Level</a:t>
+            </a:r>
+            <a:endParaRPr b="0" lang="en-IN" sz="1800" spc="-1" strike="noStrike">
+              <a:solidFill>
+                <a:srgbClr val="000000"/>
+              </a:solidFill>
+              <a:latin typeface="Arial"/>
+            </a:endParaRPr>
+          </a:p>
+          <a:p>
+            <a:pPr lvl="4" marL="2160000" indent="-216000">
               <a:spcBef>
-                <a:spcPts val="499"/>
+                <a:spcPts val="283"/>
               </a:spcBef>
               <a:buClr>
                 <a:srgbClr val="000000"/>
               </a:buClr>
-              <a:buFont typeface="Arial"/>
-              <a:buChar char="•"/>
-            </a:pPr>
-            <a:r>
-              <a:rPr b="0" lang="en-US" sz="1800" spc="-1" strike="noStrike">
-                <a:solidFill>
-                  <a:schemeClr val="dk1"/>
-                </a:solidFill>
-                <a:latin typeface="Calibri"/>
-              </a:rPr>
-              <a:t>Fifth level</a:t>
-            </a:r>
-            <a:endParaRPr b="0" lang="en-US" sz="1800" spc="-1" strike="noStrike">
-              <a:solidFill>
-                <a:schemeClr val="dk1"/>
-              </a:solidFill>
-              <a:latin typeface="Calibri"/>
-            </a:endParaRPr>
-          </a:p>
-        </p:txBody>
-      </p:sp>
-      <p:sp>
-        <p:nvSpPr>
-          <p:cNvPr id="32" name="PlaceHolder 4"/>
-          <p:cNvSpPr>
-            <a:spLocks noGrp="1"/>
-          </p:cNvSpPr>
-          <p:nvPr>
-            <p:ph type="dt" idx="16"/>
+              <a:buSzPct val="45000"/>
+              <a:buFont typeface="Wingdings" charset="2"/>
+              <a:buChar char=""/>
+            </a:pPr>
+            <a:r>
+              <a:rPr b="0" lang="en-IN" sz="1800" spc="-1" strike="noStrike">
+                <a:solidFill>
+                  <a:srgbClr val="000000"/>
+                </a:solidFill>
+                <a:latin typeface="Arial"/>
+              </a:rPr>
+              <a:t>Fifth Outline Level</a:t>
+            </a:r>
+            <a:endParaRPr b="0" lang="en-IN" sz="1800" spc="-1" strike="noStrike">
+              <a:solidFill>
+                <a:srgbClr val="000000"/>
+              </a:solidFill>
+              <a:latin typeface="Arial"/>
+            </a:endParaRPr>
+          </a:p>
+          <a:p>
+            <a:pPr lvl="5" marL="2592000" indent="-216000">
+              <a:spcBef>
+                <a:spcPts val="283"/>
+              </a:spcBef>
+              <a:buClr>
+                <a:srgbClr val="000000"/>
+              </a:buClr>
+              <a:buSzPct val="45000"/>
+              <a:buFont typeface="Wingdings" charset="2"/>
+              <a:buChar char=""/>
+            </a:pPr>
+            <a:r>
+              <a:rPr b="0" lang="en-IN" sz="1800" spc="-1" strike="noStrike">
+                <a:solidFill>
+                  <a:srgbClr val="000000"/>
+                </a:solidFill>
+                <a:latin typeface="Arial"/>
+              </a:rPr>
+              <a:t>Sixth Outline Level</a:t>
+            </a:r>
+            <a:endParaRPr b="0" lang="en-IN" sz="1800" spc="-1" strike="noStrike">
+              <a:solidFill>
+                <a:srgbClr val="000000"/>
+              </a:solidFill>
+              <a:latin typeface="Arial"/>
+            </a:endParaRPr>
+          </a:p>
+          <a:p>
+            <a:pPr lvl="6" marL="3024000" indent="-216000">
+              <a:spcBef>
+                <a:spcPts val="283"/>
+              </a:spcBef>
+              <a:buClr>
+                <a:srgbClr val="000000"/>
+              </a:buClr>
+              <a:buSzPct val="45000"/>
+              <a:buFont typeface="Wingdings" charset="2"/>
+              <a:buChar char=""/>
+            </a:pPr>
+            <a:r>
+              <a:rPr b="0" lang="en-IN" sz="1800" spc="-1" strike="noStrike">
+                <a:solidFill>
+                  <a:srgbClr val="000000"/>
+                </a:solidFill>
+                <a:latin typeface="Arial"/>
+              </a:rPr>
+              <a:t>Seventh Outline Level</a:t>
+            </a:r>
+            <a:endParaRPr b="0" lang="en-IN" sz="1800" spc="-1" strike="noStrike">
+              <a:solidFill>
+                <a:srgbClr val="000000"/>
+              </a:solidFill>
+              <a:latin typeface="Arial"/>
+            </a:endParaRPr>
+          </a:p>
+        </p:txBody>
+      </p:sp>
+      <p:sp>
+        <p:nvSpPr>
+          <p:cNvPr id="26" name="PlaceHolder 4"/>
+          <p:cNvSpPr>
+            <a:spLocks noGrp="1"/>
+          </p:cNvSpPr>
+          <p:nvPr>
+            <p:ph type="ftr" idx="16"/>
           </p:nvPr>
         </p:nvSpPr>
         <p:spPr>
           <a:xfrm>
-            <a:off x="838080" y="6356520"/>
-            <a:ext cx="2742840" cy="364680"/>
+            <a:off x="4038480" y="6356520"/>
+            <a:ext cx="4114080" cy="364320"/>
           </a:xfrm>
           <a:prstGeom prst="rect">
             <a:avLst/>
@@ -5418,40 +4066,42 @@
             <a:noAutofit/>
           </a:bodyPr>
           <a:lstStyle>
-            <a:lvl1pPr indent="0" defTabSz="914400">
+            <a:lvl1pPr indent="0" algn="ctr">
               <a:lnSpc>
                 <a:spcPct val="100000"/>
               </a:lnSpc>
               <a:buNone/>
-              <a:defRPr b="0" lang="en-IN" sz="1200" spc="-1" strike="noStrike">
-                <a:solidFill>
-                  <a:schemeClr val="dk1">
-                    <a:tint val="75000"/>
-                  </a:schemeClr>
-                </a:solidFill>
-                <a:latin typeface="Calibri"/>
+              <a:tabLst>
+                <a:tab algn="l" pos="0"/>
+              </a:tabLst>
+              <a:defRPr b="0" lang="en-IN" sz="1400" spc="-1" strike="noStrike">
+                <a:solidFill>
+                  <a:srgbClr val="000000"/>
+                </a:solidFill>
+                <a:latin typeface="Times New Roman"/>
               </a:defRPr>
             </a:lvl1pPr>
           </a:lstStyle>
           <a:p>
-            <a:pPr indent="0" defTabSz="914400">
+            <a:pPr indent="0" algn="ctr">
               <a:lnSpc>
                 <a:spcPct val="100000"/>
               </a:lnSpc>
               <a:buNone/>
-            </a:pPr>
-            <a:r>
-              <a:rPr b="0" lang="en-IN" sz="1200" spc="-1" strike="noStrike">
-                <a:solidFill>
-                  <a:schemeClr val="dk1">
-                    <a:tint val="75000"/>
-                  </a:schemeClr>
-                </a:solidFill>
-                <a:latin typeface="Calibri"/>
-              </a:rPr>
-              <a:t>&lt;date/time&gt;</a:t>
-            </a:r>
-            <a:endParaRPr b="0" lang="en-IN" sz="1200" spc="-1" strike="noStrike">
+              <a:tabLst>
+                <a:tab algn="l" pos="0"/>
+              </a:tabLst>
+            </a:pPr>
+            <a:r>
+              <a:rPr b="0" lang="en-IN" sz="1400" spc="-1" strike="noStrike">
+                <a:solidFill>
+                  <a:srgbClr val="000000"/>
+                </a:solidFill>
+                <a:latin typeface="Times New Roman"/>
+              </a:rPr>
+              <a:t>&lt;footer&gt;</a:t>
+            </a:r>
+            <a:endParaRPr b="0" lang="en-IN" sz="1400" spc="-1" strike="noStrike">
               <a:solidFill>
                 <a:srgbClr val="000000"/>
               </a:solidFill>
@@ -5462,18 +4112,18 @@
       </p:sp>
       <p:sp>
         <p:nvSpPr>
-          <p:cNvPr id="33" name="PlaceHolder 5"/>
-          <p:cNvSpPr>
-            <a:spLocks noGrp="1"/>
-          </p:cNvSpPr>
-          <p:nvPr>
-            <p:ph type="ftr" idx="17"/>
+          <p:cNvPr id="27" name="PlaceHolder 5"/>
+          <p:cNvSpPr>
+            <a:spLocks noGrp="1"/>
+          </p:cNvSpPr>
+          <p:nvPr>
+            <p:ph type="sldNum" idx="17"/>
           </p:nvPr>
         </p:nvSpPr>
         <p:spPr>
           <a:xfrm>
-            <a:off x="4038480" y="6356520"/>
-            <a:ext cx="4114440" cy="364680"/>
+            <a:off x="8610480" y="6356520"/>
+            <a:ext cx="2742480" cy="364320"/>
           </a:xfrm>
           <a:prstGeom prst="rect">
             <a:avLst/>
@@ -5488,30 +4138,46 @@
             <a:noAutofit/>
           </a:bodyPr>
           <a:lstStyle>
-            <a:lvl1pPr indent="0" algn="ctr">
-              <a:buNone/>
-              <a:defRPr b="0" lang="en-IN" sz="1400" spc="-1" strike="noStrike">
-                <a:solidFill>
-                  <a:srgbClr val="000000"/>
-                </a:solidFill>
-                <a:latin typeface="Times New Roman"/>
+            <a:lvl1pPr indent="0" algn="r" defTabSz="914400">
+              <a:lnSpc>
+                <a:spcPct val="100000"/>
+              </a:lnSpc>
+              <a:buNone/>
+              <a:tabLst>
+                <a:tab algn="l" pos="0"/>
+              </a:tabLst>
+              <a:defRPr b="0" lang="en-IN" sz="1200" spc="-1" strike="noStrike">
+                <a:solidFill>
+                  <a:schemeClr val="dk1">
+                    <a:tint val="75000"/>
+                  </a:schemeClr>
+                </a:solidFill>
+                <a:latin typeface="Calibri"/>
               </a:defRPr>
             </a:lvl1pPr>
           </a:lstStyle>
           <a:p>
-            <a:pPr indent="0" algn="ctr">
-              <a:buNone/>
-            </a:pPr>
-            <a:r>
-              <a:rPr b="0" lang="en-IN" sz="1400" spc="-1" strike="noStrike">
-                <a:solidFill>
-                  <a:srgbClr val="000000"/>
-                </a:solidFill>
-                <a:latin typeface="Times New Roman"/>
-              </a:rPr>
-              <a:t>&lt;footer&gt;</a:t>
-            </a:r>
-            <a:endParaRPr b="0" lang="en-IN" sz="1400" spc="-1" strike="noStrike">
+            <a:pPr indent="0" algn="r" defTabSz="914400">
+              <a:lnSpc>
+                <a:spcPct val="100000"/>
+              </a:lnSpc>
+              <a:buNone/>
+              <a:tabLst>
+                <a:tab algn="l" pos="0"/>
+              </a:tabLst>
+            </a:pPr>
+            <a:fld id="{51F42888-039B-4808-BD60-C3DE3D7B7E16}" type="slidenum">
+              <a:rPr b="0" lang="en-IN" sz="1200" spc="-1" strike="noStrike">
+                <a:solidFill>
+                  <a:schemeClr val="dk1">
+                    <a:tint val="75000"/>
+                  </a:schemeClr>
+                </a:solidFill>
+                <a:latin typeface="Calibri"/>
+              </a:rPr>
+              <a:t>&lt;number&gt;</a:t>
+            </a:fld>
+            <a:endParaRPr b="0" lang="en-IN" sz="1200" spc="-1" strike="noStrike">
               <a:solidFill>
                 <a:srgbClr val="000000"/>
               </a:solidFill>
@@ -5522,18 +4188,18 @@
       </p:sp>
       <p:sp>
         <p:nvSpPr>
-          <p:cNvPr id="34" name="PlaceHolder 6"/>
-          <p:cNvSpPr>
-            <a:spLocks noGrp="1"/>
-          </p:cNvSpPr>
-          <p:nvPr>
-            <p:ph type="sldNum" idx="18"/>
+          <p:cNvPr id="28" name="PlaceHolder 6"/>
+          <p:cNvSpPr>
+            <a:spLocks noGrp="1"/>
+          </p:cNvSpPr>
+          <p:nvPr>
+            <p:ph type="dt" idx="18"/>
           </p:nvPr>
         </p:nvSpPr>
         <p:spPr>
           <a:xfrm>
-            <a:off x="8610480" y="6356520"/>
-            <a:ext cx="2742840" cy="364680"/>
+            <a:off x="838080" y="6356520"/>
+            <a:ext cx="2742480" cy="364320"/>
           </a:xfrm>
           <a:prstGeom prst="rect">
             <a:avLst/>
@@ -5548,40 +4214,30 @@
             <a:noAutofit/>
           </a:bodyPr>
           <a:lstStyle>
-            <a:lvl1pPr indent="0" algn="r" defTabSz="914400">
-              <a:lnSpc>
-                <a:spcPct val="100000"/>
-              </a:lnSpc>
-              <a:buNone/>
-              <a:defRPr b="0" lang="en-IN" sz="1200" spc="-1" strike="noStrike">
-                <a:solidFill>
-                  <a:schemeClr val="dk1">
-                    <a:tint val="75000"/>
-                  </a:schemeClr>
-                </a:solidFill>
-                <a:latin typeface="Calibri"/>
+            <a:lvl1pPr indent="0">
+              <a:buNone/>
+              <a:defRPr b="0" lang="en-IN" sz="1400" spc="-1" strike="noStrike">
+                <a:solidFill>
+                  <a:srgbClr val="000000"/>
+                </a:solidFill>
+                <a:latin typeface="Times New Roman"/>
               </a:defRPr>
             </a:lvl1pPr>
           </a:lstStyle>
           <a:p>
-            <a:pPr indent="0" algn="r" defTabSz="914400">
-              <a:lnSpc>
-                <a:spcPct val="100000"/>
-              </a:lnSpc>
-              <a:buNone/>
-            </a:pPr>
-            <a:fld id="{43A7CBEA-E49E-4DA0-BE16-8295186C4B2E}" type="slidenum">
-              <a:rPr b="0" lang="en-IN" sz="1200" spc="-1" strike="noStrike">
-                <a:solidFill>
-                  <a:schemeClr val="dk1">
-                    <a:tint val="75000"/>
-                  </a:schemeClr>
-                </a:solidFill>
-                <a:latin typeface="Calibri"/>
-              </a:rPr>
-              <a:t>&lt;number&gt;</a:t>
-            </a:fld>
-            <a:endParaRPr b="0" lang="en-IN" sz="1200" spc="-1" strike="noStrike">
+            <a:pPr indent="0">
+              <a:buNone/>
+            </a:pPr>
+            <a:r>
+              <a:rPr b="0" lang="en-IN" sz="1400" spc="-1" strike="noStrike">
+                <a:solidFill>
+                  <a:srgbClr val="000000"/>
+                </a:solidFill>
+                <a:latin typeface="Times New Roman"/>
+              </a:rPr>
+              <a:t>&lt;date/time&gt;</a:t>
+            </a:r>
+            <a:endParaRPr b="0" lang="en-IN" sz="1400" spc="-1" strike="noStrike">
               <a:solidFill>
                 <a:srgbClr val="000000"/>
               </a:solidFill>
@@ -5625,18 +4281,18 @@
       </p:grpSpPr>
       <p:sp>
         <p:nvSpPr>
-          <p:cNvPr id="38" name="PlaceHolder 1"/>
-          <p:cNvSpPr>
-            <a:spLocks noGrp="1"/>
-          </p:cNvSpPr>
-          <p:nvPr>
-            <p:ph type="title"/>
+          <p:cNvPr id="32" name="PlaceHolder 1"/>
+          <p:cNvSpPr>
+            <a:spLocks noGrp="1"/>
+          </p:cNvSpPr>
+          <p:nvPr>
+            <p:ph type="ftr" idx="19"/>
           </p:nvPr>
         </p:nvSpPr>
         <p:spPr>
           <a:xfrm>
-            <a:off x="839880" y="365040"/>
-            <a:ext cx="10515240" cy="1325160"/>
+            <a:off x="4038480" y="6356520"/>
+            <a:ext cx="4114080" cy="364320"/>
           </a:xfrm>
           <a:prstGeom prst="rect">
             <a:avLst/>
@@ -5650,45 +4306,65 @@
           <a:bodyPr lIns="91440" rIns="91440" tIns="45720" bIns="45720" anchor="ctr">
             <a:noAutofit/>
           </a:bodyPr>
-          <a:p>
-            <a:pPr indent="0" defTabSz="914400">
-              <a:lnSpc>
-                <a:spcPct val="90000"/>
-              </a:lnSpc>
-              <a:buNone/>
-            </a:pPr>
-            <a:r>
-              <a:rPr b="0" lang="en-US" sz="4400" spc="-1" strike="noStrike">
-                <a:solidFill>
-                  <a:schemeClr val="dk1"/>
-                </a:solidFill>
-                <a:latin typeface="Calibri Light"/>
-              </a:rPr>
-              <a:t>Click to edit Master title style</a:t>
-            </a:r>
-            <a:endParaRPr b="0" lang="en-US" sz="4400" spc="-1" strike="noStrike">
-              <a:solidFill>
-                <a:schemeClr val="dk1"/>
-              </a:solidFill>
-              <a:latin typeface="Calibri"/>
-            </a:endParaRPr>
-          </a:p>
-        </p:txBody>
-      </p:sp>
-      <p:sp>
-        <p:nvSpPr>
-          <p:cNvPr id="39" name="PlaceHolder 2"/>
-          <p:cNvSpPr>
-            <a:spLocks noGrp="1"/>
-          </p:cNvSpPr>
-          <p:nvPr>
-            <p:ph type="body"/>
+          <a:lstStyle>
+            <a:lvl1pPr indent="0" algn="ctr">
+              <a:lnSpc>
+                <a:spcPct val="100000"/>
+              </a:lnSpc>
+              <a:buNone/>
+              <a:tabLst>
+                <a:tab algn="l" pos="0"/>
+              </a:tabLst>
+              <a:defRPr b="0" lang="en-IN" sz="1400" spc="-1" strike="noStrike">
+                <a:solidFill>
+                  <a:srgbClr val="000000"/>
+                </a:solidFill>
+                <a:latin typeface="Times New Roman"/>
+              </a:defRPr>
+            </a:lvl1pPr>
+          </a:lstStyle>
+          <a:p>
+            <a:pPr indent="0" algn="ctr">
+              <a:lnSpc>
+                <a:spcPct val="100000"/>
+              </a:lnSpc>
+              <a:buNone/>
+              <a:tabLst>
+                <a:tab algn="l" pos="0"/>
+              </a:tabLst>
+            </a:pPr>
+            <a:r>
+              <a:rPr b="0" lang="en-IN" sz="1400" spc="-1" strike="noStrike">
+                <a:solidFill>
+                  <a:srgbClr val="000000"/>
+                </a:solidFill>
+                <a:latin typeface="Times New Roman"/>
+              </a:rPr>
+              <a:t>&lt;footer&gt;</a:t>
+            </a:r>
+            <a:endParaRPr b="0" lang="en-IN" sz="1400" spc="-1" strike="noStrike">
+              <a:solidFill>
+                <a:srgbClr val="000000"/>
+              </a:solidFill>
+              <a:latin typeface="Times New Roman"/>
+            </a:endParaRPr>
+          </a:p>
+        </p:txBody>
+      </p:sp>
+      <p:sp>
+        <p:nvSpPr>
+          <p:cNvPr id="33" name="PlaceHolder 2"/>
+          <p:cNvSpPr>
+            <a:spLocks noGrp="1"/>
+          </p:cNvSpPr>
+          <p:nvPr>
+            <p:ph type="sldNum" idx="20"/>
           </p:nvPr>
         </p:nvSpPr>
         <p:spPr>
           <a:xfrm>
-            <a:off x="839880" y="1681200"/>
-            <a:ext cx="5157360" cy="823680"/>
+            <a:off x="8610480" y="6356520"/>
+            <a:ext cx="2742480" cy="364320"/>
           </a:xfrm>
           <a:prstGeom prst="rect">
             <a:avLst/>
@@ -5699,54 +4375,72 @@
           </a:ln>
         </p:spPr>
         <p:txBody>
-          <a:bodyPr lIns="91440" rIns="91440" tIns="45720" bIns="45720" anchor="b">
+          <a:bodyPr lIns="91440" rIns="91440" tIns="45720" bIns="45720" anchor="ctr">
             <a:noAutofit/>
           </a:bodyPr>
-          <a:p>
-            <a:pPr indent="0" defTabSz="914400">
-              <a:lnSpc>
-                <a:spcPct val="90000"/>
-              </a:lnSpc>
-              <a:spcBef>
-                <a:spcPts val="1001"/>
-              </a:spcBef>
+          <a:lstStyle>
+            <a:lvl1pPr indent="0" algn="r" defTabSz="914400">
+              <a:lnSpc>
+                <a:spcPct val="100000"/>
+              </a:lnSpc>
               <a:buNone/>
               <a:tabLst>
                 <a:tab algn="l" pos="0"/>
               </a:tabLst>
-            </a:pPr>
-            <a:r>
-              <a:rPr b="1" lang="en-US" sz="2400" spc="-1" strike="noStrike">
-                <a:solidFill>
-                  <a:schemeClr val="dk1"/>
+              <a:defRPr b="0" lang="en-IN" sz="1200" spc="-1" strike="noStrike">
+                <a:solidFill>
+                  <a:schemeClr val="dk1">
+                    <a:tint val="75000"/>
+                  </a:schemeClr>
                 </a:solidFill>
                 <a:latin typeface="Calibri"/>
-              </a:rPr>
-              <a:t>Click to edit Master text styles</a:t>
-            </a:r>
-            <a:endParaRPr b="0" lang="en-US" sz="2400" spc="-1" strike="noStrike">
-              <a:solidFill>
-                <a:schemeClr val="dk1"/>
-              </a:solidFill>
-              <a:latin typeface="Calibri"/>
-            </a:endParaRPr>
-          </a:p>
-        </p:txBody>
-      </p:sp>
-      <p:sp>
-        <p:nvSpPr>
-          <p:cNvPr id="40" name="PlaceHolder 3"/>
-          <p:cNvSpPr>
-            <a:spLocks noGrp="1"/>
-          </p:cNvSpPr>
-          <p:nvPr>
-            <p:ph type="body"/>
+              </a:defRPr>
+            </a:lvl1pPr>
+          </a:lstStyle>
+          <a:p>
+            <a:pPr indent="0" algn="r" defTabSz="914400">
+              <a:lnSpc>
+                <a:spcPct val="100000"/>
+              </a:lnSpc>
+              <a:buNone/>
+              <a:tabLst>
+                <a:tab algn="l" pos="0"/>
+              </a:tabLst>
+            </a:pPr>
+            <a:fld id="{DE9A0843-CB61-4096-865A-4E5660DFFC56}" type="slidenum">
+              <a:rPr b="0" lang="en-IN" sz="1200" spc="-1" strike="noStrike">
+                <a:solidFill>
+                  <a:schemeClr val="dk1">
+                    <a:tint val="75000"/>
+                  </a:schemeClr>
+                </a:solidFill>
+                <a:latin typeface="Calibri"/>
+              </a:rPr>
+              <a:t>&lt;number&gt;</a:t>
+            </a:fld>
+            <a:endParaRPr b="0" lang="en-IN" sz="1200" spc="-1" strike="noStrike">
+              <a:solidFill>
+                <a:srgbClr val="000000"/>
+              </a:solidFill>
+              <a:latin typeface="Times New Roman"/>
+            </a:endParaRPr>
+          </a:p>
+        </p:txBody>
+      </p:sp>
+      <p:sp>
+        <p:nvSpPr>
+          <p:cNvPr id="34" name="PlaceHolder 3"/>
+          <p:cNvSpPr>
+            <a:spLocks noGrp="1"/>
+          </p:cNvSpPr>
+          <p:nvPr>
+            <p:ph type="dt" idx="21"/>
           </p:nvPr>
         </p:nvSpPr>
         <p:spPr>
           <a:xfrm>
-            <a:off x="839880" y="2505240"/>
-            <a:ext cx="5157360" cy="3684240"/>
+            <a:off x="838080" y="6356520"/>
+            <a:ext cx="2742480" cy="364320"/>
           </a:xfrm>
           <a:prstGeom prst="rect">
             <a:avLst/>
@@ -5757,497 +4451,11 @@
           </a:ln>
         </p:spPr>
         <p:txBody>
-          <a:bodyPr lIns="91440" rIns="91440" tIns="45720" bIns="45720" anchor="t">
-            <a:noAutofit/>
-          </a:bodyPr>
-          <a:p>
-            <a:pPr marL="228600" indent="-228600" defTabSz="914400">
-              <a:lnSpc>
-                <a:spcPct val="90000"/>
-              </a:lnSpc>
-              <a:spcBef>
-                <a:spcPts val="1001"/>
-              </a:spcBef>
-              <a:buClr>
-                <a:srgbClr val="000000"/>
-              </a:buClr>
-              <a:buFont typeface="Arial"/>
-              <a:buChar char="•"/>
-            </a:pPr>
-            <a:r>
-              <a:rPr b="0" lang="en-US" sz="2800" spc="-1" strike="noStrike">
-                <a:solidFill>
-                  <a:schemeClr val="dk1"/>
-                </a:solidFill>
-                <a:latin typeface="Calibri"/>
-              </a:rPr>
-              <a:t>Click to edit Master text styles</a:t>
-            </a:r>
-            <a:endParaRPr b="0" lang="en-US" sz="2800" spc="-1" strike="noStrike">
-              <a:solidFill>
-                <a:schemeClr val="dk1"/>
-              </a:solidFill>
-              <a:latin typeface="Calibri"/>
-            </a:endParaRPr>
-          </a:p>
-          <a:p>
-            <a:pPr lvl="1" marL="685800" indent="-228600" defTabSz="914400">
-              <a:lnSpc>
-                <a:spcPct val="90000"/>
-              </a:lnSpc>
-              <a:spcBef>
-                <a:spcPts val="499"/>
-              </a:spcBef>
-              <a:buClr>
-                <a:srgbClr val="000000"/>
-              </a:buClr>
-              <a:buFont typeface="Arial"/>
-              <a:buChar char="•"/>
-            </a:pPr>
-            <a:r>
-              <a:rPr b="0" lang="en-US" sz="2400" spc="-1" strike="noStrike">
-                <a:solidFill>
-                  <a:schemeClr val="dk1"/>
-                </a:solidFill>
-                <a:latin typeface="Calibri"/>
-              </a:rPr>
-              <a:t>Second level</a:t>
-            </a:r>
-            <a:endParaRPr b="0" lang="en-US" sz="2400" spc="-1" strike="noStrike">
-              <a:solidFill>
-                <a:schemeClr val="dk1"/>
-              </a:solidFill>
-              <a:latin typeface="Calibri"/>
-            </a:endParaRPr>
-          </a:p>
-          <a:p>
-            <a:pPr lvl="2" marL="1143000" indent="-228600" defTabSz="914400">
-              <a:lnSpc>
-                <a:spcPct val="90000"/>
-              </a:lnSpc>
-              <a:spcBef>
-                <a:spcPts val="499"/>
-              </a:spcBef>
-              <a:buClr>
-                <a:srgbClr val="000000"/>
-              </a:buClr>
-              <a:buFont typeface="Arial"/>
-              <a:buChar char="•"/>
-            </a:pPr>
-            <a:r>
-              <a:rPr b="0" lang="en-US" sz="2000" spc="-1" strike="noStrike">
-                <a:solidFill>
-                  <a:schemeClr val="dk1"/>
-                </a:solidFill>
-                <a:latin typeface="Calibri"/>
-              </a:rPr>
-              <a:t>Third level</a:t>
-            </a:r>
-            <a:endParaRPr b="0" lang="en-US" sz="2000" spc="-1" strike="noStrike">
-              <a:solidFill>
-                <a:schemeClr val="dk1"/>
-              </a:solidFill>
-              <a:latin typeface="Calibri"/>
-            </a:endParaRPr>
-          </a:p>
-          <a:p>
-            <a:pPr lvl="3" marL="1600200" indent="-228600" defTabSz="914400">
-              <a:lnSpc>
-                <a:spcPct val="90000"/>
-              </a:lnSpc>
-              <a:spcBef>
-                <a:spcPts val="499"/>
-              </a:spcBef>
-              <a:buClr>
-                <a:srgbClr val="000000"/>
-              </a:buClr>
-              <a:buFont typeface="Arial"/>
-              <a:buChar char="•"/>
-            </a:pPr>
-            <a:r>
-              <a:rPr b="0" lang="en-US" sz="1800" spc="-1" strike="noStrike">
-                <a:solidFill>
-                  <a:schemeClr val="dk1"/>
-                </a:solidFill>
-                <a:latin typeface="Calibri"/>
-              </a:rPr>
-              <a:t>Fourth level</a:t>
-            </a:r>
-            <a:endParaRPr b="0" lang="en-US" sz="1800" spc="-1" strike="noStrike">
-              <a:solidFill>
-                <a:schemeClr val="dk1"/>
-              </a:solidFill>
-              <a:latin typeface="Calibri"/>
-            </a:endParaRPr>
-          </a:p>
-          <a:p>
-            <a:pPr lvl="4" marL="2057400" indent="-228600" defTabSz="914400">
-              <a:lnSpc>
-                <a:spcPct val="90000"/>
-              </a:lnSpc>
-              <a:spcBef>
-                <a:spcPts val="499"/>
-              </a:spcBef>
-              <a:buClr>
-                <a:srgbClr val="000000"/>
-              </a:buClr>
-              <a:buFont typeface="Arial"/>
-              <a:buChar char="•"/>
-            </a:pPr>
-            <a:r>
-              <a:rPr b="0" lang="en-US" sz="1800" spc="-1" strike="noStrike">
-                <a:solidFill>
-                  <a:schemeClr val="dk1"/>
-                </a:solidFill>
-                <a:latin typeface="Calibri"/>
-              </a:rPr>
-              <a:t>Fifth level</a:t>
-            </a:r>
-            <a:endParaRPr b="0" lang="en-US" sz="1800" spc="-1" strike="noStrike">
-              <a:solidFill>
-                <a:schemeClr val="dk1"/>
-              </a:solidFill>
-              <a:latin typeface="Calibri"/>
-            </a:endParaRPr>
-          </a:p>
-        </p:txBody>
-      </p:sp>
-      <p:sp>
-        <p:nvSpPr>
-          <p:cNvPr id="41" name="PlaceHolder 4"/>
-          <p:cNvSpPr>
-            <a:spLocks noGrp="1"/>
-          </p:cNvSpPr>
-          <p:nvPr>
-            <p:ph type="body"/>
-          </p:nvPr>
-        </p:nvSpPr>
-        <p:spPr>
-          <a:xfrm>
-            <a:off x="6172200" y="1681200"/>
-            <a:ext cx="5182920" cy="823680"/>
-          </a:xfrm>
-          <a:prstGeom prst="rect">
-            <a:avLst/>
-          </a:prstGeom>
-          <a:noFill/>
-          <a:ln w="0">
-            <a:noFill/>
-          </a:ln>
-        </p:spPr>
-        <p:txBody>
-          <a:bodyPr lIns="91440" rIns="91440" tIns="45720" bIns="45720" anchor="b">
-            <a:noAutofit/>
-          </a:bodyPr>
-          <a:p>
-            <a:pPr indent="0" defTabSz="914400">
-              <a:lnSpc>
-                <a:spcPct val="90000"/>
-              </a:lnSpc>
-              <a:spcBef>
-                <a:spcPts val="1001"/>
-              </a:spcBef>
-              <a:buNone/>
-              <a:tabLst>
-                <a:tab algn="l" pos="0"/>
-              </a:tabLst>
-            </a:pPr>
-            <a:r>
-              <a:rPr b="1" lang="en-US" sz="2400" spc="-1" strike="noStrike">
-                <a:solidFill>
-                  <a:schemeClr val="dk1"/>
-                </a:solidFill>
-                <a:latin typeface="Calibri"/>
-              </a:rPr>
-              <a:t>Click to edit Master text styles</a:t>
-            </a:r>
-            <a:endParaRPr b="0" lang="en-US" sz="2400" spc="-1" strike="noStrike">
-              <a:solidFill>
-                <a:schemeClr val="dk1"/>
-              </a:solidFill>
-              <a:latin typeface="Calibri"/>
-            </a:endParaRPr>
-          </a:p>
-        </p:txBody>
-      </p:sp>
-      <p:sp>
-        <p:nvSpPr>
-          <p:cNvPr id="42" name="PlaceHolder 5"/>
-          <p:cNvSpPr>
-            <a:spLocks noGrp="1"/>
-          </p:cNvSpPr>
-          <p:nvPr>
-            <p:ph type="body"/>
-          </p:nvPr>
-        </p:nvSpPr>
-        <p:spPr>
-          <a:xfrm>
-            <a:off x="6172200" y="2505240"/>
-            <a:ext cx="5182920" cy="3684240"/>
-          </a:xfrm>
-          <a:prstGeom prst="rect">
-            <a:avLst/>
-          </a:prstGeom>
-          <a:noFill/>
-          <a:ln w="0">
-            <a:noFill/>
-          </a:ln>
-        </p:spPr>
-        <p:txBody>
-          <a:bodyPr lIns="91440" rIns="91440" tIns="45720" bIns="45720" anchor="t">
-            <a:noAutofit/>
-          </a:bodyPr>
-          <a:p>
-            <a:pPr marL="228600" indent="-228600" defTabSz="914400">
-              <a:lnSpc>
-                <a:spcPct val="90000"/>
-              </a:lnSpc>
-              <a:spcBef>
-                <a:spcPts val="1001"/>
-              </a:spcBef>
-              <a:buClr>
-                <a:srgbClr val="000000"/>
-              </a:buClr>
-              <a:buFont typeface="Arial"/>
-              <a:buChar char="•"/>
-            </a:pPr>
-            <a:r>
-              <a:rPr b="0" lang="en-US" sz="2800" spc="-1" strike="noStrike">
-                <a:solidFill>
-                  <a:schemeClr val="dk1"/>
-                </a:solidFill>
-                <a:latin typeface="Calibri"/>
-              </a:rPr>
-              <a:t>Click to edit Master text styles</a:t>
-            </a:r>
-            <a:endParaRPr b="0" lang="en-US" sz="2800" spc="-1" strike="noStrike">
-              <a:solidFill>
-                <a:schemeClr val="dk1"/>
-              </a:solidFill>
-              <a:latin typeface="Calibri"/>
-            </a:endParaRPr>
-          </a:p>
-          <a:p>
-            <a:pPr lvl="1" marL="685800" indent="-228600" defTabSz="914400">
-              <a:lnSpc>
-                <a:spcPct val="90000"/>
-              </a:lnSpc>
-              <a:spcBef>
-                <a:spcPts val="499"/>
-              </a:spcBef>
-              <a:buClr>
-                <a:srgbClr val="000000"/>
-              </a:buClr>
-              <a:buFont typeface="Arial"/>
-              <a:buChar char="•"/>
-            </a:pPr>
-            <a:r>
-              <a:rPr b="0" lang="en-US" sz="2400" spc="-1" strike="noStrike">
-                <a:solidFill>
-                  <a:schemeClr val="dk1"/>
-                </a:solidFill>
-                <a:latin typeface="Calibri"/>
-              </a:rPr>
-              <a:t>Second level</a:t>
-            </a:r>
-            <a:endParaRPr b="0" lang="en-US" sz="2400" spc="-1" strike="noStrike">
-              <a:solidFill>
-                <a:schemeClr val="dk1"/>
-              </a:solidFill>
-              <a:latin typeface="Calibri"/>
-            </a:endParaRPr>
-          </a:p>
-          <a:p>
-            <a:pPr lvl="2" marL="1143000" indent="-228600" defTabSz="914400">
-              <a:lnSpc>
-                <a:spcPct val="90000"/>
-              </a:lnSpc>
-              <a:spcBef>
-                <a:spcPts val="499"/>
-              </a:spcBef>
-              <a:buClr>
-                <a:srgbClr val="000000"/>
-              </a:buClr>
-              <a:buFont typeface="Arial"/>
-              <a:buChar char="•"/>
-            </a:pPr>
-            <a:r>
-              <a:rPr b="0" lang="en-US" sz="2000" spc="-1" strike="noStrike">
-                <a:solidFill>
-                  <a:schemeClr val="dk1"/>
-                </a:solidFill>
-                <a:latin typeface="Calibri"/>
-              </a:rPr>
-              <a:t>Third level</a:t>
-            </a:r>
-            <a:endParaRPr b="0" lang="en-US" sz="2000" spc="-1" strike="noStrike">
-              <a:solidFill>
-                <a:schemeClr val="dk1"/>
-              </a:solidFill>
-              <a:latin typeface="Calibri"/>
-            </a:endParaRPr>
-          </a:p>
-          <a:p>
-            <a:pPr lvl="3" marL="1600200" indent="-228600" defTabSz="914400">
-              <a:lnSpc>
-                <a:spcPct val="90000"/>
-              </a:lnSpc>
-              <a:spcBef>
-                <a:spcPts val="499"/>
-              </a:spcBef>
-              <a:buClr>
-                <a:srgbClr val="000000"/>
-              </a:buClr>
-              <a:buFont typeface="Arial"/>
-              <a:buChar char="•"/>
-            </a:pPr>
-            <a:r>
-              <a:rPr b="0" lang="en-US" sz="1800" spc="-1" strike="noStrike">
-                <a:solidFill>
-                  <a:schemeClr val="dk1"/>
-                </a:solidFill>
-                <a:latin typeface="Calibri"/>
-              </a:rPr>
-              <a:t>Fourth level</a:t>
-            </a:r>
-            <a:endParaRPr b="0" lang="en-US" sz="1800" spc="-1" strike="noStrike">
-              <a:solidFill>
-                <a:schemeClr val="dk1"/>
-              </a:solidFill>
-              <a:latin typeface="Calibri"/>
-            </a:endParaRPr>
-          </a:p>
-          <a:p>
-            <a:pPr lvl="4" marL="2057400" indent="-228600" defTabSz="914400">
-              <a:lnSpc>
-                <a:spcPct val="90000"/>
-              </a:lnSpc>
-              <a:spcBef>
-                <a:spcPts val="499"/>
-              </a:spcBef>
-              <a:buClr>
-                <a:srgbClr val="000000"/>
-              </a:buClr>
-              <a:buFont typeface="Arial"/>
-              <a:buChar char="•"/>
-            </a:pPr>
-            <a:r>
-              <a:rPr b="0" lang="en-US" sz="1800" spc="-1" strike="noStrike">
-                <a:solidFill>
-                  <a:schemeClr val="dk1"/>
-                </a:solidFill>
-                <a:latin typeface="Calibri"/>
-              </a:rPr>
-              <a:t>Fifth level</a:t>
-            </a:r>
-            <a:endParaRPr b="0" lang="en-US" sz="1800" spc="-1" strike="noStrike">
-              <a:solidFill>
-                <a:schemeClr val="dk1"/>
-              </a:solidFill>
-              <a:latin typeface="Calibri"/>
-            </a:endParaRPr>
-          </a:p>
-        </p:txBody>
-      </p:sp>
-      <p:sp>
-        <p:nvSpPr>
-          <p:cNvPr id="43" name="PlaceHolder 6"/>
-          <p:cNvSpPr>
-            <a:spLocks noGrp="1"/>
-          </p:cNvSpPr>
-          <p:nvPr>
-            <p:ph type="dt" idx="19"/>
-          </p:nvPr>
-        </p:nvSpPr>
-        <p:spPr>
-          <a:xfrm>
-            <a:off x="838080" y="6356520"/>
-            <a:ext cx="2742840" cy="364680"/>
-          </a:xfrm>
-          <a:prstGeom prst="rect">
-            <a:avLst/>
-          </a:prstGeom>
-          <a:noFill/>
-          <a:ln w="0">
-            <a:noFill/>
-          </a:ln>
-        </p:spPr>
-        <p:txBody>
           <a:bodyPr lIns="91440" rIns="91440" tIns="45720" bIns="45720" anchor="ctr">
             <a:noAutofit/>
           </a:bodyPr>
           <a:lstStyle>
-            <a:lvl1pPr indent="0" defTabSz="914400">
-              <a:lnSpc>
-                <a:spcPct val="100000"/>
-              </a:lnSpc>
-              <a:buNone/>
-              <a:defRPr b="0" lang="en-IN" sz="1200" spc="-1" strike="noStrike">
-                <a:solidFill>
-                  <a:schemeClr val="dk1">
-                    <a:tint val="75000"/>
-                  </a:schemeClr>
-                </a:solidFill>
-                <a:latin typeface="Calibri"/>
-              </a:defRPr>
-            </a:lvl1pPr>
-          </a:lstStyle>
-          <a:p>
-            <a:pPr indent="0" defTabSz="914400">
-              <a:lnSpc>
-                <a:spcPct val="100000"/>
-              </a:lnSpc>
-              <a:buNone/>
-            </a:pPr>
-            <a:r>
-              <a:rPr b="0" lang="en-IN" sz="1200" spc="-1" strike="noStrike">
-                <a:solidFill>
-                  <a:schemeClr val="dk1">
-                    <a:tint val="75000"/>
-                  </a:schemeClr>
-                </a:solidFill>
-                <a:latin typeface="Calibri"/>
-              </a:rPr>
-              <a:t>&lt;date/time&gt;</a:t>
-            </a:r>
-            <a:endParaRPr b="0" lang="en-IN" sz="1200" spc="-1" strike="noStrike">
-              <a:solidFill>
-                <a:srgbClr val="000000"/>
-              </a:solidFill>
-              <a:latin typeface="Times New Roman"/>
-            </a:endParaRPr>
-          </a:p>
-        </p:txBody>
-      </p:sp>
-      <p:sp>
-        <p:nvSpPr>
-          <p:cNvPr id="44" name="PlaceHolder 7"/>
-          <p:cNvSpPr>
-            <a:spLocks noGrp="1"/>
-          </p:cNvSpPr>
-          <p:nvPr>
-            <p:ph type="ftr" idx="20"/>
-          </p:nvPr>
-        </p:nvSpPr>
-        <p:spPr>
-          <a:xfrm>
-            <a:off x="4038480" y="6356520"/>
-            <a:ext cx="4114440" cy="364680"/>
-          </a:xfrm>
-          <a:prstGeom prst="rect">
-            <a:avLst/>
-          </a:prstGeom>
-          <a:noFill/>
-          <a:ln w="0">
-            <a:noFill/>
-          </a:ln>
-        </p:spPr>
-        <p:txBody>
-          <a:bodyPr lIns="91440" rIns="91440" tIns="45720" bIns="45720" anchor="ctr">
-            <a:noAutofit/>
-          </a:bodyPr>
-          <a:lstStyle>
-            <a:lvl1pPr indent="0" algn="ctr">
+            <a:lvl1pPr indent="0">
               <a:buNone/>
               <a:defRPr b="0" lang="en-IN" sz="1400" spc="-1" strike="noStrike">
                 <a:solidFill>
@@ -6258,7 +4466,7 @@
             </a:lvl1pPr>
           </a:lstStyle>
           <a:p>
-            <a:pPr indent="0" algn="ctr">
+            <a:pPr indent="0">
               <a:buNone/>
             </a:pPr>
             <a:r>
@@ -6268,79 +4476,9 @@
                 </a:solidFill>
                 <a:latin typeface="Times New Roman"/>
               </a:rPr>
-              <a:t>&lt;footer&gt;</a:t>
+              <a:t>&lt;date/time&gt;</a:t>
             </a:r>
             <a:endParaRPr b="0" lang="en-IN" sz="1400" spc="-1" strike="noStrike">
-              <a:solidFill>
-                <a:srgbClr val="000000"/>
-              </a:solidFill>
-              <a:latin typeface="Times New Roman"/>
-            </a:endParaRPr>
-          </a:p>
-        </p:txBody>
-      </p:sp>
-      <p:sp>
-        <p:nvSpPr>
-          <p:cNvPr id="45" name="PlaceHolder 8"/>
-          <p:cNvSpPr>
-            <a:spLocks noGrp="1"/>
-          </p:cNvSpPr>
-          <p:nvPr>
-            <p:ph type="sldNum" idx="21"/>
-          </p:nvPr>
-        </p:nvSpPr>
-        <p:spPr>
-          <a:xfrm>
-            <a:off x="8610480" y="6356520"/>
-            <a:ext cx="2742840" cy="364680"/>
-          </a:xfrm>
-          <a:prstGeom prst="rect">
-            <a:avLst/>
-          </a:prstGeom>
-          <a:noFill/>
-          <a:ln w="0">
-            <a:noFill/>
-          </a:ln>
-        </p:spPr>
-        <p:txBody>
-          <a:bodyPr lIns="91440" rIns="91440" tIns="45720" bIns="45720" anchor="ctr">
-            <a:noAutofit/>
-          </a:bodyPr>
-          <a:lstStyle>
-            <a:lvl1pPr indent="0" algn="r" defTabSz="914400">
-              <a:lnSpc>
-                <a:spcPct val="100000"/>
-              </a:lnSpc>
-              <a:buNone/>
-              <a:defRPr b="0" lang="en-IN" sz="1200" spc="-1" strike="noStrike">
-                <a:solidFill>
-                  <a:schemeClr val="dk1">
-                    <a:tint val="75000"/>
-                  </a:schemeClr>
-                </a:solidFill>
-                <a:latin typeface="Calibri"/>
-              </a:defRPr>
-            </a:lvl1pPr>
-          </a:lstStyle>
-          <a:p>
-            <a:pPr indent="0" algn="r" defTabSz="914400">
-              <a:lnSpc>
-                <a:spcPct val="100000"/>
-              </a:lnSpc>
-              <a:buNone/>
-            </a:pPr>
-            <a:fld id="{608E849D-4E36-45B1-8DA0-95EE33668B27}" type="slidenum">
-              <a:rPr b="0" lang="en-IN" sz="1200" spc="-1" strike="noStrike">
-                <a:solidFill>
-                  <a:schemeClr val="dk1">
-                    <a:tint val="75000"/>
-                  </a:schemeClr>
-                </a:solidFill>
-                <a:latin typeface="Calibri"/>
-              </a:rPr>
-              <a:t>&lt;number&gt;</a:t>
-            </a:fld>
-            <a:endParaRPr b="0" lang="en-IN" sz="1200" spc="-1" strike="noStrike">
               <a:solidFill>
                 <a:srgbClr val="000000"/>
               </a:solidFill>
@@ -6384,7 +4522,7 @@
       </p:grpSpPr>
       <p:sp>
         <p:nvSpPr>
-          <p:cNvPr id="46" name="PlaceHolder 1"/>
+          <p:cNvPr id="35" name="PlaceHolder 1"/>
           <p:cNvSpPr>
             <a:spLocks noGrp="1"/>
           </p:cNvSpPr>
@@ -6395,7 +4533,7 @@
         <p:spPr>
           <a:xfrm>
             <a:off x="838080" y="365040"/>
-            <a:ext cx="10515240" cy="1325160"/>
+            <a:ext cx="10514880" cy="1324800"/>
           </a:xfrm>
           <a:prstGeom prst="rect">
             <a:avLst/>
@@ -6406,48 +4544,45 @@
           </a:ln>
         </p:spPr>
         <p:txBody>
-          <a:bodyPr lIns="91440" rIns="91440" tIns="45720" bIns="45720" anchor="ctr">
+          <a:bodyPr lIns="0" rIns="0" tIns="0" bIns="0" anchor="ctr">
             <a:noAutofit/>
           </a:bodyPr>
           <a:p>
-            <a:pPr indent="0" defTabSz="914400">
-              <a:lnSpc>
-                <a:spcPct val="90000"/>
-              </a:lnSpc>
-              <a:buNone/>
-            </a:pPr>
-            <a:r>
-              <a:rPr b="0" lang="en-US" sz="4400" spc="-1" strike="noStrike">
-                <a:solidFill>
-                  <a:schemeClr val="dk1"/>
-                </a:solidFill>
-                <a:latin typeface="Calibri Light"/>
-              </a:rPr>
-              <a:t>Click to edit Master title style</a:t>
-            </a:r>
-            <a:endParaRPr b="0" lang="en-US" sz="4400" spc="-1" strike="noStrike">
-              <a:solidFill>
-                <a:schemeClr val="dk1"/>
-              </a:solidFill>
-              <a:latin typeface="Calibri"/>
-            </a:endParaRPr>
-          </a:p>
-        </p:txBody>
-      </p:sp>
-      <p:sp>
-        <p:nvSpPr>
-          <p:cNvPr id="47" name="PlaceHolder 2"/>
-          <p:cNvSpPr>
-            <a:spLocks noGrp="1"/>
-          </p:cNvSpPr>
-          <p:nvPr>
-            <p:ph type="dt" idx="22"/>
+            <a:pPr indent="0">
+              <a:buNone/>
+            </a:pPr>
+            <a:r>
+              <a:rPr b="0" lang="en-IN" sz="1800" spc="-1" strike="noStrike">
+                <a:solidFill>
+                  <a:srgbClr val="000000"/>
+                </a:solidFill>
+                <a:latin typeface="Arial"/>
+              </a:rPr>
+              <a:t>Click to edit the title text format</a:t>
+            </a:r>
+            <a:endParaRPr b="0" lang="en-IN" sz="1800" spc="-1" strike="noStrike">
+              <a:solidFill>
+                <a:srgbClr val="000000"/>
+              </a:solidFill>
+              <a:latin typeface="Arial"/>
+            </a:endParaRPr>
+          </a:p>
+        </p:txBody>
+      </p:sp>
+      <p:sp>
+        <p:nvSpPr>
+          <p:cNvPr id="36" name="PlaceHolder 2"/>
+          <p:cNvSpPr>
+            <a:spLocks noGrp="1"/>
+          </p:cNvSpPr>
+          <p:nvPr>
+            <p:ph type="ftr" idx="22"/>
           </p:nvPr>
         </p:nvSpPr>
         <p:spPr>
           <a:xfrm>
-            <a:off x="838080" y="6356520"/>
-            <a:ext cx="2742840" cy="364680"/>
+            <a:off x="4038480" y="6356520"/>
+            <a:ext cx="4114080" cy="364320"/>
           </a:xfrm>
           <a:prstGeom prst="rect">
             <a:avLst/>
@@ -6462,40 +4597,42 @@
             <a:noAutofit/>
           </a:bodyPr>
           <a:lstStyle>
-            <a:lvl1pPr indent="0" defTabSz="914400">
+            <a:lvl1pPr indent="0" algn="ctr">
               <a:lnSpc>
                 <a:spcPct val="100000"/>
               </a:lnSpc>
               <a:buNone/>
-              <a:defRPr b="0" lang="en-IN" sz="1200" spc="-1" strike="noStrike">
-                <a:solidFill>
-                  <a:schemeClr val="dk1">
-                    <a:tint val="75000"/>
-                  </a:schemeClr>
-                </a:solidFill>
-                <a:latin typeface="Calibri"/>
+              <a:tabLst>
+                <a:tab algn="l" pos="0"/>
+              </a:tabLst>
+              <a:defRPr b="0" lang="en-IN" sz="1400" spc="-1" strike="noStrike">
+                <a:solidFill>
+                  <a:srgbClr val="000000"/>
+                </a:solidFill>
+                <a:latin typeface="Times New Roman"/>
               </a:defRPr>
             </a:lvl1pPr>
           </a:lstStyle>
           <a:p>
-            <a:pPr indent="0" defTabSz="914400">
+            <a:pPr indent="0" algn="ctr">
               <a:lnSpc>
                 <a:spcPct val="100000"/>
               </a:lnSpc>
               <a:buNone/>
-            </a:pPr>
-            <a:r>
-              <a:rPr b="0" lang="en-IN" sz="1200" spc="-1" strike="noStrike">
-                <a:solidFill>
-                  <a:schemeClr val="dk1">
-                    <a:tint val="75000"/>
-                  </a:schemeClr>
-                </a:solidFill>
-                <a:latin typeface="Calibri"/>
-              </a:rPr>
-              <a:t>&lt;date/time&gt;</a:t>
-            </a:r>
-            <a:endParaRPr b="0" lang="en-IN" sz="1200" spc="-1" strike="noStrike">
+              <a:tabLst>
+                <a:tab algn="l" pos="0"/>
+              </a:tabLst>
+            </a:pPr>
+            <a:r>
+              <a:rPr b="0" lang="en-IN" sz="1400" spc="-1" strike="noStrike">
+                <a:solidFill>
+                  <a:srgbClr val="000000"/>
+                </a:solidFill>
+                <a:latin typeface="Times New Roman"/>
+              </a:rPr>
+              <a:t>&lt;footer&gt;</a:t>
+            </a:r>
+            <a:endParaRPr b="0" lang="en-IN" sz="1400" spc="-1" strike="noStrike">
               <a:solidFill>
                 <a:srgbClr val="000000"/>
               </a:solidFill>
@@ -6506,18 +4643,18 @@
       </p:sp>
       <p:sp>
         <p:nvSpPr>
-          <p:cNvPr id="48" name="PlaceHolder 3"/>
-          <p:cNvSpPr>
-            <a:spLocks noGrp="1"/>
-          </p:cNvSpPr>
-          <p:nvPr>
-            <p:ph type="ftr" idx="23"/>
+          <p:cNvPr id="37" name="PlaceHolder 3"/>
+          <p:cNvSpPr>
+            <a:spLocks noGrp="1"/>
+          </p:cNvSpPr>
+          <p:nvPr>
+            <p:ph type="sldNum" idx="23"/>
           </p:nvPr>
         </p:nvSpPr>
         <p:spPr>
           <a:xfrm>
-            <a:off x="4038480" y="6356520"/>
-            <a:ext cx="4114440" cy="364680"/>
+            <a:off x="8610480" y="6356520"/>
+            <a:ext cx="2742480" cy="364320"/>
           </a:xfrm>
           <a:prstGeom prst="rect">
             <a:avLst/>
@@ -6532,30 +4669,46 @@
             <a:noAutofit/>
           </a:bodyPr>
           <a:lstStyle>
-            <a:lvl1pPr indent="0" algn="ctr">
-              <a:buNone/>
-              <a:defRPr b="0" lang="en-IN" sz="1400" spc="-1" strike="noStrike">
-                <a:solidFill>
-                  <a:srgbClr val="000000"/>
-                </a:solidFill>
-                <a:latin typeface="Times New Roman"/>
+            <a:lvl1pPr indent="0" algn="r" defTabSz="914400">
+              <a:lnSpc>
+                <a:spcPct val="100000"/>
+              </a:lnSpc>
+              <a:buNone/>
+              <a:tabLst>
+                <a:tab algn="l" pos="0"/>
+              </a:tabLst>
+              <a:defRPr b="0" lang="en-IN" sz="1200" spc="-1" strike="noStrike">
+                <a:solidFill>
+                  <a:schemeClr val="dk1">
+                    <a:tint val="75000"/>
+                  </a:schemeClr>
+                </a:solidFill>
+                <a:latin typeface="Calibri"/>
               </a:defRPr>
             </a:lvl1pPr>
           </a:lstStyle>
           <a:p>
-            <a:pPr indent="0" algn="ctr">
-              <a:buNone/>
-            </a:pPr>
-            <a:r>
-              <a:rPr b="0" lang="en-IN" sz="1400" spc="-1" strike="noStrike">
-                <a:solidFill>
-                  <a:srgbClr val="000000"/>
-                </a:solidFill>
-                <a:latin typeface="Times New Roman"/>
-              </a:rPr>
-              <a:t>&lt;footer&gt;</a:t>
-            </a:r>
-            <a:endParaRPr b="0" lang="en-IN" sz="1400" spc="-1" strike="noStrike">
+            <a:pPr indent="0" algn="r" defTabSz="914400">
+              <a:lnSpc>
+                <a:spcPct val="100000"/>
+              </a:lnSpc>
+              <a:buNone/>
+              <a:tabLst>
+                <a:tab algn="l" pos="0"/>
+              </a:tabLst>
+            </a:pPr>
+            <a:fld id="{29B86F81-6C20-4138-B78E-F82BD949B121}" type="slidenum">
+              <a:rPr b="0" lang="en-IN" sz="1200" spc="-1" strike="noStrike">
+                <a:solidFill>
+                  <a:schemeClr val="dk1">
+                    <a:tint val="75000"/>
+                  </a:schemeClr>
+                </a:solidFill>
+                <a:latin typeface="Calibri"/>
+              </a:rPr>
+              <a:t>&lt;number&gt;</a:t>
+            </a:fld>
+            <a:endParaRPr b="0" lang="en-IN" sz="1200" spc="-1" strike="noStrike">
               <a:solidFill>
                 <a:srgbClr val="000000"/>
               </a:solidFill>
@@ -6566,18 +4719,18 @@
       </p:sp>
       <p:sp>
         <p:nvSpPr>
-          <p:cNvPr id="49" name="PlaceHolder 4"/>
-          <p:cNvSpPr>
-            <a:spLocks noGrp="1"/>
-          </p:cNvSpPr>
-          <p:nvPr>
-            <p:ph type="sldNum" idx="24"/>
+          <p:cNvPr id="38" name="PlaceHolder 4"/>
+          <p:cNvSpPr>
+            <a:spLocks noGrp="1"/>
+          </p:cNvSpPr>
+          <p:nvPr>
+            <p:ph type="dt" idx="24"/>
           </p:nvPr>
         </p:nvSpPr>
         <p:spPr>
           <a:xfrm>
-            <a:off x="8610480" y="6356520"/>
-            <a:ext cx="2742840" cy="364680"/>
+            <a:off x="838080" y="6356520"/>
+            <a:ext cx="2742480" cy="364320"/>
           </a:xfrm>
           <a:prstGeom prst="rect">
             <a:avLst/>
@@ -6592,40 +4745,30 @@
             <a:noAutofit/>
           </a:bodyPr>
           <a:lstStyle>
-            <a:lvl1pPr indent="0" algn="r" defTabSz="914400">
-              <a:lnSpc>
-                <a:spcPct val="100000"/>
-              </a:lnSpc>
-              <a:buNone/>
-              <a:defRPr b="0" lang="en-IN" sz="1200" spc="-1" strike="noStrike">
-                <a:solidFill>
-                  <a:schemeClr val="dk1">
-                    <a:tint val="75000"/>
-                  </a:schemeClr>
-                </a:solidFill>
-                <a:latin typeface="Calibri"/>
+            <a:lvl1pPr indent="0">
+              <a:buNone/>
+              <a:defRPr b="0" lang="en-IN" sz="1400" spc="-1" strike="noStrike">
+                <a:solidFill>
+                  <a:srgbClr val="000000"/>
+                </a:solidFill>
+                <a:latin typeface="Times New Roman"/>
               </a:defRPr>
             </a:lvl1pPr>
           </a:lstStyle>
           <a:p>
-            <a:pPr indent="0" algn="r" defTabSz="914400">
-              <a:lnSpc>
-                <a:spcPct val="100000"/>
-              </a:lnSpc>
-              <a:buNone/>
-            </a:pPr>
-            <a:fld id="{C4CEDB81-CE3F-4868-A255-C12FDD96BF76}" type="slidenum">
-              <a:rPr b="0" lang="en-IN" sz="1200" spc="-1" strike="noStrike">
-                <a:solidFill>
-                  <a:schemeClr val="dk1">
-                    <a:tint val="75000"/>
-                  </a:schemeClr>
-                </a:solidFill>
-                <a:latin typeface="Calibri"/>
-              </a:rPr>
-              <a:t>&lt;number&gt;</a:t>
-            </a:fld>
-            <a:endParaRPr b="0" lang="en-IN" sz="1200" spc="-1" strike="noStrike">
+            <a:pPr indent="0">
+              <a:buNone/>
+            </a:pPr>
+            <a:r>
+              <a:rPr b="0" lang="en-IN" sz="1400" spc="-1" strike="noStrike">
+                <a:solidFill>
+                  <a:srgbClr val="000000"/>
+                </a:solidFill>
+                <a:latin typeface="Times New Roman"/>
+              </a:rPr>
+              <a:t>&lt;date/time&gt;</a:t>
+            </a:r>
+            <a:endParaRPr b="0" lang="en-IN" sz="1400" spc="-1" strike="noStrike">
               <a:solidFill>
                 <a:srgbClr val="000000"/>
               </a:solidFill>
@@ -6636,7 +4779,7 @@
       </p:sp>
       <p:sp>
         <p:nvSpPr>
-          <p:cNvPr id="50" name="PlaceHolder 5"/>
+          <p:cNvPr id="39" name="PlaceHolder 5"/>
           <p:cNvSpPr>
             <a:spLocks noGrp="1"/>
           </p:cNvSpPr>
@@ -6663,9 +4806,6 @@
           </a:bodyPr>
           <a:p>
             <a:pPr marL="432000" indent="-324000">
-              <a:lnSpc>
-                <a:spcPct val="90000"/>
-              </a:lnSpc>
               <a:spcBef>
                 <a:spcPts val="1417"/>
               </a:spcBef>
@@ -6677,26 +4817,23 @@
               <a:buChar char=""/>
             </a:pPr>
             <a:r>
-              <a:rPr b="0" lang="en-US" sz="2800" spc="-1" strike="noStrike">
-                <a:solidFill>
-                  <a:schemeClr val="dk1"/>
-                </a:solidFill>
-                <a:latin typeface="Calibri"/>
+              <a:rPr b="0" lang="en-IN" sz="3200" spc="-1" strike="noStrike">
+                <a:solidFill>
+                  <a:srgbClr val="000000"/>
+                </a:solidFill>
+                <a:latin typeface="Arial"/>
               </a:rPr>
               <a:t>Click to edit the outline text format</a:t>
             </a:r>
-            <a:endParaRPr b="0" lang="en-US" sz="2800" spc="-1" strike="noStrike">
-              <a:solidFill>
-                <a:schemeClr val="dk1"/>
-              </a:solidFill>
-              <a:latin typeface="Calibri"/>
+            <a:endParaRPr b="0" lang="en-IN" sz="3200" spc="-1" strike="noStrike">
+              <a:solidFill>
+                <a:srgbClr val="000000"/>
+              </a:solidFill>
+              <a:latin typeface="Arial"/>
             </a:endParaRPr>
           </a:p>
           <a:p>
             <a:pPr lvl="1" marL="864000" indent="-324000">
-              <a:lnSpc>
-                <a:spcPct val="90000"/>
-              </a:lnSpc>
               <a:spcBef>
                 <a:spcPts val="1134"/>
               </a:spcBef>
@@ -6708,26 +4845,23 @@
               <a:buChar char=""/>
             </a:pPr>
             <a:r>
-              <a:rPr b="0" lang="en-US" sz="2000" spc="-1" strike="noStrike">
-                <a:solidFill>
-                  <a:schemeClr val="dk1"/>
-                </a:solidFill>
-                <a:latin typeface="Calibri"/>
+              <a:rPr b="0" lang="en-IN" sz="2800" spc="-1" strike="noStrike">
+                <a:solidFill>
+                  <a:srgbClr val="000000"/>
+                </a:solidFill>
+                <a:latin typeface="Arial"/>
               </a:rPr>
               <a:t>Second Outline Level</a:t>
             </a:r>
-            <a:endParaRPr b="0" lang="en-US" sz="2000" spc="-1" strike="noStrike">
-              <a:solidFill>
-                <a:schemeClr val="dk1"/>
-              </a:solidFill>
-              <a:latin typeface="Calibri"/>
+            <a:endParaRPr b="0" lang="en-IN" sz="2800" spc="-1" strike="noStrike">
+              <a:solidFill>
+                <a:srgbClr val="000000"/>
+              </a:solidFill>
+              <a:latin typeface="Arial"/>
             </a:endParaRPr>
           </a:p>
           <a:p>
             <a:pPr lvl="2" marL="1296000" indent="-288000">
-              <a:lnSpc>
-                <a:spcPct val="90000"/>
-              </a:lnSpc>
               <a:spcBef>
                 <a:spcPts val="850"/>
               </a:spcBef>
@@ -6739,26 +4873,23 @@
               <a:buChar char=""/>
             </a:pPr>
             <a:r>
-              <a:rPr b="0" lang="en-US" sz="1800" spc="-1" strike="noStrike">
-                <a:solidFill>
-                  <a:schemeClr val="dk1"/>
-                </a:solidFill>
-                <a:latin typeface="Calibri"/>
+              <a:rPr b="0" lang="en-IN" sz="2400" spc="-1" strike="noStrike">
+                <a:solidFill>
+                  <a:srgbClr val="000000"/>
+                </a:solidFill>
+                <a:latin typeface="Arial"/>
               </a:rPr>
               <a:t>Third Outline Level</a:t>
             </a:r>
-            <a:endParaRPr b="0" lang="en-US" sz="1800" spc="-1" strike="noStrike">
-              <a:solidFill>
-                <a:schemeClr val="dk1"/>
-              </a:solidFill>
-              <a:latin typeface="Calibri"/>
+            <a:endParaRPr b="0" lang="en-IN" sz="2400" spc="-1" strike="noStrike">
+              <a:solidFill>
+                <a:srgbClr val="000000"/>
+              </a:solidFill>
+              <a:latin typeface="Arial"/>
             </a:endParaRPr>
           </a:p>
           <a:p>
             <a:pPr lvl="3" marL="1728000" indent="-216000">
-              <a:lnSpc>
-                <a:spcPct val="90000"/>
-              </a:lnSpc>
               <a:spcBef>
                 <a:spcPts val="567"/>
               </a:spcBef>
@@ -6770,26 +4901,23 @@
               <a:buChar char=""/>
             </a:pPr>
             <a:r>
-              <a:rPr b="0" lang="en-US" sz="1800" spc="-1" strike="noStrike">
-                <a:solidFill>
-                  <a:schemeClr val="dk1"/>
-                </a:solidFill>
-                <a:latin typeface="Calibri"/>
+              <a:rPr b="0" lang="en-IN" sz="2000" spc="-1" strike="noStrike">
+                <a:solidFill>
+                  <a:srgbClr val="000000"/>
+                </a:solidFill>
+                <a:latin typeface="Arial"/>
               </a:rPr>
               <a:t>Fourth Outline Level</a:t>
             </a:r>
-            <a:endParaRPr b="0" lang="en-US" sz="1800" spc="-1" strike="noStrike">
-              <a:solidFill>
-                <a:schemeClr val="dk1"/>
-              </a:solidFill>
-              <a:latin typeface="Calibri"/>
+            <a:endParaRPr b="0" lang="en-IN" sz="2000" spc="-1" strike="noStrike">
+              <a:solidFill>
+                <a:srgbClr val="000000"/>
+              </a:solidFill>
+              <a:latin typeface="Arial"/>
             </a:endParaRPr>
           </a:p>
           <a:p>
             <a:pPr lvl="4" marL="2160000" indent="-216000">
-              <a:lnSpc>
-                <a:spcPct val="90000"/>
-              </a:lnSpc>
               <a:spcBef>
                 <a:spcPts val="283"/>
               </a:spcBef>
@@ -6801,26 +4929,23 @@
               <a:buChar char=""/>
             </a:pPr>
             <a:r>
-              <a:rPr b="0" lang="en-US" sz="2000" spc="-1" strike="noStrike">
-                <a:solidFill>
-                  <a:schemeClr val="dk1"/>
-                </a:solidFill>
-                <a:latin typeface="Calibri"/>
+              <a:rPr b="0" lang="en-IN" sz="2000" spc="-1" strike="noStrike">
+                <a:solidFill>
+                  <a:srgbClr val="000000"/>
+                </a:solidFill>
+                <a:latin typeface="Arial"/>
               </a:rPr>
               <a:t>Fifth Outline Level</a:t>
             </a:r>
-            <a:endParaRPr b="0" lang="en-US" sz="2000" spc="-1" strike="noStrike">
-              <a:solidFill>
-                <a:schemeClr val="dk1"/>
-              </a:solidFill>
-              <a:latin typeface="Calibri"/>
+            <a:endParaRPr b="0" lang="en-IN" sz="2000" spc="-1" strike="noStrike">
+              <a:solidFill>
+                <a:srgbClr val="000000"/>
+              </a:solidFill>
+              <a:latin typeface="Arial"/>
             </a:endParaRPr>
           </a:p>
           <a:p>
             <a:pPr lvl="5" marL="2592000" indent="-216000">
-              <a:lnSpc>
-                <a:spcPct val="90000"/>
-              </a:lnSpc>
               <a:spcBef>
                 <a:spcPts val="283"/>
               </a:spcBef>
@@ -6832,26 +4957,23 @@
               <a:buChar char=""/>
             </a:pPr>
             <a:r>
-              <a:rPr b="0" lang="en-US" sz="2000" spc="-1" strike="noStrike">
-                <a:solidFill>
-                  <a:schemeClr val="dk1"/>
-                </a:solidFill>
-                <a:latin typeface="Calibri"/>
+              <a:rPr b="0" lang="en-IN" sz="2000" spc="-1" strike="noStrike">
+                <a:solidFill>
+                  <a:srgbClr val="000000"/>
+                </a:solidFill>
+                <a:latin typeface="Arial"/>
               </a:rPr>
               <a:t>Sixth Outline Level</a:t>
             </a:r>
-            <a:endParaRPr b="0" lang="en-US" sz="2000" spc="-1" strike="noStrike">
-              <a:solidFill>
-                <a:schemeClr val="dk1"/>
-              </a:solidFill>
-              <a:latin typeface="Calibri"/>
+            <a:endParaRPr b="0" lang="en-IN" sz="2000" spc="-1" strike="noStrike">
+              <a:solidFill>
+                <a:srgbClr val="000000"/>
+              </a:solidFill>
+              <a:latin typeface="Arial"/>
             </a:endParaRPr>
           </a:p>
           <a:p>
             <a:pPr lvl="6" marL="3024000" indent="-216000">
-              <a:lnSpc>
-                <a:spcPct val="90000"/>
-              </a:lnSpc>
               <a:spcBef>
                 <a:spcPts val="283"/>
               </a:spcBef>
@@ -6863,19 +4985,19 @@
               <a:buChar char=""/>
             </a:pPr>
             <a:r>
-              <a:rPr b="0" lang="en-US" sz="2000" spc="-1" strike="noStrike">
-                <a:solidFill>
-                  <a:schemeClr val="dk1"/>
-                </a:solidFill>
-                <a:latin typeface="Calibri"/>
+              <a:rPr b="0" lang="en-IN" sz="2000" spc="-1" strike="noStrike">
+                <a:solidFill>
+                  <a:srgbClr val="000000"/>
+                </a:solidFill>
+                <a:latin typeface="Arial"/>
               </a:rPr>
               <a:t>Seventh Outline Level</a:t>
             </a:r>
-            <a:endParaRPr b="0" lang="en-US" sz="2000" spc="-1" strike="noStrike">
-              <a:solidFill>
-                <a:schemeClr val="dk1"/>
-              </a:solidFill>
-              <a:latin typeface="Calibri"/>
+            <a:endParaRPr b="0" lang="en-IN" sz="2000" spc="-1" strike="noStrike">
+              <a:solidFill>
+                <a:srgbClr val="000000"/>
+              </a:solidFill>
+              <a:latin typeface="Arial"/>
             </a:endParaRPr>
           </a:p>
         </p:txBody>
@@ -6915,18 +5037,18 @@
       </p:grpSpPr>
       <p:sp>
         <p:nvSpPr>
-          <p:cNvPr id="52" name="PlaceHolder 1"/>
-          <p:cNvSpPr>
-            <a:spLocks noGrp="1"/>
-          </p:cNvSpPr>
-          <p:nvPr>
-            <p:ph type="dt" idx="25"/>
+          <p:cNvPr id="41" name="PlaceHolder 1"/>
+          <p:cNvSpPr>
+            <a:spLocks noGrp="1"/>
+          </p:cNvSpPr>
+          <p:nvPr>
+            <p:ph type="ftr" idx="25"/>
           </p:nvPr>
         </p:nvSpPr>
         <p:spPr>
           <a:xfrm>
-            <a:off x="838080" y="6356520"/>
-            <a:ext cx="2742840" cy="364680"/>
+            <a:off x="4038480" y="6356520"/>
+            <a:ext cx="4114080" cy="364320"/>
           </a:xfrm>
           <a:prstGeom prst="rect">
             <a:avLst/>
@@ -6941,40 +5063,42 @@
             <a:noAutofit/>
           </a:bodyPr>
           <a:lstStyle>
-            <a:lvl1pPr indent="0" defTabSz="914400">
+            <a:lvl1pPr indent="0" algn="ctr">
               <a:lnSpc>
                 <a:spcPct val="100000"/>
               </a:lnSpc>
               <a:buNone/>
-              <a:defRPr b="0" lang="en-IN" sz="1200" spc="-1" strike="noStrike">
-                <a:solidFill>
-                  <a:schemeClr val="dk1">
-                    <a:tint val="75000"/>
-                  </a:schemeClr>
-                </a:solidFill>
-                <a:latin typeface="Calibri"/>
+              <a:tabLst>
+                <a:tab algn="l" pos="0"/>
+              </a:tabLst>
+              <a:defRPr b="0" lang="en-IN" sz="1400" spc="-1" strike="noStrike">
+                <a:solidFill>
+                  <a:srgbClr val="000000"/>
+                </a:solidFill>
+                <a:latin typeface="Times New Roman"/>
               </a:defRPr>
             </a:lvl1pPr>
           </a:lstStyle>
           <a:p>
-            <a:pPr indent="0" defTabSz="914400">
+            <a:pPr indent="0" algn="ctr">
               <a:lnSpc>
                 <a:spcPct val="100000"/>
               </a:lnSpc>
               <a:buNone/>
-            </a:pPr>
-            <a:r>
-              <a:rPr b="0" lang="en-IN" sz="1200" spc="-1" strike="noStrike">
-                <a:solidFill>
-                  <a:schemeClr val="dk1">
-                    <a:tint val="75000"/>
-                  </a:schemeClr>
-                </a:solidFill>
-                <a:latin typeface="Calibri"/>
-              </a:rPr>
-              <a:t>&lt;date/time&gt;</a:t>
-            </a:r>
-            <a:endParaRPr b="0" lang="en-IN" sz="1200" spc="-1" strike="noStrike">
+              <a:tabLst>
+                <a:tab algn="l" pos="0"/>
+              </a:tabLst>
+            </a:pPr>
+            <a:r>
+              <a:rPr b="0" lang="en-IN" sz="1400" spc="-1" strike="noStrike">
+                <a:solidFill>
+                  <a:srgbClr val="000000"/>
+                </a:solidFill>
+                <a:latin typeface="Times New Roman"/>
+              </a:rPr>
+              <a:t>&lt;footer&gt;</a:t>
+            </a:r>
+            <a:endParaRPr b="0" lang="en-IN" sz="1400" spc="-1" strike="noStrike">
               <a:solidFill>
                 <a:srgbClr val="000000"/>
               </a:solidFill>
@@ -6985,18 +5109,18 @@
       </p:sp>
       <p:sp>
         <p:nvSpPr>
-          <p:cNvPr id="53" name="PlaceHolder 2"/>
-          <p:cNvSpPr>
-            <a:spLocks noGrp="1"/>
-          </p:cNvSpPr>
-          <p:nvPr>
-            <p:ph type="ftr" idx="26"/>
+          <p:cNvPr id="42" name="PlaceHolder 2"/>
+          <p:cNvSpPr>
+            <a:spLocks noGrp="1"/>
+          </p:cNvSpPr>
+          <p:nvPr>
+            <p:ph type="sldNum" idx="26"/>
           </p:nvPr>
         </p:nvSpPr>
         <p:spPr>
           <a:xfrm>
-            <a:off x="4038480" y="6356520"/>
-            <a:ext cx="4114440" cy="364680"/>
+            <a:off x="8610480" y="6356520"/>
+            <a:ext cx="2742480" cy="364320"/>
           </a:xfrm>
           <a:prstGeom prst="rect">
             <a:avLst/>
@@ -7011,30 +5135,46 @@
             <a:noAutofit/>
           </a:bodyPr>
           <a:lstStyle>
-            <a:lvl1pPr indent="0" algn="ctr">
-              <a:buNone/>
-              <a:defRPr b="0" lang="en-IN" sz="1400" spc="-1" strike="noStrike">
-                <a:solidFill>
-                  <a:srgbClr val="000000"/>
-                </a:solidFill>
-                <a:latin typeface="Times New Roman"/>
+            <a:lvl1pPr indent="0" algn="r" defTabSz="914400">
+              <a:lnSpc>
+                <a:spcPct val="100000"/>
+              </a:lnSpc>
+              <a:buNone/>
+              <a:tabLst>
+                <a:tab algn="l" pos="0"/>
+              </a:tabLst>
+              <a:defRPr b="0" lang="en-IN" sz="1200" spc="-1" strike="noStrike">
+                <a:solidFill>
+                  <a:schemeClr val="dk1">
+                    <a:tint val="75000"/>
+                  </a:schemeClr>
+                </a:solidFill>
+                <a:latin typeface="Calibri"/>
               </a:defRPr>
             </a:lvl1pPr>
           </a:lstStyle>
           <a:p>
-            <a:pPr indent="0" algn="ctr">
-              <a:buNone/>
-            </a:pPr>
-            <a:r>
-              <a:rPr b="0" lang="en-IN" sz="1400" spc="-1" strike="noStrike">
-                <a:solidFill>
-                  <a:srgbClr val="000000"/>
-                </a:solidFill>
-                <a:latin typeface="Times New Roman"/>
-              </a:rPr>
-              <a:t>&lt;footer&gt;</a:t>
-            </a:r>
-            <a:endParaRPr b="0" lang="en-IN" sz="1400" spc="-1" strike="noStrike">
+            <a:pPr indent="0" algn="r" defTabSz="914400">
+              <a:lnSpc>
+                <a:spcPct val="100000"/>
+              </a:lnSpc>
+              <a:buNone/>
+              <a:tabLst>
+                <a:tab algn="l" pos="0"/>
+              </a:tabLst>
+            </a:pPr>
+            <a:fld id="{6788590C-87BB-4A20-A76D-25EE0C999B9A}" type="slidenum">
+              <a:rPr b="0" lang="en-IN" sz="1200" spc="-1" strike="noStrike">
+                <a:solidFill>
+                  <a:schemeClr val="dk1">
+                    <a:tint val="75000"/>
+                  </a:schemeClr>
+                </a:solidFill>
+                <a:latin typeface="Calibri"/>
+              </a:rPr>
+              <a:t>&lt;number&gt;</a:t>
+            </a:fld>
+            <a:endParaRPr b="0" lang="en-IN" sz="1200" spc="-1" strike="noStrike">
               <a:solidFill>
                 <a:srgbClr val="000000"/>
               </a:solidFill>
@@ -7045,18 +5185,18 @@
       </p:sp>
       <p:sp>
         <p:nvSpPr>
-          <p:cNvPr id="54" name="PlaceHolder 3"/>
-          <p:cNvSpPr>
-            <a:spLocks noGrp="1"/>
-          </p:cNvSpPr>
-          <p:nvPr>
-            <p:ph type="sldNum" idx="27"/>
+          <p:cNvPr id="43" name="PlaceHolder 3"/>
+          <p:cNvSpPr>
+            <a:spLocks noGrp="1"/>
+          </p:cNvSpPr>
+          <p:nvPr>
+            <p:ph type="dt" idx="27"/>
           </p:nvPr>
         </p:nvSpPr>
         <p:spPr>
           <a:xfrm>
-            <a:off x="8610480" y="6356520"/>
-            <a:ext cx="2742840" cy="364680"/>
+            <a:off x="838080" y="6356520"/>
+            <a:ext cx="2742480" cy="364320"/>
           </a:xfrm>
           <a:prstGeom prst="rect">
             <a:avLst/>
@@ -7071,40 +5211,30 @@
             <a:noAutofit/>
           </a:bodyPr>
           <a:lstStyle>
-            <a:lvl1pPr indent="0" algn="r" defTabSz="914400">
-              <a:lnSpc>
-                <a:spcPct val="100000"/>
-              </a:lnSpc>
-              <a:buNone/>
-              <a:defRPr b="0" lang="en-IN" sz="1200" spc="-1" strike="noStrike">
-                <a:solidFill>
-                  <a:schemeClr val="dk1">
-                    <a:tint val="75000"/>
-                  </a:schemeClr>
-                </a:solidFill>
-                <a:latin typeface="Calibri"/>
+            <a:lvl1pPr indent="0">
+              <a:buNone/>
+              <a:defRPr b="0" lang="en-IN" sz="1400" spc="-1" strike="noStrike">
+                <a:solidFill>
+                  <a:srgbClr val="000000"/>
+                </a:solidFill>
+                <a:latin typeface="Times New Roman"/>
               </a:defRPr>
             </a:lvl1pPr>
           </a:lstStyle>
           <a:p>
-            <a:pPr indent="0" algn="r" defTabSz="914400">
-              <a:lnSpc>
-                <a:spcPct val="100000"/>
-              </a:lnSpc>
-              <a:buNone/>
-            </a:pPr>
-            <a:fld id="{3EE507F5-67D6-4F95-8809-790E1BFD547C}" type="slidenum">
-              <a:rPr b="0" lang="en-IN" sz="1200" spc="-1" strike="noStrike">
-                <a:solidFill>
-                  <a:schemeClr val="dk1">
-                    <a:tint val="75000"/>
-                  </a:schemeClr>
-                </a:solidFill>
-                <a:latin typeface="Calibri"/>
-              </a:rPr>
-              <a:t>&lt;number&gt;</a:t>
-            </a:fld>
-            <a:endParaRPr b="0" lang="en-IN" sz="1200" spc="-1" strike="noStrike">
+            <a:pPr indent="0">
+              <a:buNone/>
+            </a:pPr>
+            <a:r>
+              <a:rPr b="0" lang="en-IN" sz="1400" spc="-1" strike="noStrike">
+                <a:solidFill>
+                  <a:srgbClr val="000000"/>
+                </a:solidFill>
+                <a:latin typeface="Times New Roman"/>
+              </a:rPr>
+              <a:t>&lt;date/time&gt;</a:t>
+            </a:r>
+            <a:endParaRPr b="0" lang="en-IN" sz="1400" spc="-1" strike="noStrike">
               <a:solidFill>
                 <a:srgbClr val="000000"/>
               </a:solidFill>
@@ -7141,7 +5271,7 @@
       </p:grpSpPr>
       <p:sp>
         <p:nvSpPr>
-          <p:cNvPr id="67" name="PlaceHolder 1"/>
+          <p:cNvPr id="50" name="PlaceHolder 1"/>
           <p:cNvSpPr>
             <a:spLocks noGrp="1"/>
           </p:cNvSpPr>
@@ -7152,7 +5282,7 @@
         <p:spPr>
           <a:xfrm>
             <a:off x="2060640" y="833400"/>
-            <a:ext cx="9841680" cy="863280"/>
+            <a:ext cx="9841320" cy="862920"/>
           </a:xfrm>
           <a:prstGeom prst="rect">
             <a:avLst/>
@@ -7164,7 +5294,7 @@
         </p:spPr>
         <p:txBody>
           <a:bodyPr lIns="91440" rIns="91440" tIns="45720" bIns="45720" anchor="b">
-            <a:normAutofit fontScale="85819"/>
+            <a:normAutofit fontScale="85555"/>
           </a:bodyPr>
           <a:p>
             <a:pPr indent="0" algn="ctr" defTabSz="914400">
@@ -7172,6 +5302,9 @@
                 <a:spcPct val="90000"/>
               </a:lnSpc>
               <a:buNone/>
+              <a:tabLst>
+                <a:tab algn="l" pos="0"/>
+              </a:tabLst>
             </a:pPr>
             <a:r>
               <a:rPr b="0" lang="en-IN" sz="6000" spc="-1" strike="noStrike">
@@ -7182,18 +5315,18 @@
               </a:rPr>
               <a:t>Data Structures and Algorithms </a:t>
             </a:r>
-            <a:endParaRPr b="0" lang="en-US" sz="6000" spc="-1" strike="noStrike">
-              <a:solidFill>
-                <a:schemeClr val="dk1"/>
-              </a:solidFill>
-              <a:latin typeface="Calibri"/>
-            </a:endParaRPr>
-          </a:p>
-        </p:txBody>
-      </p:sp>
-      <p:sp>
-        <p:nvSpPr>
-          <p:cNvPr id="68" name="PlaceHolder 2"/>
+            <a:endParaRPr b="0" lang="en-IN" sz="6000" spc="-1" strike="noStrike">
+              <a:solidFill>
+                <a:srgbClr val="000000"/>
+              </a:solidFill>
+              <a:latin typeface="Arial"/>
+            </a:endParaRPr>
+          </a:p>
+        </p:txBody>
+      </p:sp>
+      <p:sp>
+        <p:nvSpPr>
+          <p:cNvPr id="51" name="PlaceHolder 2"/>
           <p:cNvSpPr>
             <a:spLocks noGrp="1"/>
           </p:cNvSpPr>
@@ -7204,7 +5337,7 @@
         <p:spPr>
           <a:xfrm>
             <a:off x="1897560" y="3976560"/>
-            <a:ext cx="9143640" cy="1655280"/>
+            <a:ext cx="9143280" cy="1654920"/>
           </a:xfrm>
           <a:prstGeom prst="rect">
             <a:avLst/>
@@ -7216,7 +5349,7 @@
         </p:spPr>
         <p:txBody>
           <a:bodyPr lIns="91440" rIns="91440" tIns="45720" bIns="45720" anchor="t">
-            <a:normAutofit fontScale="87465"/>
+            <a:normAutofit fontScale="87222"/>
           </a:bodyPr>
           <a:p>
             <a:pPr indent="0" defTabSz="914400">
@@ -7358,14 +5491,14 @@
       </p:sp>
       <p:sp>
         <p:nvSpPr>
-          <p:cNvPr id="69" name="TextBox 4"/>
+          <p:cNvPr id="52" name="TextBox 4"/>
           <p:cNvSpPr/>
           <p:nvPr/>
         </p:nvSpPr>
         <p:spPr>
           <a:xfrm>
             <a:off x="1454760" y="2349360"/>
-            <a:ext cx="9478440" cy="1065960"/>
+            <a:ext cx="9478080" cy="1065240"/>
           </a:xfrm>
           <a:prstGeom prst="rect">
             <a:avLst/>
@@ -7411,7 +5544,7 @@
       </p:sp>
       <p:pic>
         <p:nvPicPr>
-          <p:cNvPr id="70" name="Picture 2" descr="COEP Technological University"/>
+          <p:cNvPr id="53" name="Picture 2" descr="COEP Technological University"/>
           <p:cNvPicPr/>
           <p:nvPr/>
         </p:nvPicPr>
@@ -7422,7 +5555,7 @@
         <p:spPr>
           <a:xfrm>
             <a:off x="289440" y="97200"/>
-            <a:ext cx="1607760" cy="1911960"/>
+            <a:ext cx="1607400" cy="1911600"/>
           </a:xfrm>
           <a:prstGeom prst="rect">
             <a:avLst/>
@@ -7464,7 +5597,7 @@
       </p:grpSpPr>
       <p:sp>
         <p:nvSpPr>
-          <p:cNvPr id="89" name="PlaceHolder 1"/>
+          <p:cNvPr id="72" name="PlaceHolder 1"/>
           <p:cNvSpPr>
             <a:spLocks noGrp="1"/>
           </p:cNvSpPr>
@@ -7475,7 +5608,7 @@
         <p:spPr>
           <a:xfrm>
             <a:off x="2593080" y="624240"/>
-            <a:ext cx="6436440" cy="632880"/>
+            <a:ext cx="6436080" cy="632520"/>
           </a:xfrm>
           <a:prstGeom prst="rect">
             <a:avLst/>
@@ -7487,7 +5620,7 @@
         </p:spPr>
         <p:txBody>
           <a:bodyPr lIns="91440" rIns="91440" tIns="45720" bIns="45720" anchor="ctr">
-            <a:normAutofit fontScale="80920"/>
+            <a:normAutofit fontScale="81111"/>
           </a:bodyPr>
           <a:p>
             <a:pPr indent="0" defTabSz="914400">
@@ -7495,6 +5628,9 @@
                 <a:spcPct val="90000"/>
               </a:lnSpc>
               <a:buNone/>
+              <a:tabLst>
+                <a:tab algn="l" pos="0"/>
+              </a:tabLst>
             </a:pPr>
             <a:r>
               <a:rPr b="0" lang="en-IN" sz="4400" spc="-1" strike="noStrike">
@@ -7505,18 +5641,18 @@
               </a:rPr>
               <a:t>Pointer Diagram : Hash Table</a:t>
             </a:r>
-            <a:endParaRPr b="0" lang="en-US" sz="4400" spc="-1" strike="noStrike">
-              <a:solidFill>
-                <a:schemeClr val="dk1"/>
-              </a:solidFill>
-              <a:latin typeface="Calibri"/>
+            <a:endParaRPr b="0" lang="en-IN" sz="4400" spc="-1" strike="noStrike">
+              <a:solidFill>
+                <a:srgbClr val="000000"/>
+              </a:solidFill>
+              <a:latin typeface="Arial"/>
             </a:endParaRPr>
           </a:p>
         </p:txBody>
       </p:sp>
       <p:pic>
         <p:nvPicPr>
-          <p:cNvPr id="90" name="Picture 3" descr=""/>
+          <p:cNvPr id="73" name="Picture 3" descr=""/>
           <p:cNvPicPr/>
           <p:nvPr/>
         </p:nvPicPr>
@@ -7527,7 +5663,7 @@
         <p:spPr>
           <a:xfrm>
             <a:off x="1059120" y="1352160"/>
-            <a:ext cx="10073160" cy="5122080"/>
+            <a:ext cx="10072800" cy="5121720"/>
           </a:xfrm>
           <a:prstGeom prst="rect">
             <a:avLst/>
@@ -7569,7 +5705,7 @@
       </p:grpSpPr>
       <p:sp>
         <p:nvSpPr>
-          <p:cNvPr id="91" name="PlaceHolder 1"/>
+          <p:cNvPr id="74" name="PlaceHolder 1"/>
           <p:cNvSpPr>
             <a:spLocks noGrp="1"/>
           </p:cNvSpPr>
@@ -7580,7 +5716,7 @@
         <p:spPr>
           <a:xfrm>
             <a:off x="2593080" y="624240"/>
-            <a:ext cx="5693400" cy="735840"/>
+            <a:ext cx="5693040" cy="735480"/>
           </a:xfrm>
           <a:prstGeom prst="rect">
             <a:avLst/>
@@ -7600,6 +5736,9 @@
                 <a:spcPct val="90000"/>
               </a:lnSpc>
               <a:buNone/>
+              <a:tabLst>
+                <a:tab algn="l" pos="0"/>
+              </a:tabLst>
             </a:pPr>
             <a:r>
               <a:rPr b="0" lang="en-IN" sz="4400" spc="-1" strike="noStrike">
@@ -7610,18 +5749,18 @@
               </a:rPr>
               <a:t>Operations Performed</a:t>
             </a:r>
-            <a:endParaRPr b="0" lang="en-US" sz="4400" spc="-1" strike="noStrike">
-              <a:solidFill>
-                <a:schemeClr val="dk1"/>
-              </a:solidFill>
-              <a:latin typeface="Calibri"/>
-            </a:endParaRPr>
-          </a:p>
-        </p:txBody>
-      </p:sp>
-      <p:sp>
-        <p:nvSpPr>
-          <p:cNvPr id="92" name="PlaceHolder 2"/>
+            <a:endParaRPr b="0" lang="en-IN" sz="4400" spc="-1" strike="noStrike">
+              <a:solidFill>
+                <a:srgbClr val="000000"/>
+              </a:solidFill>
+              <a:latin typeface="Arial"/>
+            </a:endParaRPr>
+          </a:p>
+        </p:txBody>
+      </p:sp>
+      <p:sp>
+        <p:nvSpPr>
+          <p:cNvPr id="75" name="PlaceHolder 2"/>
           <p:cNvSpPr>
             <a:spLocks noGrp="1"/>
           </p:cNvSpPr>
@@ -7632,7 +5771,7 @@
         <p:spPr>
           <a:xfrm>
             <a:off x="1846440" y="1687680"/>
-            <a:ext cx="7491600" cy="2701080"/>
+            <a:ext cx="7491240" cy="2700720"/>
           </a:xfrm>
           <a:prstGeom prst="rect">
             <a:avLst/>
@@ -7669,11 +5808,11 @@
               </a:rPr>
               <a:t>Add a new Block</a:t>
             </a:r>
-            <a:endParaRPr b="0" lang="en-US" sz="3200" spc="-1" strike="noStrike">
-              <a:solidFill>
-                <a:schemeClr val="dk1"/>
-              </a:solidFill>
-              <a:latin typeface="Calibri"/>
+            <a:endParaRPr b="0" lang="en-IN" sz="3200" spc="-1" strike="noStrike">
+              <a:solidFill>
+                <a:srgbClr val="000000"/>
+              </a:solidFill>
+              <a:latin typeface="Arial"/>
             </a:endParaRPr>
           </a:p>
           <a:p>
@@ -7699,11 +5838,11 @@
               </a:rPr>
               <a:t>Mining Operation</a:t>
             </a:r>
-            <a:endParaRPr b="0" lang="en-US" sz="3200" spc="-1" strike="noStrike">
-              <a:solidFill>
-                <a:schemeClr val="dk1"/>
-              </a:solidFill>
-              <a:latin typeface="Calibri"/>
+            <a:endParaRPr b="0" lang="en-IN" sz="3200" spc="-1" strike="noStrike">
+              <a:solidFill>
+                <a:srgbClr val="000000"/>
+              </a:solidFill>
+              <a:latin typeface="Arial"/>
             </a:endParaRPr>
           </a:p>
           <a:p>
@@ -7729,11 +5868,11 @@
               </a:rPr>
               <a:t>View BlockChain</a:t>
             </a:r>
-            <a:endParaRPr b="0" lang="en-US" sz="3200" spc="-1" strike="noStrike">
-              <a:solidFill>
-                <a:schemeClr val="dk1"/>
-              </a:solidFill>
-              <a:latin typeface="Calibri"/>
+            <a:endParaRPr b="0" lang="en-IN" sz="3200" spc="-1" strike="noStrike">
+              <a:solidFill>
+                <a:srgbClr val="000000"/>
+              </a:solidFill>
+              <a:latin typeface="Arial"/>
             </a:endParaRPr>
           </a:p>
           <a:p>
@@ -7759,11 +5898,11 @@
               </a:rPr>
               <a:t>Validate BlockChain Integrity</a:t>
             </a:r>
-            <a:endParaRPr b="0" lang="en-US" sz="3200" spc="-1" strike="noStrike">
-              <a:solidFill>
-                <a:schemeClr val="dk1"/>
-              </a:solidFill>
-              <a:latin typeface="Calibri"/>
+            <a:endParaRPr b="0" lang="en-IN" sz="3200" spc="-1" strike="noStrike">
+              <a:solidFill>
+                <a:srgbClr val="000000"/>
+              </a:solidFill>
+              <a:latin typeface="Arial"/>
             </a:endParaRPr>
           </a:p>
           <a:p>
@@ -7789,11 +5928,11 @@
               </a:rPr>
               <a:t>Search Transactions</a:t>
             </a:r>
-            <a:endParaRPr b="0" lang="en-US" sz="3200" spc="-1" strike="noStrike">
-              <a:solidFill>
-                <a:schemeClr val="dk1"/>
-              </a:solidFill>
-              <a:latin typeface="Calibri"/>
+            <a:endParaRPr b="0" lang="en-IN" sz="3200" spc="-1" strike="noStrike">
+              <a:solidFill>
+                <a:srgbClr val="000000"/>
+              </a:solidFill>
+              <a:latin typeface="Arial"/>
             </a:endParaRPr>
           </a:p>
           <a:p>
@@ -7819,11 +5958,11 @@
               </a:rPr>
               <a:t>Network Connections</a:t>
             </a:r>
-            <a:endParaRPr b="0" lang="en-US" sz="3200" spc="-1" strike="noStrike">
-              <a:solidFill>
-                <a:schemeClr val="dk1"/>
-              </a:solidFill>
-              <a:latin typeface="Calibri"/>
+            <a:endParaRPr b="0" lang="en-IN" sz="3200" spc="-1" strike="noStrike">
+              <a:solidFill>
+                <a:srgbClr val="000000"/>
+              </a:solidFill>
+              <a:latin typeface="Arial"/>
             </a:endParaRPr>
           </a:p>
         </p:txBody>
@@ -7860,7 +5999,7 @@
       </p:grpSpPr>
       <p:sp>
         <p:nvSpPr>
-          <p:cNvPr id="93" name="PlaceHolder 1"/>
+          <p:cNvPr id="76" name="PlaceHolder 1"/>
           <p:cNvSpPr>
             <a:spLocks noGrp="1"/>
           </p:cNvSpPr>
@@ -7871,7 +6010,7 @@
         <p:spPr>
           <a:xfrm>
             <a:off x="3660480" y="589680"/>
-            <a:ext cx="4870440" cy="701280"/>
+            <a:ext cx="4870080" cy="700920"/>
           </a:xfrm>
           <a:prstGeom prst="rect">
             <a:avLst/>
@@ -7891,6 +6030,9 @@
                 <a:spcPct val="90000"/>
               </a:lnSpc>
               <a:buNone/>
+              <a:tabLst>
+                <a:tab algn="l" pos="0"/>
+              </a:tabLst>
             </a:pPr>
             <a:r>
               <a:rPr b="0" lang="en-IN" sz="4400" spc="-1" strike="noStrike">
@@ -7901,18 +6043,18 @@
               </a:rPr>
               <a:t>Flow of the Program</a:t>
             </a:r>
-            <a:endParaRPr b="0" lang="en-US" sz="4400" spc="-1" strike="noStrike">
-              <a:solidFill>
-                <a:schemeClr val="dk1"/>
-              </a:solidFill>
-              <a:latin typeface="Calibri"/>
+            <a:endParaRPr b="0" lang="en-IN" sz="4400" spc="-1" strike="noStrike">
+              <a:solidFill>
+                <a:srgbClr val="000000"/>
+              </a:solidFill>
+              <a:latin typeface="Arial"/>
             </a:endParaRPr>
           </a:p>
         </p:txBody>
       </p:sp>
       <p:pic>
         <p:nvPicPr>
-          <p:cNvPr id="94" name="Content Placeholder 4" descr=""/>
+          <p:cNvPr id="77" name="Content Placeholder 4" descr=""/>
           <p:cNvPicPr/>
           <p:nvPr/>
         </p:nvPicPr>
@@ -7923,7 +6065,7 @@
         <p:spPr>
           <a:xfrm>
             <a:off x="3808080" y="1619280"/>
-            <a:ext cx="4575240" cy="4926240"/>
+            <a:ext cx="4574880" cy="4925880"/>
           </a:xfrm>
           <a:prstGeom prst="rect">
             <a:avLst/>
@@ -7965,7 +6107,7 @@
       </p:grpSpPr>
       <p:sp>
         <p:nvSpPr>
-          <p:cNvPr id="95" name="PlaceHolder 1"/>
+          <p:cNvPr id="78" name="PlaceHolder 1"/>
           <p:cNvSpPr>
             <a:spLocks noGrp="1"/>
           </p:cNvSpPr>
@@ -7976,7 +6118,7 @@
         <p:spPr>
           <a:xfrm>
             <a:off x="838080" y="365040"/>
-            <a:ext cx="10515240" cy="1325160"/>
+            <a:ext cx="10514880" cy="1324800"/>
           </a:xfrm>
           <a:prstGeom prst="rect">
             <a:avLst/>
@@ -7996,6 +6138,9 @@
                 <a:spcPct val="90000"/>
               </a:lnSpc>
               <a:buNone/>
+              <a:tabLst>
+                <a:tab algn="l" pos="0"/>
+              </a:tabLst>
             </a:pPr>
             <a:r>
               <a:rPr b="0" lang="en-IN" sz="4400" spc="-1" strike="noStrike">
@@ -8006,25 +6151,25 @@
               </a:rPr>
               <a:t>Add A new Block To the Block Chain</a:t>
             </a:r>
-            <a:endParaRPr b="0" lang="en-US" sz="4400" spc="-1" strike="noStrike">
-              <a:solidFill>
-                <a:schemeClr val="dk1"/>
-              </a:solidFill>
-              <a:latin typeface="Calibri"/>
-            </a:endParaRPr>
-          </a:p>
-        </p:txBody>
-      </p:sp>
-      <p:sp>
-        <p:nvSpPr>
-          <p:cNvPr id="96" name="TextBox 5"/>
+            <a:endParaRPr b="0" lang="en-IN" sz="4400" spc="-1" strike="noStrike">
+              <a:solidFill>
+                <a:srgbClr val="000000"/>
+              </a:solidFill>
+              <a:latin typeface="Arial"/>
+            </a:endParaRPr>
+          </a:p>
+        </p:txBody>
+      </p:sp>
+      <p:sp>
+        <p:nvSpPr>
+          <p:cNvPr id="79" name="TextBox 5"/>
           <p:cNvSpPr/>
           <p:nvPr/>
         </p:nvSpPr>
         <p:spPr>
           <a:xfrm>
             <a:off x="1828080" y="1475280"/>
-            <a:ext cx="4844160" cy="3138840"/>
+            <a:ext cx="4843800" cy="3138840"/>
           </a:xfrm>
           <a:prstGeom prst="rect">
             <a:avLst/>
@@ -8202,7 +6347,7 @@
       </p:sp>
       <p:pic>
         <p:nvPicPr>
-          <p:cNvPr id="97" name="Picture 9" descr=""/>
+          <p:cNvPr id="80" name="Picture 9" descr=""/>
           <p:cNvPicPr/>
           <p:nvPr/>
         </p:nvPicPr>
@@ -8213,7 +6358,7 @@
         <p:spPr>
           <a:xfrm>
             <a:off x="7365600" y="1264680"/>
-            <a:ext cx="3626280" cy="5495040"/>
+            <a:ext cx="3625920" cy="5494680"/>
           </a:xfrm>
           <a:prstGeom prst="rect">
             <a:avLst/>
@@ -8255,7 +6400,7 @@
       </p:grpSpPr>
       <p:sp>
         <p:nvSpPr>
-          <p:cNvPr id="98" name="PlaceHolder 1"/>
+          <p:cNvPr id="81" name="PlaceHolder 1"/>
           <p:cNvSpPr>
             <a:spLocks noGrp="1"/>
           </p:cNvSpPr>
@@ -8266,7 +6411,7 @@
         <p:spPr>
           <a:xfrm>
             <a:off x="2700000" y="180000"/>
-            <a:ext cx="4430160" cy="766440"/>
+            <a:ext cx="4429800" cy="766080"/>
           </a:xfrm>
           <a:prstGeom prst="rect">
             <a:avLst/>
@@ -8286,6 +6431,9 @@
                 <a:spcPct val="90000"/>
               </a:lnSpc>
               <a:buNone/>
+              <a:tabLst>
+                <a:tab algn="l" pos="0"/>
+              </a:tabLst>
             </a:pPr>
             <a:r>
               <a:rPr b="0" lang="en-IN" sz="4400" spc="-1" strike="noStrike">
@@ -8296,18 +6444,18 @@
               </a:rPr>
               <a:t>Mining Operation</a:t>
             </a:r>
-            <a:endParaRPr b="0" lang="en-US" sz="4400" spc="-1" strike="noStrike">
-              <a:solidFill>
-                <a:schemeClr val="dk1"/>
-              </a:solidFill>
-              <a:latin typeface="Calibri"/>
+            <a:endParaRPr b="0" lang="en-IN" sz="4400" spc="-1" strike="noStrike">
+              <a:solidFill>
+                <a:srgbClr val="000000"/>
+              </a:solidFill>
+              <a:latin typeface="Arial"/>
             </a:endParaRPr>
           </a:p>
         </p:txBody>
       </p:sp>
       <p:pic>
         <p:nvPicPr>
-          <p:cNvPr id="99" name="Content Placeholder 4" descr=""/>
+          <p:cNvPr id="82" name="Content Placeholder 4" descr=""/>
           <p:cNvPicPr/>
           <p:nvPr/>
         </p:nvPicPr>
@@ -8318,7 +6466,7 @@
         <p:spPr>
           <a:xfrm>
             <a:off x="3869280" y="1213920"/>
-            <a:ext cx="4788000" cy="5233680"/>
+            <a:ext cx="4787640" cy="5233320"/>
           </a:xfrm>
           <a:prstGeom prst="rect">
             <a:avLst/>
@@ -8360,7 +6508,7 @@
       </p:grpSpPr>
       <p:sp>
         <p:nvSpPr>
-          <p:cNvPr id="100" name="PlaceHolder 1"/>
+          <p:cNvPr id="83" name="PlaceHolder 1"/>
           <p:cNvSpPr>
             <a:spLocks noGrp="1"/>
           </p:cNvSpPr>
@@ -8371,7 +6519,7 @@
         <p:spPr>
           <a:xfrm>
             <a:off x="2593080" y="624240"/>
-            <a:ext cx="6952680" cy="752040"/>
+            <a:ext cx="6952320" cy="751680"/>
           </a:xfrm>
           <a:prstGeom prst="rect">
             <a:avLst/>
@@ -8391,6 +6539,9 @@
                 <a:spcPct val="90000"/>
               </a:lnSpc>
               <a:buNone/>
+              <a:tabLst>
+                <a:tab algn="l" pos="0"/>
+              </a:tabLst>
             </a:pPr>
             <a:r>
               <a:rPr b="0" lang="en-IN" sz="4400" spc="-1" strike="noStrike">
@@ -8401,18 +6552,18 @@
               </a:rPr>
               <a:t>Validate Block Chain Integrity</a:t>
             </a:r>
-            <a:endParaRPr b="0" lang="en-US" sz="4400" spc="-1" strike="noStrike">
-              <a:solidFill>
-                <a:schemeClr val="dk1"/>
-              </a:solidFill>
-              <a:latin typeface="Calibri"/>
-            </a:endParaRPr>
-          </a:p>
-        </p:txBody>
-      </p:sp>
-      <p:sp>
-        <p:nvSpPr>
-          <p:cNvPr id="101" name="PlaceHolder 2"/>
+            <a:endParaRPr b="0" lang="en-IN" sz="4400" spc="-1" strike="noStrike">
+              <a:solidFill>
+                <a:srgbClr val="000000"/>
+              </a:solidFill>
+              <a:latin typeface="Arial"/>
+            </a:endParaRPr>
+          </a:p>
+        </p:txBody>
+      </p:sp>
+      <p:sp>
+        <p:nvSpPr>
+          <p:cNvPr id="84" name="PlaceHolder 2"/>
           <p:cNvSpPr>
             <a:spLocks noGrp="1"/>
           </p:cNvSpPr>
@@ -8423,7 +6574,7 @@
         <p:spPr>
           <a:xfrm>
             <a:off x="1604520" y="1376640"/>
-            <a:ext cx="9991080" cy="3777120"/>
+            <a:ext cx="9990720" cy="3776760"/>
           </a:xfrm>
           <a:prstGeom prst="rect">
             <a:avLst/>
@@ -8460,11 +6611,11 @@
               </a:rPr>
               <a:t>If Block Chain empty then returns</a:t>
             </a:r>
-            <a:endParaRPr b="0" lang="en-US" sz="2400" spc="-1" strike="noStrike">
-              <a:solidFill>
-                <a:schemeClr val="dk1"/>
-              </a:solidFill>
-              <a:latin typeface="Calibri"/>
+            <a:endParaRPr b="0" lang="en-IN" sz="2400" spc="-1" strike="noStrike">
+              <a:solidFill>
+                <a:srgbClr val="000000"/>
+              </a:solidFill>
+              <a:latin typeface="Arial"/>
             </a:endParaRPr>
           </a:p>
           <a:p>
@@ -8490,11 +6641,11 @@
               </a:rPr>
               <a:t>For genesis block, checks that index = 1, prev hash is a zero string or not, current hash is correct or not. If not then corruption is found.</a:t>
             </a:r>
-            <a:endParaRPr b="0" lang="en-US" sz="2400" spc="-1" strike="noStrike">
-              <a:solidFill>
-                <a:schemeClr val="dk1"/>
-              </a:solidFill>
-              <a:latin typeface="Calibri"/>
+            <a:endParaRPr b="0" lang="en-IN" sz="2400" spc="-1" strike="noStrike">
+              <a:solidFill>
+                <a:srgbClr val="000000"/>
+              </a:solidFill>
+              <a:latin typeface="Arial"/>
             </a:endParaRPr>
           </a:p>
           <a:p>
@@ -8520,11 +6671,11 @@
               </a:rPr>
               <a:t>Checks till block chain ends :</a:t>
             </a:r>
-            <a:endParaRPr b="0" lang="en-US" sz="2400" spc="-1" strike="noStrike">
-              <a:solidFill>
-                <a:schemeClr val="dk1"/>
-              </a:solidFill>
-              <a:latin typeface="Calibri"/>
+            <a:endParaRPr b="0" lang="en-IN" sz="2400" spc="-1" strike="noStrike">
+              <a:solidFill>
+                <a:srgbClr val="000000"/>
+              </a:solidFill>
+              <a:latin typeface="Arial"/>
             </a:endParaRPr>
           </a:p>
           <a:p>
@@ -8558,11 +6709,11 @@
               </a:rPr>
               <a:t>prev hash of current block == curr hash of previous block</a:t>
             </a:r>
-            <a:endParaRPr b="0" lang="en-US" sz="2400" spc="-1" strike="noStrike">
-              <a:solidFill>
-                <a:schemeClr val="dk1"/>
-              </a:solidFill>
-              <a:latin typeface="Calibri"/>
+            <a:endParaRPr b="0" lang="en-IN" sz="2400" spc="-1" strike="noStrike">
+              <a:solidFill>
+                <a:srgbClr val="000000"/>
+              </a:solidFill>
+              <a:latin typeface="Arial"/>
             </a:endParaRPr>
           </a:p>
           <a:p>
@@ -8596,11 +6747,11 @@
               </a:rPr>
               <a:t>index of current block = index of prev block + 1</a:t>
             </a:r>
-            <a:endParaRPr b="0" lang="en-US" sz="2400" spc="-1" strike="noStrike">
-              <a:solidFill>
-                <a:schemeClr val="dk1"/>
-              </a:solidFill>
-              <a:latin typeface="Calibri"/>
+            <a:endParaRPr b="0" lang="en-IN" sz="2400" spc="-1" strike="noStrike">
+              <a:solidFill>
+                <a:srgbClr val="000000"/>
+              </a:solidFill>
+              <a:latin typeface="Arial"/>
             </a:endParaRPr>
           </a:p>
           <a:p>
@@ -8634,11 +6785,11 @@
               </a:rPr>
               <a:t>check for current hash of every block.</a:t>
             </a:r>
-            <a:endParaRPr b="0" lang="en-US" sz="2400" spc="-1" strike="noStrike">
-              <a:solidFill>
-                <a:schemeClr val="dk1"/>
-              </a:solidFill>
-              <a:latin typeface="Calibri"/>
+            <a:endParaRPr b="0" lang="en-IN" sz="2400" spc="-1" strike="noStrike">
+              <a:solidFill>
+                <a:srgbClr val="000000"/>
+              </a:solidFill>
+              <a:latin typeface="Arial"/>
             </a:endParaRPr>
           </a:p>
           <a:p>
@@ -8654,11 +6805,11 @@
                 <a:tab algn="l" pos="0"/>
               </a:tabLst>
             </a:pPr>
-            <a:endParaRPr b="0" lang="en-US" sz="2400" spc="-1" strike="noStrike">
-              <a:solidFill>
-                <a:schemeClr val="dk1"/>
-              </a:solidFill>
-              <a:latin typeface="Calibri"/>
+            <a:endParaRPr b="0" lang="en-IN" sz="2400" spc="-1" strike="noStrike">
+              <a:solidFill>
+                <a:srgbClr val="000000"/>
+              </a:solidFill>
+              <a:latin typeface="Arial"/>
             </a:endParaRPr>
           </a:p>
           <a:p>
@@ -8692,11 +6843,11 @@
               </a:rPr>
               <a:t>if corruption is found then it will print the block number in which corruption is found</a:t>
             </a:r>
-            <a:endParaRPr b="0" lang="en-US" sz="2400" spc="-1" strike="noStrike">
-              <a:solidFill>
-                <a:schemeClr val="dk1"/>
-              </a:solidFill>
-              <a:latin typeface="Calibri"/>
+            <a:endParaRPr b="0" lang="en-IN" sz="2400" spc="-1" strike="noStrike">
+              <a:solidFill>
+                <a:srgbClr val="000000"/>
+              </a:solidFill>
+              <a:latin typeface="Arial"/>
             </a:endParaRPr>
           </a:p>
           <a:p>
@@ -8712,11 +6863,11 @@
                 <a:tab algn="l" pos="0"/>
               </a:tabLst>
             </a:pPr>
-            <a:endParaRPr b="0" lang="en-US" sz="2400" spc="-1" strike="noStrike">
-              <a:solidFill>
-                <a:schemeClr val="dk1"/>
-              </a:solidFill>
-              <a:latin typeface="Calibri"/>
+            <a:endParaRPr b="0" lang="en-IN" sz="2400" spc="-1" strike="noStrike">
+              <a:solidFill>
+                <a:srgbClr val="000000"/>
+              </a:solidFill>
+              <a:latin typeface="Arial"/>
             </a:endParaRPr>
           </a:p>
         </p:txBody>
@@ -8753,7 +6904,7 @@
       </p:grpSpPr>
       <p:sp>
         <p:nvSpPr>
-          <p:cNvPr id="102" name="PlaceHolder 1"/>
+          <p:cNvPr id="85" name="PlaceHolder 1"/>
           <p:cNvSpPr>
             <a:spLocks noGrp="1"/>
           </p:cNvSpPr>
@@ -8763,8 +6914,8 @@
         </p:nvSpPr>
         <p:spPr>
           <a:xfrm>
-            <a:off x="2593080" y="624240"/>
-            <a:ext cx="4862520" cy="712080"/>
+            <a:off x="1440000" y="624240"/>
+            <a:ext cx="5866920" cy="711720"/>
           </a:xfrm>
           <a:prstGeom prst="rect">
             <a:avLst/>
@@ -8784,6 +6935,9 @@
                 <a:spcPct val="90000"/>
               </a:lnSpc>
               <a:buNone/>
+              <a:tabLst>
+                <a:tab algn="l" pos="0"/>
+              </a:tabLst>
             </a:pPr>
             <a:r>
               <a:rPr b="0" lang="en-IN" sz="4400" spc="-1" strike="noStrike">
@@ -8794,18 +6948,18 @@
               </a:rPr>
               <a:t>Search Transactions</a:t>
             </a:r>
-            <a:endParaRPr b="0" lang="en-US" sz="4400" spc="-1" strike="noStrike">
-              <a:solidFill>
-                <a:schemeClr val="dk1"/>
-              </a:solidFill>
-              <a:latin typeface="Calibri"/>
-            </a:endParaRPr>
-          </a:p>
-        </p:txBody>
-      </p:sp>
-      <p:sp>
-        <p:nvSpPr>
-          <p:cNvPr id="103" name="PlaceHolder 2"/>
+            <a:endParaRPr b="0" lang="en-IN" sz="4400" spc="-1" strike="noStrike">
+              <a:solidFill>
+                <a:srgbClr val="000000"/>
+              </a:solidFill>
+              <a:latin typeface="Arial"/>
+            </a:endParaRPr>
+          </a:p>
+        </p:txBody>
+      </p:sp>
+      <p:sp>
+        <p:nvSpPr>
+          <p:cNvPr id="86" name="PlaceHolder 2"/>
           <p:cNvSpPr>
             <a:spLocks noGrp="1"/>
           </p:cNvSpPr>
@@ -8815,8 +6969,8 @@
         </p:nvSpPr>
         <p:spPr>
           <a:xfrm>
-            <a:off x="1825560" y="1802160"/>
-            <a:ext cx="8272800" cy="1473480"/>
+            <a:off x="367560" y="1980000"/>
+            <a:ext cx="6472440" cy="1473120"/>
           </a:xfrm>
           <a:prstGeom prst="rect">
             <a:avLst/>
@@ -8853,15 +7007,38 @@
               </a:rPr>
               <a:t>While adding block, the transaction ids involving transactions of that user node (eg. Public-id-0001) will be hashed and the pointer to transaction details will be stored in the hash table</a:t>
             </a:r>
-            <a:endParaRPr b="0" lang="en-US" sz="2800" spc="-1" strike="noStrike">
-              <a:solidFill>
-                <a:schemeClr val="dk1"/>
-              </a:solidFill>
-              <a:latin typeface="Calibri"/>
-            </a:endParaRPr>
-          </a:p>
-        </p:txBody>
-      </p:sp>
+            <a:endParaRPr b="0" lang="en-IN" sz="2800" spc="-1" strike="noStrike">
+              <a:solidFill>
+                <a:srgbClr val="000000"/>
+              </a:solidFill>
+              <a:latin typeface="Arial"/>
+            </a:endParaRPr>
+          </a:p>
+        </p:txBody>
+      </p:sp>
+      <p:pic>
+        <p:nvPicPr>
+          <p:cNvPr id="87" name="" descr=""/>
+          <p:cNvPicPr/>
+          <p:nvPr/>
+        </p:nvPicPr>
+        <p:blipFill>
+          <a:blip r:embed="rId1"/>
+          <a:stretch/>
+        </p:blipFill>
+        <p:spPr>
+          <a:xfrm>
+            <a:off x="6555600" y="1800000"/>
+            <a:ext cx="5636520" cy="3984120"/>
+          </a:xfrm>
+          <a:prstGeom prst="rect">
+            <a:avLst/>
+          </a:prstGeom>
+          <a:ln w="0">
+            <a:noFill/>
+          </a:ln>
+        </p:spPr>
+      </p:pic>
     </p:spTree>
   </p:cSld>
   <mc:AlternateContent>
@@ -8894,7 +7071,7 @@
       </p:grpSpPr>
       <p:sp>
         <p:nvSpPr>
-          <p:cNvPr id="104" name="PlaceHolder 1"/>
+          <p:cNvPr id="88" name="PlaceHolder 1"/>
           <p:cNvSpPr>
             <a:spLocks noGrp="1"/>
           </p:cNvSpPr>
@@ -8905,7 +7082,7 @@
         <p:spPr>
           <a:xfrm>
             <a:off x="2593080" y="624240"/>
-            <a:ext cx="6128640" cy="631440"/>
+            <a:ext cx="6128280" cy="631080"/>
           </a:xfrm>
           <a:prstGeom prst="rect">
             <a:avLst/>
@@ -8917,7 +7094,7 @@
         </p:spPr>
         <p:txBody>
           <a:bodyPr lIns="91440" rIns="91440" tIns="45720" bIns="45720" anchor="ctr">
-            <a:normAutofit fontScale="90240"/>
+            <a:normAutofit fontScale="89999"/>
           </a:bodyPr>
           <a:p>
             <a:pPr indent="0" defTabSz="914400">
@@ -8925,6 +7102,9 @@
                 <a:spcPct val="90000"/>
               </a:lnSpc>
               <a:buNone/>
+              <a:tabLst>
+                <a:tab algn="l" pos="0"/>
+              </a:tabLst>
             </a:pPr>
             <a:r>
               <a:rPr b="0" lang="en-IN" sz="4400" spc="-1" strike="noStrike">
@@ -8935,18 +7115,18 @@
               </a:rPr>
               <a:t>Networking Connections</a:t>
             </a:r>
-            <a:endParaRPr b="0" lang="en-US" sz="4400" spc="-1" strike="noStrike">
-              <a:solidFill>
-                <a:schemeClr val="dk1"/>
-              </a:solidFill>
-              <a:latin typeface="Calibri"/>
+            <a:endParaRPr b="0" lang="en-IN" sz="4400" spc="-1" strike="noStrike">
+              <a:solidFill>
+                <a:srgbClr val="000000"/>
+              </a:solidFill>
+              <a:latin typeface="Arial"/>
             </a:endParaRPr>
           </a:p>
         </p:txBody>
       </p:sp>
       <p:pic>
         <p:nvPicPr>
-          <p:cNvPr id="105" name="Picture 4" descr=""/>
+          <p:cNvPr id="89" name="Picture 4" descr=""/>
           <p:cNvPicPr/>
           <p:nvPr/>
         </p:nvPicPr>
@@ -8957,7 +7137,7 @@
         <p:spPr>
           <a:xfrm>
             <a:off x="1731600" y="1537560"/>
-            <a:ext cx="8728560" cy="4977360"/>
+            <a:ext cx="8728200" cy="4977000"/>
           </a:xfrm>
           <a:prstGeom prst="rect">
             <a:avLst/>
@@ -8999,7 +7179,7 @@
       </p:grpSpPr>
       <p:sp>
         <p:nvSpPr>
-          <p:cNvPr id="71" name="PlaceHolder 1"/>
+          <p:cNvPr id="54" name="PlaceHolder 1"/>
           <p:cNvSpPr>
             <a:spLocks noGrp="1"/>
           </p:cNvSpPr>
@@ -9010,7 +7190,7 @@
         <p:spPr>
           <a:xfrm>
             <a:off x="838080" y="365040"/>
-            <a:ext cx="10515240" cy="1325160"/>
+            <a:ext cx="10514880" cy="1324800"/>
           </a:xfrm>
           <a:prstGeom prst="rect">
             <a:avLst/>
@@ -9030,6 +7210,9 @@
                 <a:spcPct val="90000"/>
               </a:lnSpc>
               <a:buNone/>
+              <a:tabLst>
+                <a:tab algn="l" pos="0"/>
+              </a:tabLst>
             </a:pPr>
             <a:r>
               <a:rPr b="0" lang="en-IN" sz="4400" spc="-1" strike="noStrike">
@@ -9040,18 +7223,18 @@
               </a:rPr>
               <a:t>What is a Blockchain ?</a:t>
             </a:r>
-            <a:endParaRPr b="0" lang="en-US" sz="4400" spc="-1" strike="noStrike">
-              <a:solidFill>
-                <a:schemeClr val="dk1"/>
-              </a:solidFill>
-              <a:latin typeface="Calibri"/>
-            </a:endParaRPr>
-          </a:p>
-        </p:txBody>
-      </p:sp>
-      <p:sp>
-        <p:nvSpPr>
-          <p:cNvPr id="72" name="PlaceHolder 2"/>
+            <a:endParaRPr b="0" lang="en-IN" sz="4400" spc="-1" strike="noStrike">
+              <a:solidFill>
+                <a:srgbClr val="000000"/>
+              </a:solidFill>
+              <a:latin typeface="Arial"/>
+            </a:endParaRPr>
+          </a:p>
+        </p:txBody>
+      </p:sp>
+      <p:sp>
+        <p:nvSpPr>
+          <p:cNvPr id="55" name="PlaceHolder 2"/>
           <p:cNvSpPr>
             <a:spLocks noGrp="1"/>
           </p:cNvSpPr>
@@ -9062,7 +7245,7 @@
         <p:spPr>
           <a:xfrm>
             <a:off x="2143440" y="1540080"/>
-            <a:ext cx="8915040" cy="4974480"/>
+            <a:ext cx="8914680" cy="4974120"/>
           </a:xfrm>
           <a:prstGeom prst="rect">
             <a:avLst/>
@@ -9074,7 +7257,7 @@
         </p:spPr>
         <p:txBody>
           <a:bodyPr lIns="91440" rIns="91440" tIns="45720" bIns="45720" anchor="t">
-            <a:normAutofit fontScale="83909"/>
+            <a:normAutofit fontScale="83888"/>
           </a:bodyPr>
           <a:p>
             <a:pPr marL="228600" indent="-228600" defTabSz="914400">
@@ -9099,11 +7282,11 @@
               </a:rPr>
               <a:t>Blockchain is a shared, immutable ledger that facilitates the process of recording transactions and tracking assets in a business network. </a:t>
             </a:r>
-            <a:endParaRPr b="0" lang="en-US" sz="2800" spc="-1" strike="noStrike">
-              <a:solidFill>
-                <a:schemeClr val="dk1"/>
-              </a:solidFill>
-              <a:latin typeface="Calibri"/>
+            <a:endParaRPr b="0" lang="en-IN" sz="2800" spc="-1" strike="noStrike">
+              <a:solidFill>
+                <a:srgbClr val="000000"/>
+              </a:solidFill>
+              <a:latin typeface="Arial"/>
             </a:endParaRPr>
           </a:p>
           <a:p>
@@ -9129,11 +7312,11 @@
               </a:rPr>
               <a:t>Features of Blockchain :</a:t>
             </a:r>
-            <a:endParaRPr b="0" lang="en-US" sz="2800" spc="-1" strike="noStrike">
-              <a:solidFill>
-                <a:schemeClr val="dk1"/>
-              </a:solidFill>
-              <a:latin typeface="Calibri"/>
+            <a:endParaRPr b="0" lang="en-IN" sz="2800" spc="-1" strike="noStrike">
+              <a:solidFill>
+                <a:srgbClr val="000000"/>
+              </a:solidFill>
+              <a:latin typeface="Arial"/>
             </a:endParaRPr>
           </a:p>
           <a:p>
@@ -9159,11 +7342,11 @@
               </a:rPr>
               <a:t>Immutability : ensures data cannot be altered, enhancing security and transparency.</a:t>
             </a:r>
-            <a:endParaRPr b="0" lang="en-US" sz="2400" spc="-1" strike="noStrike">
-              <a:solidFill>
-                <a:schemeClr val="dk1"/>
-              </a:solidFill>
-              <a:latin typeface="Calibri"/>
+            <a:endParaRPr b="0" lang="en-IN" sz="2400" spc="-1" strike="noStrike">
+              <a:solidFill>
+                <a:srgbClr val="000000"/>
+              </a:solidFill>
+              <a:latin typeface="Arial"/>
             </a:endParaRPr>
           </a:p>
           <a:p>
@@ -9189,11 +7372,11 @@
               </a:rPr>
               <a:t>Decentralization : Eliminates the need for a central authority, providing greater security and transparency.</a:t>
             </a:r>
-            <a:endParaRPr b="0" lang="en-US" sz="2400" spc="-1" strike="noStrike">
-              <a:solidFill>
-                <a:schemeClr val="dk1"/>
-              </a:solidFill>
-              <a:latin typeface="Calibri"/>
+            <a:endParaRPr b="0" lang="en-IN" sz="2400" spc="-1" strike="noStrike">
+              <a:solidFill>
+                <a:srgbClr val="000000"/>
+              </a:solidFill>
+              <a:latin typeface="Arial"/>
             </a:endParaRPr>
           </a:p>
           <a:p>
@@ -9219,11 +7402,11 @@
               </a:rPr>
               <a:t>Enhanced Security : achieved through encryption, hashing, and consensus mechanism</a:t>
             </a:r>
-            <a:endParaRPr b="0" lang="en-US" sz="2400" spc="-1" strike="noStrike">
-              <a:solidFill>
-                <a:schemeClr val="dk1"/>
-              </a:solidFill>
-              <a:latin typeface="Calibri"/>
+            <a:endParaRPr b="0" lang="en-IN" sz="2400" spc="-1" strike="noStrike">
+              <a:solidFill>
+                <a:srgbClr val="000000"/>
+              </a:solidFill>
+              <a:latin typeface="Arial"/>
             </a:endParaRPr>
           </a:p>
           <a:p>
@@ -9249,11 +7432,11 @@
               </a:rPr>
               <a:t>Distributed ledgers : make all transaction details visible and tamper-proof.</a:t>
             </a:r>
-            <a:endParaRPr b="0" lang="en-US" sz="2400" spc="-1" strike="noStrike">
-              <a:solidFill>
-                <a:schemeClr val="dk1"/>
-              </a:solidFill>
-              <a:latin typeface="Calibri"/>
+            <a:endParaRPr b="0" lang="en-IN" sz="2400" spc="-1" strike="noStrike">
+              <a:solidFill>
+                <a:srgbClr val="000000"/>
+              </a:solidFill>
+              <a:latin typeface="Arial"/>
             </a:endParaRPr>
           </a:p>
           <a:p>
@@ -9279,11 +7462,11 @@
               </a:rPr>
               <a:t>Data can not be corrupted.</a:t>
             </a:r>
-            <a:endParaRPr b="0" lang="en-US" sz="2400" spc="-1" strike="noStrike">
-              <a:solidFill>
-                <a:schemeClr val="dk1"/>
-              </a:solidFill>
-              <a:latin typeface="Calibri"/>
+            <a:endParaRPr b="0" lang="en-IN" sz="2400" spc="-1" strike="noStrike">
+              <a:solidFill>
+                <a:srgbClr val="000000"/>
+              </a:solidFill>
+              <a:latin typeface="Arial"/>
             </a:endParaRPr>
           </a:p>
           <a:p>
@@ -9309,11 +7492,11 @@
               </a:rPr>
               <a:t>Transparancy.</a:t>
             </a:r>
-            <a:endParaRPr b="0" lang="en-US" sz="2400" spc="-1" strike="noStrike">
-              <a:solidFill>
-                <a:schemeClr val="dk1"/>
-              </a:solidFill>
-              <a:latin typeface="Calibri"/>
+            <a:endParaRPr b="0" lang="en-IN" sz="2400" spc="-1" strike="noStrike">
+              <a:solidFill>
+                <a:srgbClr val="000000"/>
+              </a:solidFill>
+              <a:latin typeface="Arial"/>
             </a:endParaRPr>
           </a:p>
           <a:p>
@@ -9338,15 +7521,15 @@
               </a:rPr>
               <a:t>Applications : Cryptocurrency</a:t>
             </a:r>
-            <a:endParaRPr b="0" lang="en-US" sz="2400" spc="-1" strike="noStrike">
-              <a:solidFill>
-                <a:schemeClr val="dk1"/>
-              </a:solidFill>
-              <a:latin typeface="Calibri"/>
-            </a:endParaRPr>
-          </a:p>
-          <a:p>
-            <a:pPr indent="0" defTabSz="914400">
+            <a:endParaRPr b="0" lang="en-IN" sz="2400" spc="-1" strike="noStrike">
+              <a:solidFill>
+                <a:srgbClr val="000000"/>
+              </a:solidFill>
+              <a:latin typeface="Arial"/>
+            </a:endParaRPr>
+          </a:p>
+          <a:p>
+            <a:pPr marL="457200" indent="0" defTabSz="914400">
               <a:lnSpc>
                 <a:spcPct val="90000"/>
               </a:lnSpc>
@@ -9358,15 +7541,15 @@
                 <a:tab algn="l" pos="0"/>
               </a:tabLst>
             </a:pPr>
-            <a:endParaRPr b="0" lang="en-US" sz="2400" spc="-1" strike="noStrike">
-              <a:solidFill>
-                <a:schemeClr val="dk1"/>
-              </a:solidFill>
-              <a:latin typeface="Calibri"/>
-            </a:endParaRPr>
-          </a:p>
-          <a:p>
-            <a:pPr indent="0" defTabSz="914400">
+            <a:endParaRPr b="0" lang="en-IN" sz="2400" spc="-1" strike="noStrike">
+              <a:solidFill>
+                <a:srgbClr val="000000"/>
+              </a:solidFill>
+              <a:latin typeface="Arial"/>
+            </a:endParaRPr>
+          </a:p>
+          <a:p>
+            <a:pPr marL="457200" indent="0" defTabSz="914400">
               <a:lnSpc>
                 <a:spcPct val="90000"/>
               </a:lnSpc>
@@ -9378,15 +7561,15 @@
                 <a:tab algn="l" pos="0"/>
               </a:tabLst>
             </a:pPr>
-            <a:endParaRPr b="0" lang="en-US" sz="2400" spc="-1" strike="noStrike">
-              <a:solidFill>
-                <a:schemeClr val="dk1"/>
-              </a:solidFill>
-              <a:latin typeface="Calibri"/>
-            </a:endParaRPr>
-          </a:p>
-          <a:p>
-            <a:pPr indent="0" defTabSz="914400">
+            <a:endParaRPr b="0" lang="en-IN" sz="2400" spc="-1" strike="noStrike">
+              <a:solidFill>
+                <a:srgbClr val="000000"/>
+              </a:solidFill>
+              <a:latin typeface="Arial"/>
+            </a:endParaRPr>
+          </a:p>
+          <a:p>
+            <a:pPr marL="457200" indent="0" defTabSz="914400">
               <a:lnSpc>
                 <a:spcPct val="90000"/>
               </a:lnSpc>
@@ -9398,15 +7581,15 @@
                 <a:tab algn="l" pos="0"/>
               </a:tabLst>
             </a:pPr>
-            <a:endParaRPr b="0" lang="en-US" sz="2400" spc="-1" strike="noStrike">
-              <a:solidFill>
-                <a:schemeClr val="dk1"/>
-              </a:solidFill>
-              <a:latin typeface="Calibri"/>
-            </a:endParaRPr>
-          </a:p>
-          <a:p>
-            <a:pPr indent="0" defTabSz="914400">
+            <a:endParaRPr b="0" lang="en-IN" sz="2400" spc="-1" strike="noStrike">
+              <a:solidFill>
+                <a:srgbClr val="000000"/>
+              </a:solidFill>
+              <a:latin typeface="Arial"/>
+            </a:endParaRPr>
+          </a:p>
+          <a:p>
+            <a:pPr marL="457200" indent="0" defTabSz="914400">
               <a:lnSpc>
                 <a:spcPct val="90000"/>
               </a:lnSpc>
@@ -9418,25 +7601,25 @@
                 <a:tab algn="l" pos="0"/>
               </a:tabLst>
             </a:pPr>
-            <a:endParaRPr b="0" lang="en-US" sz="2400" spc="-1" strike="noStrike">
-              <a:solidFill>
-                <a:schemeClr val="dk1"/>
-              </a:solidFill>
-              <a:latin typeface="Calibri"/>
-            </a:endParaRPr>
-          </a:p>
-        </p:txBody>
-      </p:sp>
-      <p:sp>
-        <p:nvSpPr>
-          <p:cNvPr id="73" name="AutoShape 4"/>
+            <a:endParaRPr b="0" lang="en-IN" sz="2400" spc="-1" strike="noStrike">
+              <a:solidFill>
+                <a:srgbClr val="000000"/>
+              </a:solidFill>
+              <a:latin typeface="Arial"/>
+            </a:endParaRPr>
+          </a:p>
+        </p:txBody>
+      </p:sp>
+      <p:sp>
+        <p:nvSpPr>
+          <p:cNvPr id="56" name="AutoShape 4"/>
           <p:cNvSpPr/>
           <p:nvPr/>
         </p:nvSpPr>
         <p:spPr>
           <a:xfrm>
             <a:off x="5486400" y="3124080"/>
-            <a:ext cx="304560" cy="304560"/>
+            <a:ext cx="304200" cy="304200"/>
           </a:xfrm>
           <a:prstGeom prst="rect">
             <a:avLst/>
@@ -9453,7 +7636,7 @@
           <a:fontRef idx="minor"/>
         </p:style>
         <p:txBody>
-          <a:bodyPr numCol="1" spcCol="0" anchor="t">
+          <a:bodyPr numCol="1" spcCol="0" lIns="90000" rIns="90000" tIns="45000" bIns="45000" anchor="t">
             <a:noAutofit/>
           </a:bodyPr>
           <a:p>
@@ -9503,7 +7686,7 @@
       </p:grpSpPr>
       <p:sp>
         <p:nvSpPr>
-          <p:cNvPr id="74" name="PlaceHolder 1"/>
+          <p:cNvPr id="57" name="PlaceHolder 1"/>
           <p:cNvSpPr>
             <a:spLocks noGrp="1"/>
           </p:cNvSpPr>
@@ -9514,7 +7697,7 @@
         <p:spPr>
           <a:xfrm>
             <a:off x="2593080" y="624240"/>
-            <a:ext cx="6390720" cy="598680"/>
+            <a:ext cx="6390360" cy="598320"/>
           </a:xfrm>
           <a:prstGeom prst="rect">
             <a:avLst/>
@@ -9526,7 +7709,7 @@
         </p:spPr>
         <p:txBody>
           <a:bodyPr lIns="91440" rIns="91440" tIns="45720" bIns="45720" anchor="ctr">
-            <a:normAutofit fontScale="87285"/>
+            <a:normAutofit fontScale="87222"/>
           </a:bodyPr>
           <a:p>
             <a:pPr indent="0" defTabSz="914400">
@@ -9534,6 +7717,9 @@
                 <a:spcPct val="90000"/>
               </a:lnSpc>
               <a:buNone/>
+              <a:tabLst>
+                <a:tab algn="l" pos="0"/>
+              </a:tabLst>
             </a:pPr>
             <a:r>
               <a:rPr b="0" lang="en-IN" sz="4400" spc="-1" strike="noStrike">
@@ -9562,18 +7748,18 @@
               </a:rPr>
               <a:t> Works ?</a:t>
             </a:r>
-            <a:endParaRPr b="0" lang="en-US" sz="4400" spc="-1" strike="noStrike">
-              <a:solidFill>
-                <a:schemeClr val="dk1"/>
-              </a:solidFill>
-              <a:latin typeface="Calibri"/>
+            <a:endParaRPr b="0" lang="en-IN" sz="4400" spc="-1" strike="noStrike">
+              <a:solidFill>
+                <a:srgbClr val="000000"/>
+              </a:solidFill>
+              <a:latin typeface="Arial"/>
             </a:endParaRPr>
           </a:p>
         </p:txBody>
       </p:sp>
       <p:pic>
         <p:nvPicPr>
-          <p:cNvPr id="75" name="Content Placeholder 4" descr=""/>
+          <p:cNvPr id="58" name="Content Placeholder 4" descr=""/>
           <p:cNvPicPr/>
           <p:nvPr/>
         </p:nvPicPr>
@@ -9584,7 +7770,7 @@
         <p:spPr>
           <a:xfrm>
             <a:off x="2106360" y="1521000"/>
-            <a:ext cx="7979040" cy="4712760"/>
+            <a:ext cx="7978680" cy="4712400"/>
           </a:xfrm>
           <a:prstGeom prst="rect">
             <a:avLst/>
@@ -9626,7 +7812,7 @@
       </p:grpSpPr>
       <p:sp>
         <p:nvSpPr>
-          <p:cNvPr id="76" name="PlaceHolder 1"/>
+          <p:cNvPr id="59" name="PlaceHolder 1"/>
           <p:cNvSpPr>
             <a:spLocks noGrp="1"/>
           </p:cNvSpPr>
@@ -9637,7 +7823,7 @@
         <p:spPr>
           <a:xfrm>
             <a:off x="2097720" y="807120"/>
-            <a:ext cx="7693560" cy="975600"/>
+            <a:ext cx="7693200" cy="975240"/>
           </a:xfrm>
           <a:prstGeom prst="rect">
             <a:avLst/>
@@ -9657,6 +7843,9 @@
                 <a:spcPct val="90000"/>
               </a:lnSpc>
               <a:buNone/>
+              <a:tabLst>
+                <a:tab algn="l" pos="0"/>
+              </a:tabLst>
             </a:pPr>
             <a:r>
               <a:rPr b="0" lang="en-IN" sz="5400" spc="-1" strike="noStrike">
@@ -9667,18 +7856,18 @@
               </a:rPr>
               <a:t>Data Structures Used :</a:t>
             </a:r>
-            <a:endParaRPr b="0" lang="en-US" sz="5400" spc="-1" strike="noStrike">
-              <a:solidFill>
-                <a:schemeClr val="dk1"/>
-              </a:solidFill>
-              <a:latin typeface="Calibri"/>
-            </a:endParaRPr>
-          </a:p>
-        </p:txBody>
-      </p:sp>
-      <p:sp>
-        <p:nvSpPr>
-          <p:cNvPr id="77" name="PlaceHolder 2"/>
+            <a:endParaRPr b="0" lang="en-IN" sz="5400" spc="-1" strike="noStrike">
+              <a:solidFill>
+                <a:srgbClr val="000000"/>
+              </a:solidFill>
+              <a:latin typeface="Arial"/>
+            </a:endParaRPr>
+          </a:p>
+        </p:txBody>
+      </p:sp>
+      <p:sp>
+        <p:nvSpPr>
+          <p:cNvPr id="60" name="PlaceHolder 2"/>
           <p:cNvSpPr>
             <a:spLocks noGrp="1"/>
           </p:cNvSpPr>
@@ -9689,7 +7878,7 @@
         <p:spPr>
           <a:xfrm>
             <a:off x="2475000" y="2529000"/>
-            <a:ext cx="4428360" cy="2590560"/>
+            <a:ext cx="4428000" cy="2590200"/>
           </a:xfrm>
           <a:prstGeom prst="rect">
             <a:avLst/>
@@ -9726,11 +7915,11 @@
               </a:rPr>
               <a:t>Linked List :</a:t>
             </a:r>
-            <a:endParaRPr b="0" lang="en-US" sz="4400" spc="-1" strike="noStrike">
-              <a:solidFill>
-                <a:schemeClr val="dk1"/>
-              </a:solidFill>
-              <a:latin typeface="Calibri"/>
+            <a:endParaRPr b="0" lang="en-IN" sz="4400" spc="-1" strike="noStrike">
+              <a:solidFill>
+                <a:srgbClr val="000000"/>
+              </a:solidFill>
+              <a:latin typeface="Arial"/>
             </a:endParaRPr>
           </a:p>
           <a:p>
@@ -9756,11 +7945,11 @@
               </a:rPr>
               <a:t>Merkle Tree :</a:t>
             </a:r>
-            <a:endParaRPr b="0" lang="en-US" sz="4400" spc="-1" strike="noStrike">
-              <a:solidFill>
-                <a:schemeClr val="dk1"/>
-              </a:solidFill>
-              <a:latin typeface="Calibri"/>
+            <a:endParaRPr b="0" lang="en-IN" sz="4400" spc="-1" strike="noStrike">
+              <a:solidFill>
+                <a:srgbClr val="000000"/>
+              </a:solidFill>
+              <a:latin typeface="Arial"/>
             </a:endParaRPr>
           </a:p>
           <a:p>
@@ -9786,11 +7975,11 @@
               </a:rPr>
               <a:t>Hash Table :</a:t>
             </a:r>
-            <a:endParaRPr b="0" lang="en-US" sz="4400" spc="-1" strike="noStrike">
-              <a:solidFill>
-                <a:schemeClr val="dk1"/>
-              </a:solidFill>
-              <a:latin typeface="Calibri"/>
+            <a:endParaRPr b="0" lang="en-IN" sz="4400" spc="-1" strike="noStrike">
+              <a:solidFill>
+                <a:srgbClr val="000000"/>
+              </a:solidFill>
+              <a:latin typeface="Arial"/>
             </a:endParaRPr>
           </a:p>
           <a:p>
@@ -9806,11 +7995,11 @@
                 <a:tab algn="l" pos="0"/>
               </a:tabLst>
             </a:pPr>
-            <a:endParaRPr b="0" lang="en-US" sz="4400" spc="-1" strike="noStrike">
-              <a:solidFill>
-                <a:schemeClr val="dk1"/>
-              </a:solidFill>
-              <a:latin typeface="Calibri"/>
+            <a:endParaRPr b="0" lang="en-IN" sz="4400" spc="-1" strike="noStrike">
+              <a:solidFill>
+                <a:srgbClr val="000000"/>
+              </a:solidFill>
+              <a:latin typeface="Arial"/>
             </a:endParaRPr>
           </a:p>
         </p:txBody>
@@ -9847,7 +8036,7 @@
       </p:grpSpPr>
       <p:sp>
         <p:nvSpPr>
-          <p:cNvPr id="78" name="PlaceHolder 1"/>
+          <p:cNvPr id="61" name="PlaceHolder 1"/>
           <p:cNvSpPr>
             <a:spLocks noGrp="1"/>
           </p:cNvSpPr>
@@ -9858,7 +8047,7 @@
         <p:spPr>
           <a:xfrm>
             <a:off x="2570400" y="702720"/>
-            <a:ext cx="5529600" cy="737280"/>
+            <a:ext cx="5529240" cy="736920"/>
           </a:xfrm>
           <a:prstGeom prst="rect">
             <a:avLst/>
@@ -9878,6 +8067,9 @@
                 <a:spcPct val="90000"/>
               </a:lnSpc>
               <a:buNone/>
+              <a:tabLst>
+                <a:tab algn="l" pos="0"/>
+              </a:tabLst>
             </a:pPr>
             <a:r>
               <a:rPr b="0" lang="en-IN" sz="4400" spc="-1" strike="noStrike">
@@ -9888,18 +8080,18 @@
               </a:rPr>
               <a:t>Other implementations :</a:t>
             </a:r>
-            <a:endParaRPr b="0" lang="en-US" sz="4400" spc="-1" strike="noStrike">
-              <a:solidFill>
-                <a:schemeClr val="dk1"/>
-              </a:solidFill>
-              <a:latin typeface="Calibri"/>
-            </a:endParaRPr>
-          </a:p>
-        </p:txBody>
-      </p:sp>
-      <p:sp>
-        <p:nvSpPr>
-          <p:cNvPr id="79" name="PlaceHolder 2"/>
+            <a:endParaRPr b="0" lang="en-IN" sz="4400" spc="-1" strike="noStrike">
+              <a:solidFill>
+                <a:srgbClr val="000000"/>
+              </a:solidFill>
+              <a:latin typeface="Arial"/>
+            </a:endParaRPr>
+          </a:p>
+        </p:txBody>
+      </p:sp>
+      <p:sp>
+        <p:nvSpPr>
+          <p:cNvPr id="62" name="PlaceHolder 2"/>
           <p:cNvSpPr>
             <a:spLocks noGrp="1"/>
           </p:cNvSpPr>
@@ -9910,7 +8102,7 @@
         <p:spPr>
           <a:xfrm>
             <a:off x="1665000" y="2260080"/>
-            <a:ext cx="9978480" cy="2029320"/>
+            <a:ext cx="9978120" cy="2028960"/>
           </a:xfrm>
           <a:prstGeom prst="rect">
             <a:avLst/>
@@ -9947,11 +8139,11 @@
               </a:rPr>
               <a:t>Merge Sort</a:t>
             </a:r>
-            <a:endParaRPr b="0" lang="en-US" sz="2800" spc="-1" strike="noStrike">
-              <a:solidFill>
-                <a:schemeClr val="dk1"/>
-              </a:solidFill>
-              <a:latin typeface="Calibri"/>
+            <a:endParaRPr b="0" lang="en-IN" sz="2800" spc="-1" strike="noStrike">
+              <a:solidFill>
+                <a:srgbClr val="000000"/>
+              </a:solidFill>
+              <a:latin typeface="Arial"/>
             </a:endParaRPr>
           </a:p>
           <a:p>
@@ -9977,11 +8169,11 @@
               </a:rPr>
               <a:t>OpenSSL library used for SHA256</a:t>
             </a:r>
-            <a:endParaRPr b="0" lang="en-US" sz="2800" spc="-1" strike="noStrike">
-              <a:solidFill>
-                <a:schemeClr val="dk1"/>
-              </a:solidFill>
-              <a:latin typeface="Calibri"/>
+            <a:endParaRPr b="0" lang="en-IN" sz="2800" spc="-1" strike="noStrike">
+              <a:solidFill>
+                <a:srgbClr val="000000"/>
+              </a:solidFill>
+              <a:latin typeface="Arial"/>
             </a:endParaRPr>
           </a:p>
           <a:p>
@@ -10007,11 +8199,11 @@
               </a:rPr>
               <a:t>Socket Programming for Network Connections</a:t>
             </a:r>
-            <a:endParaRPr b="0" lang="en-US" sz="2800" spc="-1" strike="noStrike">
-              <a:solidFill>
-                <a:schemeClr val="dk1"/>
-              </a:solidFill>
-              <a:latin typeface="Calibri"/>
+            <a:endParaRPr b="0" lang="en-IN" sz="2800" spc="-1" strike="noStrike">
+              <a:solidFill>
+                <a:srgbClr val="000000"/>
+              </a:solidFill>
+              <a:latin typeface="Arial"/>
             </a:endParaRPr>
           </a:p>
         </p:txBody>
@@ -10048,7 +8240,7 @@
       </p:grpSpPr>
       <p:sp>
         <p:nvSpPr>
-          <p:cNvPr id="80" name="PlaceHolder 1"/>
+          <p:cNvPr id="63" name="PlaceHolder 1"/>
           <p:cNvSpPr>
             <a:spLocks noGrp="1"/>
           </p:cNvSpPr>
@@ -10059,7 +8251,7 @@
         <p:spPr>
           <a:xfrm>
             <a:off x="636120" y="2853000"/>
-            <a:ext cx="4084200" cy="835920"/>
+            <a:ext cx="4083840" cy="835560"/>
           </a:xfrm>
           <a:prstGeom prst="rect">
             <a:avLst/>
@@ -10079,6 +8271,9 @@
                 <a:spcPct val="90000"/>
               </a:lnSpc>
               <a:buNone/>
+              <a:tabLst>
+                <a:tab algn="l" pos="0"/>
+              </a:tabLst>
             </a:pPr>
             <a:r>
               <a:rPr b="0" lang="en-IN" sz="4400" spc="-1" strike="noStrike">
@@ -10089,18 +8284,18 @@
               </a:rPr>
               <a:t>Data Format</a:t>
             </a:r>
-            <a:endParaRPr b="0" lang="en-US" sz="4400" spc="-1" strike="noStrike">
-              <a:solidFill>
-                <a:schemeClr val="dk1"/>
-              </a:solidFill>
-              <a:latin typeface="Calibri"/>
+            <a:endParaRPr b="0" lang="en-IN" sz="4400" spc="-1" strike="noStrike">
+              <a:solidFill>
+                <a:srgbClr val="000000"/>
+              </a:solidFill>
+              <a:latin typeface="Arial"/>
             </a:endParaRPr>
           </a:p>
         </p:txBody>
       </p:sp>
       <p:pic>
         <p:nvPicPr>
-          <p:cNvPr id="81" name="Content Placeholder 4" descr=""/>
+          <p:cNvPr id="64" name="Content Placeholder 4" descr=""/>
           <p:cNvPicPr/>
           <p:nvPr/>
         </p:nvPicPr>
@@ -10111,7 +8306,7 @@
         <p:spPr>
           <a:xfrm>
             <a:off x="4471560" y="603000"/>
-            <a:ext cx="5594760" cy="5651640"/>
+            <a:ext cx="5594400" cy="5651280"/>
           </a:xfrm>
           <a:prstGeom prst="rect">
             <a:avLst/>
@@ -10153,7 +8348,7 @@
       </p:grpSpPr>
       <p:sp>
         <p:nvSpPr>
-          <p:cNvPr id="82" name="PlaceHolder 1"/>
+          <p:cNvPr id="65" name="PlaceHolder 1"/>
           <p:cNvSpPr>
             <a:spLocks noGrp="1"/>
           </p:cNvSpPr>
@@ -10164,7 +8359,7 @@
         <p:spPr>
           <a:xfrm>
             <a:off x="1769040" y="640440"/>
-            <a:ext cx="8323560" cy="1078560"/>
+            <a:ext cx="8323200" cy="1078200"/>
           </a:xfrm>
           <a:prstGeom prst="rect">
             <a:avLst/>
@@ -10176,7 +8371,7 @@
         </p:spPr>
         <p:txBody>
           <a:bodyPr lIns="91440" rIns="91440" tIns="45720" bIns="45720" anchor="ctr">
-            <a:normAutofit fontScale="80920"/>
+            <a:normAutofit fontScale="81111"/>
           </a:bodyPr>
           <a:p>
             <a:pPr indent="0" defTabSz="914400">
@@ -10184,6 +8379,9 @@
                 <a:spcPct val="90000"/>
               </a:lnSpc>
               <a:buNone/>
+              <a:tabLst>
+                <a:tab algn="l" pos="0"/>
+              </a:tabLst>
             </a:pPr>
             <a:r>
               <a:rPr b="0" lang="en-IN" sz="4400" spc="-1" strike="noStrike">
@@ -10194,18 +8392,18 @@
               </a:rPr>
               <a:t>Pointer Diagrams : blockData and Block</a:t>
             </a:r>
-            <a:endParaRPr b="0" lang="en-US" sz="4400" spc="-1" strike="noStrike">
-              <a:solidFill>
-                <a:schemeClr val="dk1"/>
-              </a:solidFill>
-              <a:latin typeface="Calibri"/>
+            <a:endParaRPr b="0" lang="en-IN" sz="4400" spc="-1" strike="noStrike">
+              <a:solidFill>
+                <a:srgbClr val="000000"/>
+              </a:solidFill>
+              <a:latin typeface="Arial"/>
             </a:endParaRPr>
           </a:p>
         </p:txBody>
       </p:sp>
       <p:pic>
         <p:nvPicPr>
-          <p:cNvPr id="83" name="Picture 3" descr=""/>
+          <p:cNvPr id="66" name="Picture 3" descr=""/>
           <p:cNvPicPr/>
           <p:nvPr/>
         </p:nvPicPr>
@@ -10216,7 +8414,7 @@
         <p:spPr>
           <a:xfrm>
             <a:off x="1980000" y="1559160"/>
-            <a:ext cx="9372240" cy="5023800"/>
+            <a:ext cx="9371880" cy="5023440"/>
           </a:xfrm>
           <a:prstGeom prst="rect">
             <a:avLst/>
@@ -10258,7 +8456,7 @@
       </p:grpSpPr>
       <p:sp>
         <p:nvSpPr>
-          <p:cNvPr id="84" name="PlaceHolder 1"/>
+          <p:cNvPr id="67" name="PlaceHolder 1"/>
           <p:cNvSpPr>
             <a:spLocks noGrp="1"/>
           </p:cNvSpPr>
@@ -10269,7 +8467,7 @@
         <p:spPr>
           <a:xfrm>
             <a:off x="1975680" y="438840"/>
-            <a:ext cx="8710920" cy="1064880"/>
+            <a:ext cx="8710560" cy="1064520"/>
           </a:xfrm>
           <a:prstGeom prst="rect">
             <a:avLst/>
@@ -10281,7 +8479,7 @@
         </p:spPr>
         <p:txBody>
           <a:bodyPr lIns="91440" rIns="91440" tIns="45720" bIns="45720" anchor="ctr">
-            <a:normAutofit fontScale="80920"/>
+            <a:normAutofit fontScale="81111"/>
           </a:bodyPr>
           <a:p>
             <a:pPr indent="0" defTabSz="914400">
@@ -10289,6 +8487,9 @@
                 <a:spcPct val="90000"/>
               </a:lnSpc>
               <a:buNone/>
+              <a:tabLst>
+                <a:tab algn="l" pos="0"/>
+              </a:tabLst>
             </a:pPr>
             <a:r>
               <a:rPr b="0" lang="en-IN" sz="4400" spc="-1" strike="noStrike">
@@ -10299,18 +8500,18 @@
               </a:rPr>
               <a:t>Pointer Diagrams of Structures: Info Structure And Wallet Structure</a:t>
             </a:r>
-            <a:endParaRPr b="0" lang="en-US" sz="4400" spc="-1" strike="noStrike">
-              <a:solidFill>
-                <a:schemeClr val="dk1"/>
-              </a:solidFill>
-              <a:latin typeface="Calibri"/>
+            <a:endParaRPr b="0" lang="en-IN" sz="4400" spc="-1" strike="noStrike">
+              <a:solidFill>
+                <a:srgbClr val="000000"/>
+              </a:solidFill>
+              <a:latin typeface="Arial"/>
             </a:endParaRPr>
           </a:p>
         </p:txBody>
       </p:sp>
       <p:pic>
         <p:nvPicPr>
-          <p:cNvPr id="85" name="Picture 3" descr=""/>
+          <p:cNvPr id="68" name="Picture 3" descr=""/>
           <p:cNvPicPr/>
           <p:nvPr/>
         </p:nvPicPr>
@@ -10321,7 +8522,7 @@
         <p:spPr>
           <a:xfrm>
             <a:off x="460440" y="1689480"/>
-            <a:ext cx="4835880" cy="4347720"/>
+            <a:ext cx="4835520" cy="4347360"/>
           </a:xfrm>
           <a:prstGeom prst="rect">
             <a:avLst/>
@@ -10333,7 +8534,7 @@
       </p:pic>
       <p:pic>
         <p:nvPicPr>
-          <p:cNvPr id="86" name="Picture 5" descr=""/>
+          <p:cNvPr id="69" name="Picture 5" descr=""/>
           <p:cNvPicPr/>
           <p:nvPr/>
         </p:nvPicPr>
@@ -10344,7 +8545,7 @@
         <p:spPr>
           <a:xfrm>
             <a:off x="5747760" y="1840320"/>
-            <a:ext cx="6269040" cy="4045680"/>
+            <a:ext cx="6268680" cy="4045320"/>
           </a:xfrm>
           <a:prstGeom prst="rect">
             <a:avLst/>
@@ -10386,7 +8587,7 @@
       </p:grpSpPr>
       <p:sp>
         <p:nvSpPr>
-          <p:cNvPr id="87" name="PlaceHolder 1"/>
+          <p:cNvPr id="70" name="PlaceHolder 1"/>
           <p:cNvSpPr>
             <a:spLocks noGrp="1"/>
           </p:cNvSpPr>
@@ -10397,7 +8598,7 @@
         <p:spPr>
           <a:xfrm>
             <a:off x="2593080" y="624240"/>
-            <a:ext cx="6756480" cy="632880"/>
+            <a:ext cx="6756120" cy="632520"/>
           </a:xfrm>
           <a:prstGeom prst="rect">
             <a:avLst/>
@@ -10409,7 +8610,7 @@
         </p:spPr>
         <p:txBody>
           <a:bodyPr lIns="91440" rIns="91440" tIns="45720" bIns="45720" anchor="ctr">
-            <a:normAutofit fontScale="87285"/>
+            <a:normAutofit fontScale="87222"/>
           </a:bodyPr>
           <a:p>
             <a:pPr indent="0" defTabSz="914400">
@@ -10417,6 +8618,9 @@
                 <a:spcPct val="90000"/>
               </a:lnSpc>
               <a:buNone/>
+              <a:tabLst>
+                <a:tab algn="l" pos="0"/>
+              </a:tabLst>
             </a:pPr>
             <a:r>
               <a:rPr b="0" lang="en-IN" sz="4400" spc="-1" strike="noStrike">
@@ -10427,18 +8631,18 @@
               </a:rPr>
               <a:t>Pointer Diagram: BlockChain</a:t>
             </a:r>
-            <a:endParaRPr b="0" lang="en-US" sz="4400" spc="-1" strike="noStrike">
-              <a:solidFill>
-                <a:schemeClr val="dk1"/>
-              </a:solidFill>
-              <a:latin typeface="Calibri"/>
+            <a:endParaRPr b="0" lang="en-IN" sz="4400" spc="-1" strike="noStrike">
+              <a:solidFill>
+                <a:srgbClr val="000000"/>
+              </a:solidFill>
+              <a:latin typeface="Arial"/>
             </a:endParaRPr>
           </a:p>
         </p:txBody>
       </p:sp>
       <p:pic>
         <p:nvPicPr>
-          <p:cNvPr id="88" name="Picture 3" descr=""/>
+          <p:cNvPr id="71" name="Picture 3" descr=""/>
           <p:cNvPicPr/>
           <p:nvPr/>
         </p:nvPicPr>
@@ -10449,7 +8653,7 @@
         <p:spPr>
           <a:xfrm>
             <a:off x="707760" y="1769760"/>
-            <a:ext cx="10776240" cy="4052520"/>
+            <a:ext cx="10775880" cy="4052160"/>
           </a:xfrm>
           <a:prstGeom prst="rect">
             <a:avLst/>
